--- a/CMF.pptx
+++ b/CMF.pptx
@@ -124,7 +124,7 @@
   </p:defaultTextStyle>
   <p:extLst>
     <p:ext uri="{EFAFB233-063F-42B5-8137-9DF3F51BA10A}">
-      <p15:sldGuideLst xmlns:p15="http://schemas.microsoft.com/office/powerpoint/2012/main">
+      <p15:sldGuideLst xmlns:p15="http://schemas.microsoft.com/office/powerpoint/2012/main" xmlns="">
         <p15:guide id="1" orient="horz" pos="161">
           <p15:clr>
             <a:srgbClr val="A4A3A4"/>
@@ -168,7 +168,7 @@
       </p15:sldGuideLst>
     </p:ext>
     <p:ext uri="{2D200454-40CA-4A62-9FC3-DE9A4176ACB9}">
-      <p15:notesGuideLst xmlns:p15="http://schemas.microsoft.com/office/powerpoint/2012/main">
+      <p15:notesGuideLst xmlns:p15="http://schemas.microsoft.com/office/powerpoint/2012/main" xmlns="">
         <p15:guide id="1" orient="horz" pos="2924">
           <p15:clr>
             <a:srgbClr val="A4A3A4"/>
@@ -267,7 +267,7 @@
           <a:p>
             <a:fld id="{F0BB27B4-BE80-4A64-A720-975D9C2CD29D}" type="datetimeFigureOut">
               <a:rPr lang="en-US" smtClean="0"/>
-              <a:t>7/10/2017</a:t>
+              <a:t>07/12/2017</a:t>
             </a:fld>
             <a:endParaRPr lang="en-US"/>
           </a:p>
@@ -437,7 +437,7 @@
             <a:fld id="{80568A58-25BF-4ED8-BF3A-372FEB996820}" type="datetimeFigureOut">
               <a:rPr lang="en-US" smtClean="0"/>
               <a:pPr/>
-              <a:t>7/10/2017</a:t>
+              <a:t>07/12/2017</a:t>
             </a:fld>
             <a:endParaRPr lang="en-US" dirty="0"/>
           </a:p>
@@ -1116,7 +1116,7 @@
           <a:p>
             <a:pPr fontAlgn="base"/>
             <a:r>
-              <a:rPr lang="en-US" sz="1200" b="0" i="0" kern="1200" dirty="0">
+              <a:rPr lang="en-US" sz="1200" b="0" i="0" kern="1200" dirty="0" smtClean="0">
                 <a:solidFill>
                   <a:schemeClr val="tx1"/>
                 </a:solidFill>
@@ -1125,7 +1125,19 @@
                 <a:ea typeface="+mn-ea"/>
                 <a:cs typeface="+mn-cs"/>
               </a:rPr>
-              <a:t>In today’s age, consumers are provided — some may say overwhelmed — by an ever-expanding variety of goods and services in many industries. For example, since 1970:</a:t>
+              <a:t>since </a:t>
+            </a:r>
+            <a:r>
+              <a:rPr lang="en-US" sz="1200" b="0" i="0" kern="1200" dirty="0">
+                <a:solidFill>
+                  <a:schemeClr val="tx1"/>
+                </a:solidFill>
+                <a:effectLst/>
+                <a:latin typeface="Arial" panose="020B0604020202020204" pitchFamily="34" charset="0"/>
+                <a:ea typeface="+mn-ea"/>
+                <a:cs typeface="+mn-cs"/>
+              </a:rPr>
+              <a:t>1970:</a:t>
             </a:r>
           </a:p>
           <a:p>
@@ -1155,13 +1167,10 @@
                 <a:ea typeface="+mn-ea"/>
                 <a:cs typeface="+mn-cs"/>
               </a:rPr>
-              <a:t>The number of TV channels has gone from 5 to over 200.</a:t>
-            </a:r>
-          </a:p>
-          <a:p>
-            <a:pPr fontAlgn="base"/>
-            <a:r>
-              <a:rPr lang="en-US" sz="1200" b="0" i="0" kern="1200" dirty="0">
+              <a:t>The number of TV channels has gone from 5 to over </a:t>
+            </a:r>
+            <a:r>
+              <a:rPr lang="en-US" sz="1200" b="0" i="0" kern="1200" dirty="0" smtClean="0">
                 <a:solidFill>
                   <a:schemeClr val="tx1"/>
                 </a:solidFill>
@@ -1170,13 +1179,13 @@
                 <a:ea typeface="+mn-ea"/>
                 <a:cs typeface="+mn-cs"/>
               </a:rPr>
-              <a:t>The U.S. market makes available to consumers more than 145 over-the-counter pain relievers.</a:t>
+              <a:t>200.</a:t>
             </a:r>
           </a:p>
           <a:p>
             <a:pPr fontAlgn="base"/>
             <a:r>
-              <a:rPr lang="en-US" sz="1200" b="0" i="0" kern="1200" dirty="0">
+              <a:rPr lang="en-US" sz="1200" b="0" i="0" kern="1200" dirty="0" smtClean="0">
                 <a:solidFill>
                   <a:schemeClr val="tx1"/>
                 </a:solidFill>
@@ -1185,11 +1194,8 @@
                 <a:ea typeface="+mn-ea"/>
                 <a:cs typeface="+mn-cs"/>
               </a:rPr>
-              <a:t>There are more than 7,500 different prescription drugs.</a:t>
-            </a:r>
-          </a:p>
-          <a:p>
-            <a:pPr fontAlgn="base"/>
+              <a:t>Consumers </a:t>
+            </a:r>
             <a:r>
               <a:rPr lang="en-US" sz="1200" b="0" i="0" kern="1200" dirty="0">
                 <a:solidFill>
@@ -1200,13 +1206,10 @@
                 <a:ea typeface="+mn-ea"/>
                 <a:cs typeface="+mn-cs"/>
               </a:rPr>
-              <a:t>Consumers can find over 3,000 types of beers and 50 different brands of bottled water!!! in the market place.</a:t>
-            </a:r>
-          </a:p>
-          <a:p>
-            <a:pPr fontAlgn="base"/>
-            <a:r>
-              <a:rPr lang="en-US" sz="1200" b="0" i="0" kern="1200" dirty="0">
+              <a:t>can find over 3,000 types of beers and 50 different brands of bottled </a:t>
+            </a:r>
+            <a:r>
+              <a:rPr lang="en-US" sz="1200" b="0" i="0" kern="1200" dirty="0" smtClean="0">
                 <a:solidFill>
                   <a:schemeClr val="tx1"/>
                 </a:solidFill>
@@ -1215,11 +1218,8 @@
                 <a:ea typeface="+mn-ea"/>
                 <a:cs typeface="+mn-cs"/>
               </a:rPr>
-              <a:t>There are more than 350 breakfast cereals.</a:t>
-            </a:r>
-          </a:p>
-          <a:p>
-            <a:endParaRPr lang="en-US" dirty="0"/>
+              <a:t>water</a:t>
+            </a:r>
           </a:p>
           <a:p>
             <a:endParaRPr lang="en-US" dirty="0"/>
@@ -1236,74 +1236,6 @@
           </a:p>
           <a:p>
             <a:endParaRPr lang="en-US" baseline="0" dirty="0"/>
-          </a:p>
-          <a:p>
-            <a:pPr marL="0" marR="0" indent="0" algn="l" defTabSz="914400" rtl="0" eaLnBrk="1" fontAlgn="auto" latinLnBrk="0" hangingPunct="1">
-              <a:lnSpc>
-                <a:spcPct val="100000"/>
-              </a:lnSpc>
-              <a:spcBef>
-                <a:spcPts val="0"/>
-              </a:spcBef>
-              <a:spcAft>
-                <a:spcPts val="0"/>
-              </a:spcAft>
-              <a:buClrTx/>
-              <a:buSzTx/>
-              <a:buFontTx/>
-              <a:buNone/>
-              <a:tabLst/>
-              <a:defRPr/>
-            </a:pPr>
-            <a:r>
-              <a:rPr lang="en-US" baseline="0" dirty="0"/>
-              <a:t>And this is not limited to consumer goods - </a:t>
-            </a:r>
-            <a:r>
-              <a:rPr lang="en-US" sz="1200" b="0" i="1" kern="1200" dirty="0">
-                <a:solidFill>
-                  <a:schemeClr val="tx1"/>
-                </a:solidFill>
-                <a:effectLst/>
-                <a:latin typeface="Arial" panose="020B0604020202020204" pitchFamily="34" charset="0"/>
-                <a:ea typeface="+mn-ea"/>
-                <a:cs typeface="+mn-cs"/>
-              </a:rPr>
-              <a:t>In market research conducted by </a:t>
-            </a:r>
-            <a:r>
-              <a:rPr lang="en-US" sz="1200" b="0" i="1" kern="1200" dirty="0" err="1">
-                <a:solidFill>
-                  <a:schemeClr val="tx1"/>
-                </a:solidFill>
-                <a:effectLst/>
-                <a:latin typeface="Arial" panose="020B0604020202020204" pitchFamily="34" charset="0"/>
-                <a:ea typeface="+mn-ea"/>
-                <a:cs typeface="+mn-cs"/>
-              </a:rPr>
-              <a:t>GfK</a:t>
-            </a:r>
-            <a:r>
-              <a:rPr lang="en-US" sz="1200" b="0" i="1" kern="1200" dirty="0">
-                <a:solidFill>
-                  <a:schemeClr val="tx1"/>
-                </a:solidFill>
-                <a:effectLst/>
-                <a:latin typeface="Arial" panose="020B0604020202020204" pitchFamily="34" charset="0"/>
-                <a:ea typeface="+mn-ea"/>
-                <a:cs typeface="+mn-cs"/>
-              </a:rPr>
-              <a:t> which obtained results from consumers with over $10,000 in deposits, over 40% surveyed said they would be more inclined to continue their relationship with their primary bank if they offered products where the economics of the product could be personalized.</a:t>
-            </a:r>
-            <a:endParaRPr lang="en-US" sz="1200" b="0" i="0" kern="1200" dirty="0">
-              <a:solidFill>
-                <a:schemeClr val="tx1"/>
-              </a:solidFill>
-              <a:effectLst/>
-              <a:latin typeface="Arial" panose="020B0604020202020204" pitchFamily="34" charset="0"/>
-              <a:ea typeface="+mn-ea"/>
-              <a:cs typeface="+mn-cs"/>
-            </a:endParaRPr>
           </a:p>
           <a:p>
             <a:endParaRPr lang="en-US" dirty="0"/>
@@ -1406,10 +1338,51 @@
               </a:rPr>
               <a:t>Kim </a:t>
             </a:r>
-          </a:p>
-          <a:p>
-            <a:r>
-              <a:rPr lang="en-US" sz="1200" b="0" i="0" kern="1200" dirty="0">
+            <a:endParaRPr lang="en-US" sz="1200" b="0" i="0" kern="1200" dirty="0" smtClean="0">
+              <a:solidFill>
+                <a:schemeClr val="tx1"/>
+              </a:solidFill>
+              <a:effectLst/>
+              <a:latin typeface="Arial" panose="020B0604020202020204" pitchFamily="34" charset="0"/>
+              <a:ea typeface="+mn-ea"/>
+              <a:cs typeface="+mn-cs"/>
+            </a:endParaRPr>
+          </a:p>
+          <a:p>
+            <a:endParaRPr lang="en-US" sz="1200" b="0" i="0" kern="1200" dirty="0" smtClean="0">
+              <a:solidFill>
+                <a:schemeClr val="tx1"/>
+              </a:solidFill>
+              <a:effectLst/>
+              <a:latin typeface="Arial" panose="020B0604020202020204" pitchFamily="34" charset="0"/>
+              <a:ea typeface="+mn-ea"/>
+              <a:cs typeface="+mn-cs"/>
+            </a:endParaRPr>
+          </a:p>
+          <a:p>
+            <a:pPr marL="0" marR="0" indent="0" algn="l" defTabSz="914400" rtl="0" eaLnBrk="1" fontAlgn="auto" latinLnBrk="0" hangingPunct="1">
+              <a:lnSpc>
+                <a:spcPct val="100000"/>
+              </a:lnSpc>
+              <a:spcBef>
+                <a:spcPts val="0"/>
+              </a:spcBef>
+              <a:spcAft>
+                <a:spcPts val="0"/>
+              </a:spcAft>
+              <a:buClrTx/>
+              <a:buSzTx/>
+              <a:buFontTx/>
+              <a:buNone/>
+              <a:tabLst/>
+              <a:defRPr/>
+            </a:pPr>
+            <a:r>
+              <a:rPr lang="en-US" baseline="0" dirty="0" smtClean="0"/>
+              <a:t>And this is not limited to consumer goods - </a:t>
+            </a:r>
+            <a:r>
+              <a:rPr lang="en-US" sz="1200" b="0" i="1" kern="1200" dirty="0" smtClean="0">
                 <a:solidFill>
                   <a:schemeClr val="tx1"/>
                 </a:solidFill>
@@ -1418,8 +1391,41 @@
                 <a:ea typeface="+mn-ea"/>
                 <a:cs typeface="+mn-cs"/>
               </a:rPr>
-              <a:t>A paradigm shift is taking place, from a product centric approach (off-the-rack) to a customer centric approach (made-to-order), where customer involvement shifts from just purchase to the development as well. It’s become more important than ever for companies, especially those in financial services, to be nimble and respond quickly to this market demand.</a:t>
-            </a:r>
+              <a:t>In market research conducted by </a:t>
+            </a:r>
+            <a:r>
+              <a:rPr lang="en-US" sz="1200" b="0" i="1" kern="1200" dirty="0" err="1" smtClean="0">
+                <a:solidFill>
+                  <a:schemeClr val="tx1"/>
+                </a:solidFill>
+                <a:effectLst/>
+                <a:latin typeface="Arial" panose="020B0604020202020204" pitchFamily="34" charset="0"/>
+                <a:ea typeface="+mn-ea"/>
+                <a:cs typeface="+mn-cs"/>
+              </a:rPr>
+              <a:t>GfK</a:t>
+            </a:r>
+            <a:r>
+              <a:rPr lang="en-US" sz="1200" b="0" i="1" kern="1200" dirty="0" smtClean="0">
+                <a:solidFill>
+                  <a:schemeClr val="tx1"/>
+                </a:solidFill>
+                <a:effectLst/>
+                <a:latin typeface="Arial" panose="020B0604020202020204" pitchFamily="34" charset="0"/>
+                <a:ea typeface="+mn-ea"/>
+                <a:cs typeface="+mn-cs"/>
+              </a:rPr>
+              <a:t> which obtained results from consumers with over $10,000 in deposits, over 40% surveyed said they would be more inclined to continue their relationship with their primary bank if they offered products where the economics of the product could be personalized.</a:t>
+            </a:r>
+            <a:endParaRPr lang="en-US" sz="1200" b="0" i="0" kern="1200" dirty="0" smtClean="0">
+              <a:solidFill>
+                <a:schemeClr val="tx1"/>
+              </a:solidFill>
+              <a:effectLst/>
+              <a:latin typeface="Arial" panose="020B0604020202020204" pitchFamily="34" charset="0"/>
+              <a:ea typeface="+mn-ea"/>
+              <a:cs typeface="+mn-cs"/>
+            </a:endParaRPr>
           </a:p>
           <a:p>
             <a:endParaRPr lang="en-US" sz="1200" b="0" i="0" kern="1200" dirty="0">
@@ -1433,6 +1439,20 @@
             </a:endParaRPr>
           </a:p>
           <a:p>
+            <a:r>
+              <a:rPr lang="en-US" sz="1200" b="0" i="0" kern="1200" dirty="0">
+                <a:solidFill>
+                  <a:schemeClr val="tx1"/>
+                </a:solidFill>
+                <a:effectLst/>
+                <a:latin typeface="Arial" panose="020B0604020202020204" pitchFamily="34" charset="0"/>
+                <a:ea typeface="+mn-ea"/>
+                <a:cs typeface="+mn-cs"/>
+              </a:rPr>
+              <a:t>A paradigm shift is taking place, from a product centric approach (off-the-rack) to a customer centric approach (made-to-order), where customer involvement shifts from just purchase to the development as well. It’s become more important than ever for companies, especially those in financial services, to be nimble and respond quickly to this market demand.</a:t>
+            </a:r>
+          </a:p>
+          <a:p>
             <a:endParaRPr lang="en-US" sz="1200" b="0" i="0" kern="1200" dirty="0">
               <a:solidFill>
                 <a:schemeClr val="tx1"/>
@@ -1445,7 +1465,7 @@
           </a:p>
           <a:p>
             <a:r>
-              <a:rPr lang="en-US" sz="1200" b="0" i="1" kern="1200" dirty="0">
+              <a:rPr lang="en-US" sz="1200" b="0" i="0" kern="1200" dirty="0" smtClean="0">
                 <a:solidFill>
                   <a:schemeClr val="tx1"/>
                 </a:solidFill>
@@ -1454,10 +1474,10 @@
                 <a:ea typeface="+mn-ea"/>
                 <a:cs typeface="+mn-cs"/>
               </a:rPr>
-              <a:t>In market research conducted by </a:t>
-            </a:r>
-            <a:r>
-              <a:rPr lang="en-US" sz="1200" b="0" i="1" kern="1200" dirty="0" err="1">
+              <a:t>Customer respond</a:t>
+            </a:r>
+            <a:r>
+              <a:rPr lang="en-US" sz="1200" b="0" i="0" kern="1200" baseline="0" dirty="0" smtClean="0">
                 <a:solidFill>
                   <a:schemeClr val="tx1"/>
                 </a:solidFill>
@@ -1466,42 +1486,8 @@
                 <a:ea typeface="+mn-ea"/>
                 <a:cs typeface="+mn-cs"/>
               </a:rPr>
-              <a:t>GfK</a:t>
-            </a:r>
-            <a:r>
-              <a:rPr lang="en-US" sz="1200" b="0" i="1" kern="1200" dirty="0">
-                <a:solidFill>
-                  <a:schemeClr val="tx1"/>
-                </a:solidFill>
-                <a:effectLst/>
-                <a:latin typeface="Arial" panose="020B0604020202020204" pitchFamily="34" charset="0"/>
-                <a:ea typeface="+mn-ea"/>
-                <a:cs typeface="+mn-cs"/>
-              </a:rPr>
-              <a:t> which obtained results from consumers with over $10,000 in deposits, over 40% surveyed said they would be more inclined to continue their relationship with their primary bank if they offered products where the economics of the product could be personalized.</a:t>
-            </a:r>
-            <a:endParaRPr lang="en-US" sz="1200" b="0" i="0" kern="1200" dirty="0">
-              <a:solidFill>
-                <a:schemeClr val="tx1"/>
-              </a:solidFill>
-              <a:effectLst/>
-              <a:latin typeface="Arial" panose="020B0604020202020204" pitchFamily="34" charset="0"/>
-              <a:ea typeface="+mn-ea"/>
-              <a:cs typeface="+mn-cs"/>
-            </a:endParaRPr>
-          </a:p>
-          <a:p>
-            <a:endParaRPr lang="en-US" sz="1200" b="0" i="0" kern="1200" dirty="0">
-              <a:solidFill>
-                <a:schemeClr val="tx1"/>
-              </a:solidFill>
-              <a:effectLst/>
-              <a:latin typeface="Arial" panose="020B0604020202020204" pitchFamily="34" charset="0"/>
-              <a:ea typeface="+mn-ea"/>
-              <a:cs typeface="+mn-cs"/>
-            </a:endParaRPr>
-          </a:p>
-          <a:p>
+              <a:t> strongly to this.</a:t>
+            </a:r>
             <a:endParaRPr lang="en-US" sz="1200" b="0" i="0" kern="1200" dirty="0">
               <a:solidFill>
                 <a:schemeClr val="tx1"/>
@@ -1645,7 +1631,7 @@
               <a:t>Improving </a:t>
             </a:r>
             <a:r>
-              <a:rPr lang="en-US" sz="1200" b="0" i="1" kern="1200" baseline="0" dirty="0" err="1">
+              <a:rPr lang="en-US" sz="1200" b="0" i="1" kern="1200" baseline="0" dirty="0" smtClean="0">
                 <a:solidFill>
                   <a:schemeClr val="tx1"/>
                 </a:solidFill>
@@ -1654,7 +1640,7 @@
                 <a:ea typeface="+mn-ea"/>
                 <a:cs typeface="+mn-cs"/>
               </a:rPr>
-              <a:t>curstomer</a:t>
+              <a:t>customer </a:t>
             </a:r>
             <a:r>
               <a:rPr lang="en-US" sz="1200" b="0" i="1" kern="1200" baseline="0" dirty="0">
@@ -1666,7 +1652,7 @@
                 <a:ea typeface="+mn-ea"/>
                 <a:cs typeface="+mn-cs"/>
               </a:rPr>
-              <a:t> satisfaction, which drives loyalty</a:t>
+              <a:t>satisfaction, which drives loyalty</a:t>
             </a:r>
           </a:p>
           <a:p>
@@ -1697,7 +1683,43 @@
                 <a:ea typeface="+mn-ea"/>
                 <a:cs typeface="+mn-cs"/>
               </a:rPr>
-              <a:t>Help customer believe firm appreciates him or her and increase transparency, raising trust</a:t>
+              <a:t>Help customer believe firm appreciates him or her </a:t>
+            </a:r>
+            <a:r>
+              <a:rPr lang="en-US" sz="1200" b="0" i="1" kern="1200" baseline="0" dirty="0" err="1" smtClean="0">
+                <a:solidFill>
+                  <a:schemeClr val="tx1"/>
+                </a:solidFill>
+                <a:effectLst/>
+                <a:latin typeface="Arial" panose="020B0604020202020204" pitchFamily="34" charset="0"/>
+                <a:ea typeface="+mn-ea"/>
+                <a:cs typeface="+mn-cs"/>
+              </a:rPr>
+              <a:t>nd</a:t>
+            </a:r>
+            <a:r>
+              <a:rPr lang="en-US" sz="1200" b="0" i="1" kern="1200" baseline="0" dirty="0" smtClean="0">
+                <a:solidFill>
+                  <a:schemeClr val="tx1"/>
+                </a:solidFill>
+                <a:effectLst/>
+                <a:latin typeface="Arial" panose="020B0604020202020204" pitchFamily="34" charset="0"/>
+                <a:ea typeface="+mn-ea"/>
+                <a:cs typeface="+mn-cs"/>
+              </a:rPr>
+              <a:t> </a:t>
+            </a:r>
+            <a:r>
+              <a:rPr lang="en-US" sz="1200" b="0" i="1" kern="1200" baseline="0" dirty="0">
+                <a:solidFill>
+                  <a:schemeClr val="tx1"/>
+                </a:solidFill>
+                <a:effectLst/>
+                <a:latin typeface="Arial" panose="020B0604020202020204" pitchFamily="34" charset="0"/>
+                <a:ea typeface="+mn-ea"/>
+                <a:cs typeface="+mn-cs"/>
+              </a:rPr>
+              <a:t>increase transparency, raising trust</a:t>
             </a:r>
           </a:p>
           <a:p>
@@ -1719,7 +1741,7 @@
               <a:defRPr/>
             </a:pPr>
             <a:r>
-              <a:rPr lang="en-US" sz="1200" b="0" i="1" kern="1200" baseline="0" dirty="0">
+              <a:rPr lang="en-US" sz="1200" b="0" i="1" kern="1200" baseline="0" dirty="0" smtClean="0">
                 <a:solidFill>
                   <a:schemeClr val="tx1"/>
                 </a:solidFill>
@@ -1728,11 +1750,23 @@
                 <a:ea typeface="+mn-ea"/>
                 <a:cs typeface="+mn-cs"/>
               </a:rPr>
-              <a:t>Fidelity becomes harder to replace</a:t>
-            </a:r>
-          </a:p>
-          <a:p>
-            <a:pPr marL="171450" marR="0" indent="-171450" algn="l" defTabSz="914400" rtl="0" eaLnBrk="1" fontAlgn="auto" latinLnBrk="0" hangingPunct="1">
+              <a:t>Company like Fidelity </a:t>
+            </a:r>
+            <a:r>
+              <a:rPr lang="en-US" sz="1200" b="0" i="1" kern="1200" baseline="0" dirty="0">
+                <a:solidFill>
+                  <a:schemeClr val="tx1"/>
+                </a:solidFill>
+                <a:effectLst/>
+                <a:latin typeface="Arial" panose="020B0604020202020204" pitchFamily="34" charset="0"/>
+                <a:ea typeface="+mn-ea"/>
+                <a:cs typeface="+mn-cs"/>
+              </a:rPr>
+              <a:t>becomes harder to replace</a:t>
+            </a:r>
+          </a:p>
+          <a:p>
+            <a:pPr marL="0" marR="0" indent="0" algn="l" defTabSz="914400" rtl="0" eaLnBrk="1" fontAlgn="auto" latinLnBrk="0" hangingPunct="1">
               <a:lnSpc>
                 <a:spcPct val="100000"/>
               </a:lnSpc>
@@ -1745,38 +1779,7 @@
               <a:buClrTx/>
               <a:buSzTx/>
               <a:buFontTx/>
-              <a:buChar char="-"/>
-              <a:tabLst/>
-              <a:defRPr/>
-            </a:pPr>
-            <a:r>
-              <a:rPr lang="en-US" sz="1200" b="0" i="1" kern="1200" baseline="0" dirty="0">
-                <a:solidFill>
-                  <a:schemeClr val="tx1"/>
-                </a:solidFill>
-                <a:effectLst/>
-                <a:latin typeface="Arial" panose="020B0604020202020204" pitchFamily="34" charset="0"/>
-                <a:ea typeface="+mn-ea"/>
-                <a:cs typeface="+mn-cs"/>
-              </a:rPr>
-              <a:t>Better understand customer demands and needs</a:t>
-            </a:r>
-          </a:p>
-          <a:p>
-            <a:pPr marL="171450" marR="0" indent="-171450" algn="l" defTabSz="914400" rtl="0" eaLnBrk="1" fontAlgn="auto" latinLnBrk="0" hangingPunct="1">
-              <a:lnSpc>
-                <a:spcPct val="100000"/>
-              </a:lnSpc>
-              <a:spcBef>
-                <a:spcPts val="0"/>
-              </a:spcBef>
-              <a:spcAft>
-                <a:spcPts val="0"/>
-              </a:spcAft>
-              <a:buClrTx/>
-              <a:buSzTx/>
-              <a:buFontTx/>
-              <a:buChar char="-"/>
+              <a:buNone/>
               <a:tabLst/>
               <a:defRPr/>
             </a:pPr>
@@ -2211,17 +2214,8 @@
               <a:rPr lang="en-US" dirty="0">
                 <a:sym typeface="Wingdings" panose="05000000000000000000" pitchFamily="2" charset="2"/>
               </a:rPr>
-              <a:t>PC </a:t>
-            </a:r>
-            <a:r>
-              <a:rPr lang="en-US" dirty="0">
-                <a:sym typeface="Wingdings" panose="05000000000000000000" pitchFamily="2" charset="2"/>
-              </a:rPr>
-              <a:t>https://www.bing.com/images/search?view=detailV2&amp;ccid=eQPDfFMC&amp;id=FBD20BC1CAFC208644A94102BD25A463C836416E&amp;thid=OIP.eQPDfFMChYPzw9sh8Fc2gAEsD2&amp;q=crowd+sourcing&amp;simid=608029759967136335&amp;selectedIndex=55&amp;ajaxhist=0</a:t>
-            </a:r>
-            <a:endParaRPr lang="en-US" dirty="0">
-              <a:sym typeface="Wingdings" panose="05000000000000000000" pitchFamily="2" charset="2"/>
-            </a:endParaRPr>
+              <a:t>PC https://www.bing.com/images/search?view=detailV2&amp;ccid=eQPDfFMC&amp;id=FBD20BC1CAFC208644A94102BD25A463C836416E&amp;thid=OIP.eQPDfFMChYPzw9sh8Fc2gAEsD2&amp;q=crowd+sourcing&amp;simid=608029759967136335&amp;selectedIndex=55&amp;ajaxhist=0</a:t>
+            </a:r>
           </a:p>
           <a:p>
             <a:pPr lvl="1"/>
@@ -2321,11 +2315,7 @@
           <a:p>
             <a:r>
               <a:rPr lang="en-US" dirty="0"/>
-              <a:t>PC Credit: </a:t>
-            </a:r>
-            <a:r>
-              <a:rPr lang="en-US" dirty="0"/>
-              <a:t>https://www.google.com/search?q=mutual+funds&amp;source=lnms&amp;tbm=isch&amp;sa=X&amp;ved=0ahUKEwj2npy8r__UAhWBeCYKHarjAYAQ_AUICSgE&amp;biw=1366&amp;bih=652#imgrc=EYPf49JHI_0-2M:&amp;spf=1499712248929</a:t>
+              <a:t>PC Credit: https://www.google.com/search?q=mutual+funds&amp;source=lnms&amp;tbm=isch&amp;sa=X&amp;ved=0ahUKEwj2npy8r__UAhWBeCYKHarjAYAQ_AUICSgE&amp;biw=1366&amp;bih=652#imgrc=EYPf49JHI_0-2M:&amp;spf=1499712248929</a:t>
             </a:r>
           </a:p>
           <a:p>
@@ -2399,7 +2389,6 @@
               <a:rPr lang="en-US" dirty="0"/>
               <a:t>https://www.investor.gov/investing-basics/investment-products/mutual-funds</a:t>
             </a:r>
-            <a:endParaRPr lang="en-US" dirty="0"/>
           </a:p>
           <a:p>
             <a:r>
@@ -7139,7 +7128,6 @@
               <a:rPr lang="en-US" dirty="0"/>
               <a:t>The Sector Portfolio Builder</a:t>
             </a:r>
-            <a:endParaRPr lang="en-US" dirty="0"/>
           </a:p>
           <a:p>
             <a:pPr>
@@ -7856,7 +7844,6 @@
               <a:rPr lang="en-US" b="1" dirty="0"/>
               <a:t>Proposed Solution</a:t>
             </a:r>
-            <a:endParaRPr lang="en-US" b="1" dirty="0"/>
           </a:p>
           <a:p>
             <a:pPr>

--- a/CMF.pptx
+++ b/CMF.pptx
@@ -23,7 +23,7 @@
     <p:sldId id="499" r:id="rId11"/>
     <p:sldId id="501" r:id="rId12"/>
     <p:sldId id="495" r:id="rId13"/>
-    <p:sldId id="490" r:id="rId14"/>
+    <p:sldId id="502" r:id="rId14"/>
   </p:sldIdLst>
   <p:sldSz cx="9144000" cy="5715000" type="screen16x10"/>
   <p:notesSz cx="6985000" cy="9283700"/>
@@ -124,7 +124,7 @@
   </p:defaultTextStyle>
   <p:extLst>
     <p:ext uri="{EFAFB233-063F-42B5-8137-9DF3F51BA10A}">
-      <p15:sldGuideLst xmlns:p15="http://schemas.microsoft.com/office/powerpoint/2012/main" xmlns="">
+      <p15:sldGuideLst xmlns="" xmlns:p15="http://schemas.microsoft.com/office/powerpoint/2012/main">
         <p15:guide id="1" orient="horz" pos="161">
           <p15:clr>
             <a:srgbClr val="A4A3A4"/>
@@ -168,7 +168,7 @@
       </p15:sldGuideLst>
     </p:ext>
     <p:ext uri="{2D200454-40CA-4A62-9FC3-DE9A4176ACB9}">
-      <p15:notesGuideLst xmlns:p15="http://schemas.microsoft.com/office/powerpoint/2012/main" xmlns="">
+      <p15:notesGuideLst xmlns="" xmlns:p15="http://schemas.microsoft.com/office/powerpoint/2012/main">
         <p15:guide id="1" orient="horz" pos="2924">
           <p15:clr>
             <a:srgbClr val="A4A3A4"/>
@@ -839,9 +839,193 @@
           <a:lstStyle/>
           <a:p>
             <a:r>
-              <a:rPr lang="en-US" dirty="0"/>
+              <a:rPr lang="en-US" dirty="0" smtClean="0"/>
               <a:t>Peter</a:t>
             </a:r>
+          </a:p>
+          <a:p>
+            <a:r>
+              <a:rPr lang="en-US" dirty="0" smtClean="0"/>
+              <a:t>INTEGRATION</a:t>
+            </a:r>
+          </a:p>
+          <a:p>
+            <a:r>
+              <a:rPr lang="en-US" dirty="0" smtClean="0"/>
+              <a:t>-Fidelity has</a:t>
+            </a:r>
+            <a:r>
+              <a:rPr lang="en-US" baseline="0" dirty="0" smtClean="0"/>
+              <a:t> some tools that prove that it is possible to do something like this</a:t>
+            </a:r>
+          </a:p>
+          <a:p>
+            <a:r>
+              <a:rPr lang="en-US" baseline="0" dirty="0" smtClean="0"/>
+              <a:t>	-Fidelity Investments Community provides a forum for crowdsourcing ideas and giving or getting investment advice</a:t>
+            </a:r>
+          </a:p>
+          <a:p>
+            <a:r>
+              <a:rPr lang="en-US" baseline="0" dirty="0" smtClean="0"/>
+              <a:t>	-Sector Portfolio Builder provides personalized solutions to investment needs using EXISTING Fidelity products</a:t>
+            </a:r>
+          </a:p>
+          <a:p>
+            <a:r>
+              <a:rPr lang="en-US" baseline="0" dirty="0" smtClean="0"/>
+              <a:t>-All of these could combine nicely into one personalized investing tool</a:t>
+            </a:r>
+          </a:p>
+          <a:p>
+            <a:endParaRPr lang="en-US" baseline="0" dirty="0" smtClean="0"/>
+          </a:p>
+          <a:p>
+            <a:r>
+              <a:rPr lang="en-US" baseline="0" dirty="0" smtClean="0"/>
+              <a:t>COMPETITION</a:t>
+            </a:r>
+          </a:p>
+          <a:p>
+            <a:r>
+              <a:rPr lang="en-US" baseline="0" dirty="0" smtClean="0"/>
+              <a:t>-Read these:</a:t>
+            </a:r>
+          </a:p>
+          <a:p>
+            <a:r>
+              <a:rPr lang="en-US" sz="1200" kern="1200" dirty="0" smtClean="0">
+                <a:solidFill>
+                  <a:schemeClr val="tx1"/>
+                </a:solidFill>
+                <a:effectLst/>
+                <a:latin typeface="Arial" panose="020B0604020202020204" pitchFamily="34" charset="0"/>
+                <a:ea typeface="+mn-ea"/>
+                <a:cs typeface="+mn-cs"/>
+              </a:rPr>
+              <a:t> </a:t>
+            </a:r>
+          </a:p>
+          <a:p>
+            <a:r>
+              <a:rPr lang="en-US" sz="1200" kern="1200" dirty="0" smtClean="0">
+                <a:solidFill>
+                  <a:schemeClr val="tx1"/>
+                </a:solidFill>
+                <a:effectLst/>
+                <a:latin typeface="Arial" panose="020B0604020202020204" pitchFamily="34" charset="0"/>
+                <a:ea typeface="+mn-ea"/>
+                <a:cs typeface="+mn-cs"/>
+              </a:rPr>
+              <a:t>–      </a:t>
+            </a:r>
+            <a:r>
+              <a:rPr lang="en-US" sz="1200" u="sng" kern="1200" dirty="0" smtClean="0">
+                <a:solidFill>
+                  <a:schemeClr val="tx1"/>
+                </a:solidFill>
+                <a:effectLst/>
+                <a:latin typeface="Arial" panose="020B0604020202020204" pitchFamily="34" charset="0"/>
+                <a:ea typeface="+mn-ea"/>
+                <a:cs typeface="+mn-cs"/>
+                <a:hlinkClick r:id="rId3"/>
+              </a:rPr>
+              <a:t>http://www.matthias-schubert.com/social-media-banken/crowdsourcing-and-open-innovation-at-banks-and-financial-services</a:t>
+            </a:r>
+            <a:endParaRPr lang="en-US" sz="1200" kern="1200" dirty="0" smtClean="0">
+              <a:solidFill>
+                <a:schemeClr val="tx1"/>
+              </a:solidFill>
+              <a:effectLst/>
+              <a:latin typeface="Arial" panose="020B0604020202020204" pitchFamily="34" charset="0"/>
+              <a:ea typeface="+mn-ea"/>
+              <a:cs typeface="+mn-cs"/>
+            </a:endParaRPr>
+          </a:p>
+          <a:p>
+            <a:r>
+              <a:rPr lang="en-US" sz="1200" kern="1200" dirty="0" smtClean="0">
+                <a:solidFill>
+                  <a:schemeClr val="tx1"/>
+                </a:solidFill>
+                <a:effectLst/>
+                <a:latin typeface="Arial" panose="020B0604020202020204" pitchFamily="34" charset="0"/>
+                <a:ea typeface="+mn-ea"/>
+                <a:cs typeface="+mn-cs"/>
+              </a:rPr>
+              <a:t>–      </a:t>
+            </a:r>
+            <a:r>
+              <a:rPr lang="en-US" sz="1200" u="sng" kern="1200" dirty="0" smtClean="0">
+                <a:solidFill>
+                  <a:schemeClr val="tx1"/>
+                </a:solidFill>
+                <a:effectLst/>
+                <a:latin typeface="Arial" panose="020B0604020202020204" pitchFamily="34" charset="0"/>
+                <a:ea typeface="+mn-ea"/>
+                <a:cs typeface="+mn-cs"/>
+                <a:hlinkClick r:id="rId4"/>
+              </a:rPr>
+              <a:t>https://www.ideaconnection.com/open-innovation-success/Financial-Institution-Banks-on-Crowdsourcing-Success-00467.html</a:t>
+            </a:r>
+            <a:endParaRPr lang="en-US" sz="1200" kern="1200" dirty="0" smtClean="0">
+              <a:solidFill>
+                <a:schemeClr val="tx1"/>
+              </a:solidFill>
+              <a:effectLst/>
+              <a:latin typeface="Arial" panose="020B0604020202020204" pitchFamily="34" charset="0"/>
+              <a:ea typeface="+mn-ea"/>
+              <a:cs typeface="+mn-cs"/>
+            </a:endParaRPr>
+          </a:p>
+          <a:p>
+            <a:r>
+              <a:rPr lang="en-US" sz="1200" kern="1200" dirty="0" smtClean="0">
+                <a:solidFill>
+                  <a:schemeClr val="tx1"/>
+                </a:solidFill>
+                <a:effectLst/>
+                <a:latin typeface="Arial" panose="020B0604020202020204" pitchFamily="34" charset="0"/>
+                <a:ea typeface="+mn-ea"/>
+                <a:cs typeface="+mn-cs"/>
+              </a:rPr>
+              <a:t>–      </a:t>
+            </a:r>
+            <a:r>
+              <a:rPr lang="en-US" sz="1200" u="sng" kern="1200" dirty="0" smtClean="0">
+                <a:solidFill>
+                  <a:schemeClr val="tx1"/>
+                </a:solidFill>
+                <a:effectLst/>
+                <a:latin typeface="Arial" panose="020B0604020202020204" pitchFamily="34" charset="0"/>
+                <a:ea typeface="+mn-ea"/>
+                <a:cs typeface="+mn-cs"/>
+                <a:hlinkClick r:id="rId5"/>
+              </a:rPr>
+              <a:t>http://www.banktech.com/payments/crowdsourcing-development-of-financial-products-a-new-path-to-customer-engagement/d/d-id/1295846</a:t>
+            </a:r>
+            <a:r>
+              <a:rPr lang="en-US" sz="1200" kern="1200" dirty="0" smtClean="0">
+                <a:solidFill>
+                  <a:schemeClr val="tx1"/>
+                </a:solidFill>
+                <a:effectLst/>
+                <a:latin typeface="Arial" panose="020B0604020202020204" pitchFamily="34" charset="0"/>
+                <a:ea typeface="+mn-ea"/>
+                <a:cs typeface="+mn-cs"/>
+              </a:rPr>
+              <a:t>?</a:t>
+            </a:r>
+            <a:endParaRPr lang="en-US" baseline="0" dirty="0" smtClean="0"/>
+          </a:p>
+          <a:p>
+            <a:r>
+              <a:rPr lang="en-US" baseline="0" dirty="0" smtClean="0"/>
+              <a:t>-If they can do it we can and should be doing it to keep up in the market</a:t>
+            </a:r>
+          </a:p>
+          <a:p>
+            <a:endParaRPr lang="en-US" dirty="0"/>
           </a:p>
         </p:txBody>
       </p:sp>
@@ -927,9 +1111,32 @@
           <a:lstStyle/>
           <a:p>
             <a:r>
-              <a:rPr lang="en-US" dirty="0"/>
+              <a:rPr lang="en-US" dirty="0" smtClean="0"/>
               <a:t>Peter</a:t>
             </a:r>
+          </a:p>
+          <a:p>
+            <a:r>
+              <a:rPr lang="en-US" dirty="0" smtClean="0"/>
+              <a:t>-We estimate based on our</a:t>
+            </a:r>
+            <a:r>
+              <a:rPr lang="en-US" baseline="0" dirty="0" smtClean="0"/>
+              <a:t> time beginning to develop this tool that it would take 3-6 months to fully develop</a:t>
+            </a:r>
+          </a:p>
+          <a:p>
+            <a:r>
+              <a:rPr lang="en-US" baseline="0" dirty="0" smtClean="0"/>
+              <a:t>-We’d also estimate that 15 hours a week should be spent on bug fixes and enhancements</a:t>
+            </a:r>
+          </a:p>
+          <a:p>
+            <a:r>
+              <a:rPr lang="en-US" baseline="0" dirty="0" smtClean="0"/>
+              <a:t>-A final cost would be the financial analyst. We can’t forecast the number of hours to be spent reviewing and researching ideas because it’s highly dependent on the quantity and quality of ideas received through this platform</a:t>
+            </a:r>
+            <a:endParaRPr lang="en-US" dirty="0"/>
           </a:p>
         </p:txBody>
       </p:sp>
@@ -961,6 +1168,91 @@
     <p:extLst>
       <p:ext uri="{BB962C8B-B14F-4D97-AF65-F5344CB8AC3E}">
         <p14:creationId xmlns:p14="http://schemas.microsoft.com/office/powerpoint/2010/main" val="1222741143"/>
+      </p:ext>
+    </p:extLst>
+  </p:cSld>
+  <p:clrMapOvr>
+    <a:masterClrMapping/>
+  </p:clrMapOvr>
+</p:notes>
+</file>
+
+<file path=ppt/notesSlides/notesSlide12.xml><?xml version="1.0" encoding="utf-8"?>
+<p:notes xmlns:a="http://schemas.openxmlformats.org/drawingml/2006/main" xmlns:r="http://schemas.openxmlformats.org/officeDocument/2006/relationships" xmlns:p="http://schemas.openxmlformats.org/presentationml/2006/main">
+  <p:cSld>
+    <p:spTree>
+      <p:nvGrpSpPr>
+        <p:cNvPr id="1" name=""/>
+        <p:cNvGrpSpPr/>
+        <p:nvPr/>
+      </p:nvGrpSpPr>
+      <p:grpSpPr>
+        <a:xfrm>
+          <a:off x="0" y="0"/>
+          <a:ext cx="0" cy="0"/>
+          <a:chOff x="0" y="0"/>
+          <a:chExt cx="0" cy="0"/>
+        </a:xfrm>
+      </p:grpSpPr>
+      <p:sp>
+        <p:nvSpPr>
+          <p:cNvPr id="2" name="Slide Image Placeholder 1"/>
+          <p:cNvSpPr>
+            <a:spLocks noGrp="1" noRot="1" noChangeAspect="1"/>
+          </p:cNvSpPr>
+          <p:nvPr>
+            <p:ph type="sldImg"/>
+          </p:nvPr>
+        </p:nvSpPr>
+        <p:spPr/>
+      </p:sp>
+      <p:sp>
+        <p:nvSpPr>
+          <p:cNvPr id="3" name="Notes Placeholder 2"/>
+          <p:cNvSpPr>
+            <a:spLocks noGrp="1"/>
+          </p:cNvSpPr>
+          <p:nvPr>
+            <p:ph type="body" idx="1"/>
+          </p:nvPr>
+        </p:nvSpPr>
+        <p:spPr/>
+        <p:txBody>
+          <a:bodyPr/>
+          <a:lstStyle/>
+          <a:p>
+            <a:endParaRPr lang="en-US" dirty="0"/>
+          </a:p>
+        </p:txBody>
+      </p:sp>
+      <p:sp>
+        <p:nvSpPr>
+          <p:cNvPr id="4" name="Slide Number Placeholder 3"/>
+          <p:cNvSpPr>
+            <a:spLocks noGrp="1"/>
+          </p:cNvSpPr>
+          <p:nvPr>
+            <p:ph type="sldNum" sz="quarter" idx="10"/>
+          </p:nvPr>
+        </p:nvSpPr>
+        <p:spPr/>
+        <p:txBody>
+          <a:bodyPr/>
+          <a:lstStyle/>
+          <a:p>
+            <a:fld id="{D956B978-5561-43A9-995A-DAC25F8E4654}" type="slidenum">
+              <a:rPr lang="en-US" smtClean="0"/>
+              <a:pPr/>
+              <a:t>13</a:t>
+            </a:fld>
+            <a:endParaRPr lang="en-US" dirty="0"/>
+          </a:p>
+        </p:txBody>
+      </p:sp>
+    </p:spTree>
+    <p:extLst>
+      <p:ext uri="{BB962C8B-B14F-4D97-AF65-F5344CB8AC3E}">
+        <p14:creationId xmlns:p14="http://schemas.microsoft.com/office/powerpoint/2010/main" val="1590927882"/>
       </p:ext>
     </p:extLst>
   </p:cSld>
@@ -1811,6 +2103,60 @@
               <a:tabLst/>
               <a:defRPr/>
             </a:pPr>
+            <a:endParaRPr lang="en-US" sz="1200" b="0" i="1" kern="1200" dirty="0" smtClean="0">
+              <a:solidFill>
+                <a:schemeClr val="tx1"/>
+              </a:solidFill>
+              <a:effectLst/>
+              <a:latin typeface="Arial" panose="020B0604020202020204" pitchFamily="34" charset="0"/>
+              <a:ea typeface="+mn-ea"/>
+              <a:cs typeface="+mn-cs"/>
+            </a:endParaRPr>
+          </a:p>
+          <a:p>
+            <a:pPr marL="0" marR="0" indent="0" algn="l" defTabSz="914400" rtl="0" eaLnBrk="1" fontAlgn="auto" latinLnBrk="0" hangingPunct="1">
+              <a:lnSpc>
+                <a:spcPct val="100000"/>
+              </a:lnSpc>
+              <a:spcBef>
+                <a:spcPts val="0"/>
+              </a:spcBef>
+              <a:spcAft>
+                <a:spcPts val="0"/>
+              </a:spcAft>
+              <a:buClrTx/>
+              <a:buSzTx/>
+              <a:buFontTx/>
+              <a:buNone/>
+              <a:tabLst/>
+              <a:defRPr/>
+            </a:pPr>
+            <a:r>
+              <a:rPr lang="en-US" dirty="0" smtClean="0">
+                <a:hlinkClick r:id="rId3"/>
+              </a:rPr>
+              <a:t>https://thefinancialbrand.com/37391/bank-personalization-product-development/</a:t>
+            </a:r>
+            <a:endParaRPr lang="en-US" dirty="0" smtClean="0"/>
+          </a:p>
+          <a:p>
+            <a:pPr marL="0" marR="0" indent="0" algn="l" defTabSz="914400" rtl="0" eaLnBrk="1" fontAlgn="auto" latinLnBrk="0" hangingPunct="1">
+              <a:lnSpc>
+                <a:spcPct val="100000"/>
+              </a:lnSpc>
+              <a:spcBef>
+                <a:spcPts val="0"/>
+              </a:spcBef>
+              <a:spcAft>
+                <a:spcPts val="0"/>
+              </a:spcAft>
+              <a:buClrTx/>
+              <a:buSzTx/>
+              <a:buFontTx/>
+              <a:buNone/>
+              <a:tabLst/>
+              <a:defRPr/>
+            </a:pPr>
             <a:endParaRPr lang="en-US" sz="1200" b="0" i="1" kern="1200" dirty="0">
               <a:solidFill>
                 <a:schemeClr val="tx1"/>
@@ -2768,15 +3114,36 @@
           <a:p>
             <a:r>
               <a:rPr lang="en-US" dirty="0"/>
-              <a:t>Savings and ROI</a:t>
-            </a:r>
-          </a:p>
-          <a:p>
-            <a:endParaRPr lang="en-US" dirty="0"/>
-          </a:p>
-          <a:p>
-            <a:r>
-              <a:rPr lang="en-US" sz="1200" kern="1200" dirty="0">
+              <a:t>Savings and </a:t>
+            </a:r>
+            <a:r>
+              <a:rPr lang="en-US" dirty="0" smtClean="0"/>
+              <a:t>ROI</a:t>
+            </a:r>
+          </a:p>
+          <a:p>
+            <a:endParaRPr lang="en-US" dirty="0" smtClean="0"/>
+          </a:p>
+          <a:p>
+            <a:pPr marL="0" marR="0" indent="0" algn="l" defTabSz="914400" rtl="0" eaLnBrk="1" fontAlgn="auto" latinLnBrk="0" hangingPunct="1">
+              <a:lnSpc>
+                <a:spcPct val="100000"/>
+              </a:lnSpc>
+              <a:spcBef>
+                <a:spcPts val="0"/>
+              </a:spcBef>
+              <a:spcAft>
+                <a:spcPts val="0"/>
+              </a:spcAft>
+              <a:buClrTx/>
+              <a:buSzTx/>
+              <a:buFontTx/>
+              <a:buNone/>
+              <a:tabLst/>
+              <a:defRPr/>
+            </a:pPr>
+            <a:r>
+              <a:rPr lang="en-US" sz="1200" kern="1200" dirty="0" smtClean="0">
                 <a:solidFill>
                   <a:schemeClr val="tx1"/>
                 </a:solidFill>
@@ -2785,12 +3152,39 @@
                 <a:ea typeface="+mn-ea"/>
                 <a:cs typeface="+mn-cs"/>
               </a:rPr>
-              <a:t>[‎7/‎10/‎2017 2:51 PM] Holmgren, Kimberly: </a:t>
-            </a:r>
-          </a:p>
-          <a:p>
-            <a:r>
-              <a:rPr lang="en-US" sz="1200" i="1" kern="1200" dirty="0">
+              <a:t>Fidelity – customer centric </a:t>
+            </a:r>
+          </a:p>
+          <a:p>
+            <a:endParaRPr lang="en-US" dirty="0" smtClean="0"/>
+          </a:p>
+          <a:p>
+            <a:r>
+              <a:rPr lang="en-US" dirty="0" smtClean="0"/>
+              <a:t>Attract</a:t>
+            </a:r>
+            <a:endParaRPr lang="en-US" dirty="0"/>
+          </a:p>
+          <a:p>
+            <a:pPr marL="0" marR="0" indent="0" algn="l" defTabSz="914400" rtl="0" eaLnBrk="1" fontAlgn="auto" latinLnBrk="0" hangingPunct="1">
+              <a:lnSpc>
+                <a:spcPct val="100000"/>
+              </a:lnSpc>
+              <a:spcBef>
+                <a:spcPts val="0"/>
+              </a:spcBef>
+              <a:spcAft>
+                <a:spcPts val="0"/>
+              </a:spcAft>
+              <a:buClrTx/>
+              <a:buSzTx/>
+              <a:buFontTx/>
+              <a:buNone/>
+              <a:tabLst/>
+              <a:defRPr/>
+            </a:pPr>
+            <a:r>
+              <a:rPr lang="en-US" sz="1200" b="0" i="1" kern="1200" dirty="0" smtClean="0">
                 <a:solidFill>
                   <a:schemeClr val="tx1"/>
                 </a:solidFill>
@@ -2799,33 +3193,28 @@
                 <a:ea typeface="+mn-ea"/>
                 <a:cs typeface="+mn-cs"/>
               </a:rPr>
-              <a:t>In market research conducted by </a:t>
-            </a:r>
-            <a:r>
-              <a:rPr lang="en-US" sz="1200" i="1" kern="1200" dirty="0" err="1">
-                <a:solidFill>
-                  <a:schemeClr val="tx1"/>
-                </a:solidFill>
-                <a:effectLst/>
-                <a:latin typeface="Arial" panose="020B0604020202020204" pitchFamily="34" charset="0"/>
-                <a:ea typeface="+mn-ea"/>
-                <a:cs typeface="+mn-cs"/>
-              </a:rPr>
-              <a:t>GfK</a:t>
-            </a:r>
-            <a:r>
-              <a:rPr lang="en-US" sz="1200" i="1" kern="1200" dirty="0">
-                <a:solidFill>
-                  <a:schemeClr val="tx1"/>
-                </a:solidFill>
-                <a:effectLst/>
-                <a:latin typeface="Arial" panose="020B0604020202020204" pitchFamily="34" charset="0"/>
-                <a:ea typeface="+mn-ea"/>
-                <a:cs typeface="+mn-cs"/>
-              </a:rPr>
-              <a:t> which obtained results from consumers with over $10,000 in deposits, over 40% surveyed said they would be more inclined to continue their relationship with their primary bank if they offered products where the economics of the product could be personalized.</a:t>
-            </a:r>
-            <a:endParaRPr lang="en-US" sz="1200" kern="1200" dirty="0">
+              <a:t>“Brand Keys, a research firm that studies customer loyalty, found that personalization is 30% of what draws a person to a brand today, as opposed to only six percent in 1997.”</a:t>
+            </a:r>
+          </a:p>
+          <a:p>
+            <a:pPr marL="0" marR="0" indent="0" algn="l" defTabSz="914400" rtl="0" eaLnBrk="1" fontAlgn="auto" latinLnBrk="0" hangingPunct="1">
+              <a:lnSpc>
+                <a:spcPct val="100000"/>
+              </a:lnSpc>
+              <a:spcBef>
+                <a:spcPts val="0"/>
+              </a:spcBef>
+              <a:spcAft>
+                <a:spcPts val="0"/>
+              </a:spcAft>
+              <a:buClrTx/>
+              <a:buSzTx/>
+              <a:buFontTx/>
+              <a:buNone/>
+              <a:tabLst/>
+              <a:defRPr/>
+            </a:pPr>
+            <a:endParaRPr lang="en-US" sz="1200" b="0" i="1" kern="1200" dirty="0" smtClean="0">
               <a:solidFill>
                 <a:schemeClr val="tx1"/>
               </a:solidFill>
@@ -2836,8 +3225,25 @@
             </a:endParaRPr>
           </a:p>
           <a:p>
-            <a:r>
-              <a:rPr lang="en-US" sz="1200" kern="1200" dirty="0">
+            <a:pPr marL="0" marR="0" indent="0" algn="l" defTabSz="914400" rtl="0" eaLnBrk="1" fontAlgn="auto" latinLnBrk="0" hangingPunct="1">
+              <a:lnSpc>
+                <a:spcPct val="100000"/>
+              </a:lnSpc>
+              <a:spcBef>
+                <a:spcPts val="0"/>
+              </a:spcBef>
+              <a:spcAft>
+                <a:spcPts val="0"/>
+              </a:spcAft>
+              <a:buClrTx/>
+              <a:buSzTx/>
+              <a:buFontTx/>
+              <a:buNone/>
+              <a:tabLst/>
+              <a:defRPr/>
+            </a:pPr>
+            <a:r>
+              <a:rPr lang="en-US" sz="1200" b="0" i="1" kern="1200" dirty="0" smtClean="0">
                 <a:solidFill>
                   <a:schemeClr val="tx1"/>
                 </a:solidFill>
@@ -2846,8 +3252,259 @@
                 <a:ea typeface="+mn-ea"/>
                 <a:cs typeface="+mn-cs"/>
               </a:rPr>
-              <a:t> </a:t>
-            </a:r>
+              <a:t>Retain</a:t>
+            </a:r>
+          </a:p>
+          <a:p>
+            <a:pPr marL="0" marR="0" indent="0" algn="l" defTabSz="914400" rtl="0" eaLnBrk="1" fontAlgn="auto" latinLnBrk="0" hangingPunct="1">
+              <a:lnSpc>
+                <a:spcPct val="100000"/>
+              </a:lnSpc>
+              <a:spcBef>
+                <a:spcPts val="0"/>
+              </a:spcBef>
+              <a:spcAft>
+                <a:spcPts val="0"/>
+              </a:spcAft>
+              <a:buClrTx/>
+              <a:buSzTx/>
+              <a:buFontTx/>
+              <a:buNone/>
+              <a:tabLst/>
+              <a:defRPr/>
+            </a:pPr>
+            <a:r>
+              <a:rPr lang="en-US" sz="1200" b="0" i="1" kern="1200" dirty="0" smtClean="0">
+                <a:solidFill>
+                  <a:schemeClr val="tx1"/>
+                </a:solidFill>
+                <a:effectLst/>
+                <a:latin typeface="Arial" panose="020B0604020202020204" pitchFamily="34" charset="0"/>
+                <a:ea typeface="+mn-ea"/>
+                <a:cs typeface="+mn-cs"/>
+              </a:rPr>
+              <a:t>-Fidelity becomes harder to replace</a:t>
+            </a:r>
+            <a:r>
+              <a:rPr lang="en-US" sz="1200" b="0" i="1" kern="1200" baseline="0" dirty="0" smtClean="0">
+                <a:solidFill>
+                  <a:schemeClr val="tx1"/>
+                </a:solidFill>
+                <a:effectLst/>
+                <a:latin typeface="Arial" panose="020B0604020202020204" pitchFamily="34" charset="0"/>
+                <a:ea typeface="+mn-ea"/>
+                <a:cs typeface="+mn-cs"/>
+              </a:rPr>
+              <a:t> – no other firm offers their product</a:t>
+            </a:r>
+            <a:endParaRPr lang="en-US" sz="1200" b="0" i="1" kern="1200" dirty="0" smtClean="0">
+              <a:solidFill>
+                <a:schemeClr val="tx1"/>
+              </a:solidFill>
+              <a:effectLst/>
+              <a:latin typeface="Arial" panose="020B0604020202020204" pitchFamily="34" charset="0"/>
+              <a:ea typeface="+mn-ea"/>
+              <a:cs typeface="+mn-cs"/>
+            </a:endParaRPr>
+          </a:p>
+          <a:p>
+            <a:pPr marL="0" marR="0" indent="0" algn="l" defTabSz="914400" rtl="0" eaLnBrk="1" fontAlgn="auto" latinLnBrk="0" hangingPunct="1">
+              <a:lnSpc>
+                <a:spcPct val="100000"/>
+              </a:lnSpc>
+              <a:spcBef>
+                <a:spcPts val="0"/>
+              </a:spcBef>
+              <a:spcAft>
+                <a:spcPts val="0"/>
+              </a:spcAft>
+              <a:buClrTx/>
+              <a:buSzTx/>
+              <a:buFontTx/>
+              <a:buNone/>
+              <a:tabLst/>
+              <a:defRPr/>
+            </a:pPr>
+            <a:endParaRPr lang="en-US" sz="1200" b="0" i="1" kern="1200" dirty="0" smtClean="0">
+              <a:solidFill>
+                <a:schemeClr val="tx1"/>
+              </a:solidFill>
+              <a:effectLst/>
+              <a:latin typeface="Arial" panose="020B0604020202020204" pitchFamily="34" charset="0"/>
+              <a:ea typeface="+mn-ea"/>
+              <a:cs typeface="+mn-cs"/>
+            </a:endParaRPr>
+          </a:p>
+          <a:p>
+            <a:pPr marL="0" marR="0" indent="0" algn="l" defTabSz="914400" rtl="0" eaLnBrk="1" fontAlgn="auto" latinLnBrk="0" hangingPunct="1">
+              <a:lnSpc>
+                <a:spcPct val="100000"/>
+              </a:lnSpc>
+              <a:spcBef>
+                <a:spcPts val="0"/>
+              </a:spcBef>
+              <a:spcAft>
+                <a:spcPts val="0"/>
+              </a:spcAft>
+              <a:buClrTx/>
+              <a:buSzTx/>
+              <a:buFontTx/>
+              <a:buNone/>
+              <a:tabLst/>
+              <a:defRPr/>
+            </a:pPr>
+            <a:r>
+              <a:rPr lang="en-US" sz="1200" b="0" i="1" kern="1200" dirty="0" smtClean="0">
+                <a:solidFill>
+                  <a:schemeClr val="tx1"/>
+                </a:solidFill>
+                <a:effectLst/>
+                <a:latin typeface="Arial" panose="020B0604020202020204" pitchFamily="34" charset="0"/>
+                <a:ea typeface="+mn-ea"/>
+                <a:cs typeface="+mn-cs"/>
+              </a:rPr>
+              <a:t>Satisfy</a:t>
+            </a:r>
+          </a:p>
+          <a:p>
+            <a:pPr marL="0" marR="0" indent="0" algn="l" defTabSz="914400" rtl="0" eaLnBrk="1" fontAlgn="auto" latinLnBrk="0" hangingPunct="1">
+              <a:lnSpc>
+                <a:spcPct val="100000"/>
+              </a:lnSpc>
+              <a:spcBef>
+                <a:spcPts val="0"/>
+              </a:spcBef>
+              <a:spcAft>
+                <a:spcPts val="0"/>
+              </a:spcAft>
+              <a:buClrTx/>
+              <a:buSzTx/>
+              <a:buFontTx/>
+              <a:buNone/>
+              <a:tabLst/>
+              <a:defRPr/>
+            </a:pPr>
+            <a:r>
+              <a:rPr lang="en-US" sz="1200" b="0" i="1" kern="1200" dirty="0" smtClean="0">
+                <a:solidFill>
+                  <a:schemeClr val="tx1"/>
+                </a:solidFill>
+                <a:effectLst/>
+                <a:latin typeface="Arial" panose="020B0604020202020204" pitchFamily="34" charset="0"/>
+                <a:ea typeface="+mn-ea"/>
+                <a:cs typeface="+mn-cs"/>
+              </a:rPr>
+              <a:t>Other benefits</a:t>
+            </a:r>
+            <a:r>
+              <a:rPr lang="en-US" sz="1200" b="0" i="1" kern="1200" baseline="0" dirty="0" smtClean="0">
+                <a:solidFill>
+                  <a:schemeClr val="tx1"/>
+                </a:solidFill>
+                <a:effectLst/>
+                <a:latin typeface="Arial" panose="020B0604020202020204" pitchFamily="34" charset="0"/>
+                <a:ea typeface="+mn-ea"/>
+                <a:cs typeface="+mn-cs"/>
+              </a:rPr>
+              <a:t> of personalization</a:t>
+            </a:r>
+          </a:p>
+          <a:p>
+            <a:pPr marL="171450" marR="0" indent="-171450" algn="l" defTabSz="914400" rtl="0" eaLnBrk="1" fontAlgn="auto" latinLnBrk="0" hangingPunct="1">
+              <a:lnSpc>
+                <a:spcPct val="100000"/>
+              </a:lnSpc>
+              <a:spcBef>
+                <a:spcPts val="0"/>
+              </a:spcBef>
+              <a:spcAft>
+                <a:spcPts val="0"/>
+              </a:spcAft>
+              <a:buClrTx/>
+              <a:buSzTx/>
+              <a:buFontTx/>
+              <a:buChar char="-"/>
+              <a:tabLst/>
+              <a:defRPr/>
+            </a:pPr>
+            <a:r>
+              <a:rPr lang="en-US" sz="1200" b="0" i="1" kern="1200" baseline="0" dirty="0" smtClean="0">
+                <a:solidFill>
+                  <a:schemeClr val="tx1"/>
+                </a:solidFill>
+                <a:effectLst/>
+                <a:latin typeface="Arial" panose="020B0604020202020204" pitchFamily="34" charset="0"/>
+                <a:ea typeface="+mn-ea"/>
+                <a:cs typeface="+mn-cs"/>
+              </a:rPr>
+              <a:t>Improving customer satisfaction, which drives loyalty</a:t>
+            </a:r>
+          </a:p>
+          <a:p>
+            <a:pPr marL="171450" marR="0" indent="-171450" algn="l" defTabSz="914400" rtl="0" eaLnBrk="1" fontAlgn="auto" latinLnBrk="0" hangingPunct="1">
+              <a:lnSpc>
+                <a:spcPct val="100000"/>
+              </a:lnSpc>
+              <a:spcBef>
+                <a:spcPts val="0"/>
+              </a:spcBef>
+              <a:spcAft>
+                <a:spcPts val="0"/>
+              </a:spcAft>
+              <a:buClrTx/>
+              <a:buSzTx/>
+              <a:buFontTx/>
+              <a:buChar char="-"/>
+              <a:tabLst/>
+              <a:defRPr/>
+            </a:pPr>
+            <a:r>
+              <a:rPr lang="en-US" sz="1200" b="0" i="1" kern="1200" baseline="0" dirty="0" smtClean="0">
+                <a:solidFill>
+                  <a:schemeClr val="tx1"/>
+                </a:solidFill>
+                <a:effectLst/>
+                <a:latin typeface="Arial" panose="020B0604020202020204" pitchFamily="34" charset="0"/>
+                <a:ea typeface="+mn-ea"/>
+                <a:cs typeface="+mn-cs"/>
+              </a:rPr>
+              <a:t>Help customer believe firm appreciates him or her </a:t>
+            </a:r>
+            <a:r>
+              <a:rPr lang="en-US" sz="1200" b="0" i="1" kern="1200" baseline="0" dirty="0" err="1" smtClean="0">
+                <a:solidFill>
+                  <a:schemeClr val="tx1"/>
+                </a:solidFill>
+                <a:effectLst/>
+                <a:latin typeface="Arial" panose="020B0604020202020204" pitchFamily="34" charset="0"/>
+                <a:ea typeface="+mn-ea"/>
+                <a:cs typeface="+mn-cs"/>
+              </a:rPr>
+              <a:t>nd</a:t>
+            </a:r>
+            <a:r>
+              <a:rPr lang="en-US" sz="1200" b="0" i="1" kern="1200" baseline="0" dirty="0" smtClean="0">
+                <a:solidFill>
+                  <a:schemeClr val="tx1"/>
+                </a:solidFill>
+                <a:effectLst/>
+                <a:latin typeface="Arial" panose="020B0604020202020204" pitchFamily="34" charset="0"/>
+                <a:ea typeface="+mn-ea"/>
+                <a:cs typeface="+mn-cs"/>
+              </a:rPr>
+              <a:t> increase transparency, raising trust</a:t>
+            </a:r>
+          </a:p>
+          <a:p>
+            <a:endParaRPr lang="en-US" sz="1200" kern="1200" dirty="0" smtClean="0">
+              <a:solidFill>
+                <a:schemeClr val="tx1"/>
+              </a:solidFill>
+              <a:effectLst/>
+              <a:latin typeface="Arial" panose="020B0604020202020204" pitchFamily="34" charset="0"/>
+              <a:ea typeface="+mn-ea"/>
+              <a:cs typeface="+mn-cs"/>
+            </a:endParaRPr>
           </a:p>
           <a:p>
             <a:endParaRPr lang="en-US" dirty="0"/>
@@ -3433,7 +4090,7 @@
 
 <file path=ppt/slideLayouts/slideLayout10.xml><?xml version="1.0" encoding="utf-8"?>
 <p:sldLayout xmlns:a="http://schemas.openxmlformats.org/drawingml/2006/main" xmlns:r="http://schemas.openxmlformats.org/officeDocument/2006/relationships" xmlns:p="http://schemas.openxmlformats.org/presentationml/2006/main" preserve="1" userDrawn="1">
-  <p:cSld name="Title Blank no logo">
+  <p:cSld name="Quote">
     <p:spTree>
       <p:nvGrpSpPr>
         <p:cNvPr id="1" name=""/>
@@ -3455,47 +4112,45 @@
             <a:spLocks noGrp="1"/>
           </p:cNvSpPr>
           <p:nvPr>
-            <p:ph type="title"/>
+            <p:ph type="title" hasCustomPrompt="1"/>
           </p:nvPr>
         </p:nvSpPr>
         <p:spPr>
           <a:xfrm>
-            <a:off x="295570" y="280175"/>
-            <a:ext cx="8523174" cy="461665"/>
+            <a:off x="579120" y="1602452"/>
+            <a:ext cx="7946050" cy="952500"/>
           </a:xfrm>
         </p:spPr>
         <p:txBody>
-          <a:bodyPr vert="horz" lIns="91440" tIns="45720" rIns="91440" bIns="45720" rtlCol="0" anchor="t">
-            <a:spAutoFit/>
-          </a:bodyPr>
+          <a:bodyPr/>
           <a:lstStyle>
             <a:lvl1pPr>
-              <a:defRPr lang="en-US" dirty="0">
+              <a:lnSpc>
+                <a:spcPct val="100000"/>
+              </a:lnSpc>
+              <a:defRPr sz="3600" b="0">
                 <a:solidFill>
                   <a:schemeClr val="tx1">
                     <a:lumMod val="75000"/>
                     <a:lumOff val="25000"/>
                   </a:schemeClr>
                 </a:solidFill>
+                <a:latin typeface="Arial" panose="020B0604020202020204" pitchFamily="34" charset="0"/>
+                <a:cs typeface="Arial" panose="020B0604020202020204" pitchFamily="34" charset="0"/>
               </a:defRPr>
             </a:lvl1pPr>
           </a:lstStyle>
           <a:p>
-            <a:pPr lvl="0">
-              <a:lnSpc>
-                <a:spcPct val="100000"/>
-              </a:lnSpc>
-            </a:pPr>
             <a:r>
               <a:rPr lang="en-US" dirty="0"/>
-              <a:t>Click to edit Master title style</a:t>
-            </a:r>
-          </a:p>
-        </p:txBody>
-      </p:sp>
-      <p:sp>
-        <p:nvSpPr>
-          <p:cNvPr id="6" name="Rectangle 5"/>
+              <a:t>Click To Edit Master Title Style</a:t>
+            </a:r>
+          </a:p>
+        </p:txBody>
+      </p:sp>
+      <p:sp>
+        <p:nvSpPr>
+          <p:cNvPr id="11" name="Rectangle 10"/>
           <p:cNvSpPr/>
           <p:nvPr userDrawn="1"/>
         </p:nvSpPr>
@@ -3546,228 +4201,6 @@
       </p:sp>
       <p:sp>
         <p:nvSpPr>
-          <p:cNvPr id="7" name="Rectangle 6"/>
-          <p:cNvSpPr/>
-          <p:nvPr userDrawn="1"/>
-        </p:nvSpPr>
-        <p:spPr>
-          <a:xfrm>
-            <a:off x="7232952" y="5080957"/>
-            <a:ext cx="1911048" cy="481519"/>
-          </a:xfrm>
-          <a:prstGeom prst="rect">
-            <a:avLst/>
-          </a:prstGeom>
-          <a:solidFill>
-            <a:schemeClr val="bg1"/>
-          </a:solidFill>
-          <a:ln>
-            <a:noFill/>
-          </a:ln>
-        </p:spPr>
-        <p:style>
-          <a:lnRef idx="2">
-            <a:schemeClr val="accent1">
-              <a:shade val="50000"/>
-            </a:schemeClr>
-          </a:lnRef>
-          <a:fillRef idx="1">
-            <a:schemeClr val="accent1"/>
-          </a:fillRef>
-          <a:effectRef idx="0">
-            <a:schemeClr val="accent1"/>
-          </a:effectRef>
-          <a:fontRef idx="minor">
-            <a:schemeClr val="lt1"/>
-          </a:fontRef>
-        </p:style>
-        <p:txBody>
-          <a:bodyPr rtlCol="0" anchor="ctr"/>
-          <a:lstStyle/>
-          <a:p>
-            <a:pPr algn="ctr"/>
-            <a:endParaRPr lang="en-US" dirty="0">
-              <a:latin typeface="Arial" panose="020B0604020202020204" pitchFamily="34" charset="0"/>
-            </a:endParaRPr>
-          </a:p>
-        </p:txBody>
-      </p:sp>
-      <p:sp>
-        <p:nvSpPr>
-          <p:cNvPr id="8" name="Slide Number Placeholder 3"/>
-          <p:cNvSpPr>
-            <a:spLocks noGrp="1"/>
-          </p:cNvSpPr>
-          <p:nvPr>
-            <p:ph type="sldNum" sz="quarter" idx="14"/>
-          </p:nvPr>
-        </p:nvSpPr>
-        <p:spPr>
-          <a:xfrm>
-            <a:off x="131630" y="5373741"/>
-            <a:ext cx="327880" cy="215444"/>
-          </a:xfrm>
-          <a:prstGeom prst="rect">
-            <a:avLst/>
-          </a:prstGeom>
-        </p:spPr>
-        <p:txBody>
-          <a:bodyPr anchor="ctr">
-            <a:noAutofit/>
-          </a:bodyPr>
-          <a:lstStyle>
-            <a:lvl1pPr algn="l">
-              <a:defRPr sz="800">
-                <a:solidFill>
-                  <a:schemeClr val="tx1">
-                    <a:lumMod val="50000"/>
-                    <a:lumOff val="50000"/>
-                  </a:schemeClr>
-                </a:solidFill>
-              </a:defRPr>
-            </a:lvl1pPr>
-          </a:lstStyle>
-          <a:p>
-            <a:pPr>
-              <a:defRPr/>
-            </a:pPr>
-            <a:fld id="{E6474CC2-1230-4213-AD1A-4B2FEEABA7A1}" type="slidenum">
-              <a:rPr lang="en-US" smtClean="0"/>
-              <a:pPr>
-                <a:defRPr/>
-              </a:pPr>
-              <a:t>‹#›</a:t>
-            </a:fld>
-            <a:endParaRPr lang="en-US" dirty="0"/>
-          </a:p>
-        </p:txBody>
-      </p:sp>
-    </p:spTree>
-    <p:extLst>
-      <p:ext uri="{BB962C8B-B14F-4D97-AF65-F5344CB8AC3E}">
-        <p14:creationId xmlns:p14="http://schemas.microsoft.com/office/powerpoint/2010/main" val="2244600560"/>
-      </p:ext>
-    </p:extLst>
-  </p:cSld>
-  <p:clrMapOvr>
-    <a:masterClrMapping/>
-  </p:clrMapOvr>
-</p:sldLayout>
-</file>
-
-<file path=ppt/slideLayouts/slideLayout11.xml><?xml version="1.0" encoding="utf-8"?>
-<p:sldLayout xmlns:a="http://schemas.openxmlformats.org/drawingml/2006/main" xmlns:r="http://schemas.openxmlformats.org/officeDocument/2006/relationships" xmlns:p="http://schemas.openxmlformats.org/presentationml/2006/main" preserve="1" userDrawn="1">
-  <p:cSld name="Quote">
-    <p:spTree>
-      <p:nvGrpSpPr>
-        <p:cNvPr id="1" name=""/>
-        <p:cNvGrpSpPr/>
-        <p:nvPr/>
-      </p:nvGrpSpPr>
-      <p:grpSpPr>
-        <a:xfrm>
-          <a:off x="0" y="0"/>
-          <a:ext cx="0" cy="0"/>
-          <a:chOff x="0" y="0"/>
-          <a:chExt cx="0" cy="0"/>
-        </a:xfrm>
-      </p:grpSpPr>
-      <p:sp>
-        <p:nvSpPr>
-          <p:cNvPr id="2" name="Title 1"/>
-          <p:cNvSpPr>
-            <a:spLocks noGrp="1"/>
-          </p:cNvSpPr>
-          <p:nvPr>
-            <p:ph type="title" hasCustomPrompt="1"/>
-          </p:nvPr>
-        </p:nvSpPr>
-        <p:spPr>
-          <a:xfrm>
-            <a:off x="579120" y="1602452"/>
-            <a:ext cx="7946050" cy="952500"/>
-          </a:xfrm>
-        </p:spPr>
-        <p:txBody>
-          <a:bodyPr/>
-          <a:lstStyle>
-            <a:lvl1pPr>
-              <a:lnSpc>
-                <a:spcPct val="100000"/>
-              </a:lnSpc>
-              <a:defRPr sz="3600" b="0">
-                <a:solidFill>
-                  <a:schemeClr val="tx1">
-                    <a:lumMod val="75000"/>
-                    <a:lumOff val="25000"/>
-                  </a:schemeClr>
-                </a:solidFill>
-                <a:latin typeface="Arial" panose="020B0604020202020204" pitchFamily="34" charset="0"/>
-                <a:cs typeface="Arial" panose="020B0604020202020204" pitchFamily="34" charset="0"/>
-              </a:defRPr>
-            </a:lvl1pPr>
-          </a:lstStyle>
-          <a:p>
-            <a:r>
-              <a:rPr lang="en-US" dirty="0"/>
-              <a:t>Click To Edit Master Title Style</a:t>
-            </a:r>
-          </a:p>
-        </p:txBody>
-      </p:sp>
-      <p:sp>
-        <p:nvSpPr>
-          <p:cNvPr id="11" name="Rectangle 10"/>
-          <p:cNvSpPr/>
-          <p:nvPr userDrawn="1"/>
-        </p:nvSpPr>
-        <p:spPr>
-          <a:xfrm>
-            <a:off x="0" y="1"/>
-            <a:ext cx="9144000" cy="118872"/>
-          </a:xfrm>
-          <a:prstGeom prst="rect">
-            <a:avLst/>
-          </a:prstGeom>
-          <a:solidFill>
-            <a:srgbClr val="D4D6D5"/>
-          </a:solidFill>
-          <a:ln>
-            <a:noFill/>
-          </a:ln>
-        </p:spPr>
-        <p:style>
-          <a:lnRef idx="2">
-            <a:schemeClr val="accent1">
-              <a:shade val="50000"/>
-            </a:schemeClr>
-          </a:lnRef>
-          <a:fillRef idx="1">
-            <a:schemeClr val="accent1"/>
-          </a:fillRef>
-          <a:effectRef idx="0">
-            <a:schemeClr val="accent1"/>
-          </a:effectRef>
-          <a:fontRef idx="minor">
-            <a:schemeClr val="lt1"/>
-          </a:fontRef>
-        </p:style>
-        <p:txBody>
-          <a:bodyPr rtlCol="0" anchor="ctr"/>
-          <a:lstStyle/>
-          <a:p>
-            <a:pPr algn="ctr"/>
-            <a:endParaRPr lang="en-US" dirty="0">
-              <a:solidFill>
-                <a:srgbClr val="FFFFFF"/>
-              </a:solidFill>
-              <a:latin typeface="Arial" panose="020B0604020202020204" pitchFamily="34" charset="0"/>
-            </a:endParaRPr>
-          </a:p>
-        </p:txBody>
-      </p:sp>
-      <p:sp>
-        <p:nvSpPr>
           <p:cNvPr id="5" name="Slide Number Placeholder 3"/>
           <p:cNvSpPr>
             <a:spLocks noGrp="1"/>
@@ -3829,7 +4262,7 @@
 </p:sldLayout>
 </file>
 
-<file path=ppt/slideLayouts/slideLayout12.xml><?xml version="1.0" encoding="utf-8"?>
+<file path=ppt/slideLayouts/slideLayout11.xml><?xml version="1.0" encoding="utf-8"?>
 <p:sldLayout xmlns:a="http://schemas.openxmlformats.org/drawingml/2006/main" xmlns:r="http://schemas.openxmlformats.org/officeDocument/2006/relationships" xmlns:p="http://schemas.openxmlformats.org/presentationml/2006/main" preserve="1" userDrawn="1">
   <p:cSld name="Title Blank no gray bar">
     <p:spTree>
@@ -3954,7 +4387,7 @@
 </p:sldLayout>
 </file>
 
-<file path=ppt/slideLayouts/slideLayout13.xml><?xml version="1.0" encoding="utf-8"?>
+<file path=ppt/slideLayouts/slideLayout12.xml><?xml version="1.0" encoding="utf-8"?>
 <p:sldLayout xmlns:a="http://schemas.openxmlformats.org/drawingml/2006/main" xmlns:r="http://schemas.openxmlformats.org/officeDocument/2006/relationships" xmlns:p="http://schemas.openxmlformats.org/presentationml/2006/main" preserve="1" userDrawn="1">
   <p:cSld name="Fully Blank Slide">
     <p:spTree>
@@ -5185,8 +5618,8 @@
 </file>
 
 <file path=ppt/slideLayouts/slideLayout6.xml><?xml version="1.0" encoding="utf-8"?>
-<p:sldLayout xmlns:a="http://schemas.openxmlformats.org/drawingml/2006/main" xmlns:r="http://schemas.openxmlformats.org/officeDocument/2006/relationships" xmlns:p="http://schemas.openxmlformats.org/presentationml/2006/main" userDrawn="1">
-  <p:cSld name="Title_Subtitle and 1 Content">
+<p:sldLayout xmlns:a="http://schemas.openxmlformats.org/drawingml/2006/main" xmlns:r="http://schemas.openxmlformats.org/officeDocument/2006/relationships" xmlns:p="http://schemas.openxmlformats.org/presentationml/2006/main" preserve="1" userDrawn="1">
+  <p:cSld name="Title_Subtitle and 2 Content">
     <p:spTree>
       <p:nvGrpSpPr>
         <p:cNvPr id="1" name=""/>
@@ -5201,98 +5634,6 @@
           <a:chExt cx="0" cy="0"/>
         </a:xfrm>
       </p:grpSpPr>
-      <p:sp>
-        <p:nvSpPr>
-          <p:cNvPr id="3" name="Content Placeholder 2"/>
-          <p:cNvSpPr>
-            <a:spLocks noGrp="1"/>
-          </p:cNvSpPr>
-          <p:nvPr>
-            <p:ph idx="1"/>
-          </p:nvPr>
-        </p:nvSpPr>
-        <p:spPr>
-          <a:xfrm>
-            <a:off x="295570" y="1188979"/>
-            <a:ext cx="8523174" cy="3771636"/>
-          </a:xfrm>
-        </p:spPr>
-        <p:txBody>
-          <a:bodyPr vert="horz" lIns="91440" tIns="45720" rIns="91440" bIns="45720" rtlCol="0">
-            <a:noAutofit/>
-          </a:bodyPr>
-          <a:lstStyle>
-            <a:lvl1pPr>
-              <a:defRPr lang="en-US" dirty="0" smtClean="0">
-                <a:solidFill>
-                  <a:schemeClr val="tx1">
-                    <a:lumMod val="75000"/>
-                    <a:lumOff val="25000"/>
-                  </a:schemeClr>
-                </a:solidFill>
-              </a:defRPr>
-            </a:lvl1pPr>
-            <a:lvl2pPr>
-              <a:defRPr lang="en-US" dirty="0" smtClean="0">
-                <a:solidFill>
-                  <a:schemeClr val="tx1">
-                    <a:lumMod val="75000"/>
-                    <a:lumOff val="25000"/>
-                  </a:schemeClr>
-                </a:solidFill>
-              </a:defRPr>
-            </a:lvl2pPr>
-            <a:lvl3pPr>
-              <a:defRPr lang="en-US" dirty="0" smtClean="0">
-                <a:solidFill>
-                  <a:schemeClr val="tx1">
-                    <a:lumMod val="75000"/>
-                    <a:lumOff val="25000"/>
-                  </a:schemeClr>
-                </a:solidFill>
-              </a:defRPr>
-            </a:lvl3pPr>
-            <a:lvl4pPr>
-              <a:defRPr lang="en-US" dirty="0" smtClean="0">
-                <a:solidFill>
-                  <a:schemeClr val="tx1">
-                    <a:lumMod val="75000"/>
-                    <a:lumOff val="25000"/>
-                  </a:schemeClr>
-                </a:solidFill>
-              </a:defRPr>
-            </a:lvl4pPr>
-          </a:lstStyle>
-          <a:p>
-            <a:pPr lvl="0"/>
-            <a:r>
-              <a:rPr lang="en-US" dirty="0"/>
-              <a:t>Click to edit Master text styles</a:t>
-            </a:r>
-          </a:p>
-          <a:p>
-            <a:pPr lvl="1"/>
-            <a:r>
-              <a:rPr lang="en-US" dirty="0"/>
-              <a:t>Second level</a:t>
-            </a:r>
-          </a:p>
-          <a:p>
-            <a:pPr lvl="2"/>
-            <a:r>
-              <a:rPr lang="en-US" dirty="0"/>
-              <a:t>Third level</a:t>
-            </a:r>
-          </a:p>
-          <a:p>
-            <a:pPr lvl="3"/>
-            <a:r>
-              <a:rPr lang="en-US" dirty="0"/>
-              <a:t>Fourth level</a:t>
-            </a:r>
-          </a:p>
-        </p:txBody>
-      </p:sp>
       <p:sp>
         <p:nvSpPr>
           <p:cNvPr id="6" name="Rectangle 5"/>
@@ -5428,7 +5769,191 @@
       </p:sp>
       <p:sp>
         <p:nvSpPr>
-          <p:cNvPr id="7" name="Slide Number Placeholder 3"/>
+          <p:cNvPr id="8" name="Content Placeholder 2"/>
+          <p:cNvSpPr>
+            <a:spLocks noGrp="1"/>
+          </p:cNvSpPr>
+          <p:nvPr>
+            <p:ph idx="1"/>
+          </p:nvPr>
+        </p:nvSpPr>
+        <p:spPr>
+          <a:xfrm>
+            <a:off x="295570" y="1188979"/>
+            <a:ext cx="4162130" cy="3771636"/>
+          </a:xfrm>
+        </p:spPr>
+        <p:txBody>
+          <a:bodyPr vert="horz" lIns="91440" tIns="45720" rIns="91440" bIns="45720" rtlCol="0">
+            <a:noAutofit/>
+          </a:bodyPr>
+          <a:lstStyle>
+            <a:lvl1pPr>
+              <a:defRPr lang="en-US" dirty="0" smtClean="0">
+                <a:solidFill>
+                  <a:schemeClr val="tx1">
+                    <a:lumMod val="75000"/>
+                    <a:lumOff val="25000"/>
+                  </a:schemeClr>
+                </a:solidFill>
+              </a:defRPr>
+            </a:lvl1pPr>
+            <a:lvl2pPr>
+              <a:defRPr lang="en-US" dirty="0" smtClean="0">
+                <a:solidFill>
+                  <a:schemeClr val="tx1">
+                    <a:lumMod val="75000"/>
+                    <a:lumOff val="25000"/>
+                  </a:schemeClr>
+                </a:solidFill>
+              </a:defRPr>
+            </a:lvl2pPr>
+            <a:lvl3pPr>
+              <a:defRPr lang="en-US" dirty="0" smtClean="0">
+                <a:solidFill>
+                  <a:schemeClr val="tx1">
+                    <a:lumMod val="75000"/>
+                    <a:lumOff val="25000"/>
+                  </a:schemeClr>
+                </a:solidFill>
+              </a:defRPr>
+            </a:lvl3pPr>
+            <a:lvl4pPr>
+              <a:defRPr lang="en-US" dirty="0" smtClean="0">
+                <a:solidFill>
+                  <a:schemeClr val="tx1">
+                    <a:lumMod val="75000"/>
+                    <a:lumOff val="25000"/>
+                  </a:schemeClr>
+                </a:solidFill>
+              </a:defRPr>
+            </a:lvl4pPr>
+          </a:lstStyle>
+          <a:p>
+            <a:pPr lvl="0"/>
+            <a:r>
+              <a:rPr lang="en-US" dirty="0"/>
+              <a:t>Click to edit Master text styles</a:t>
+            </a:r>
+          </a:p>
+          <a:p>
+            <a:pPr lvl="1"/>
+            <a:r>
+              <a:rPr lang="en-US" dirty="0"/>
+              <a:t>Second level</a:t>
+            </a:r>
+          </a:p>
+          <a:p>
+            <a:pPr lvl="2"/>
+            <a:r>
+              <a:rPr lang="en-US" dirty="0"/>
+              <a:t>Third level</a:t>
+            </a:r>
+          </a:p>
+          <a:p>
+            <a:pPr lvl="3"/>
+            <a:r>
+              <a:rPr lang="en-US" dirty="0"/>
+              <a:t>Fourth level</a:t>
+            </a:r>
+          </a:p>
+        </p:txBody>
+      </p:sp>
+      <p:sp>
+        <p:nvSpPr>
+          <p:cNvPr id="9" name="Content Placeholder 2"/>
+          <p:cNvSpPr>
+            <a:spLocks noGrp="1"/>
+          </p:cNvSpPr>
+          <p:nvPr>
+            <p:ph idx="10"/>
+          </p:nvPr>
+        </p:nvSpPr>
+        <p:spPr>
+          <a:xfrm>
+            <a:off x="4656614" y="1188979"/>
+            <a:ext cx="4162130" cy="3771636"/>
+          </a:xfrm>
+        </p:spPr>
+        <p:txBody>
+          <a:bodyPr vert="horz" lIns="91440" tIns="45720" rIns="91440" bIns="45720" rtlCol="0">
+            <a:noAutofit/>
+          </a:bodyPr>
+          <a:lstStyle>
+            <a:lvl1pPr>
+              <a:defRPr lang="en-US" dirty="0" smtClean="0">
+                <a:solidFill>
+                  <a:schemeClr val="tx1">
+                    <a:lumMod val="75000"/>
+                    <a:lumOff val="25000"/>
+                  </a:schemeClr>
+                </a:solidFill>
+              </a:defRPr>
+            </a:lvl1pPr>
+            <a:lvl2pPr>
+              <a:defRPr lang="en-US" dirty="0" smtClean="0">
+                <a:solidFill>
+                  <a:schemeClr val="tx1">
+                    <a:lumMod val="75000"/>
+                    <a:lumOff val="25000"/>
+                  </a:schemeClr>
+                </a:solidFill>
+              </a:defRPr>
+            </a:lvl2pPr>
+            <a:lvl3pPr>
+              <a:defRPr lang="en-US" dirty="0" smtClean="0">
+                <a:solidFill>
+                  <a:schemeClr val="tx1">
+                    <a:lumMod val="75000"/>
+                    <a:lumOff val="25000"/>
+                  </a:schemeClr>
+                </a:solidFill>
+              </a:defRPr>
+            </a:lvl3pPr>
+            <a:lvl4pPr>
+              <a:defRPr lang="en-US" dirty="0" smtClean="0">
+                <a:solidFill>
+                  <a:schemeClr val="tx1">
+                    <a:lumMod val="75000"/>
+                    <a:lumOff val="25000"/>
+                  </a:schemeClr>
+                </a:solidFill>
+              </a:defRPr>
+            </a:lvl4pPr>
+          </a:lstStyle>
+          <a:p>
+            <a:pPr lvl="0"/>
+            <a:r>
+              <a:rPr lang="en-US" dirty="0"/>
+              <a:t>Click to edit Master text styles</a:t>
+            </a:r>
+          </a:p>
+          <a:p>
+            <a:pPr lvl="1"/>
+            <a:r>
+              <a:rPr lang="en-US" dirty="0"/>
+              <a:t>Second level</a:t>
+            </a:r>
+          </a:p>
+          <a:p>
+            <a:pPr lvl="2"/>
+            <a:r>
+              <a:rPr lang="en-US" dirty="0"/>
+              <a:t>Third level</a:t>
+            </a:r>
+          </a:p>
+          <a:p>
+            <a:pPr lvl="3"/>
+            <a:r>
+              <a:rPr lang="en-US" dirty="0"/>
+              <a:t>Fourth level</a:t>
+            </a:r>
+          </a:p>
+        </p:txBody>
+      </p:sp>
+      <p:sp>
+        <p:nvSpPr>
+          <p:cNvPr id="13" name="Slide Number Placeholder 3"/>
           <p:cNvSpPr>
             <a:spLocks noGrp="1"/>
           </p:cNvSpPr>
@@ -5477,11 +6002,7 @@
         </p:txBody>
       </p:sp>
     </p:spTree>
-    <p:extLst>
-      <p:ext uri="{BB962C8B-B14F-4D97-AF65-F5344CB8AC3E}">
-        <p14:creationId xmlns:p14="http://schemas.microsoft.com/office/powerpoint/2010/main" val="3431414986"/>
-      </p:ext>
-    </p:extLst>
+    <p:extLst/>
   </p:cSld>
   <p:clrMapOvr>
     <a:masterClrMapping/>
@@ -5491,7 +6012,7 @@
 
 <file path=ppt/slideLayouts/slideLayout7.xml><?xml version="1.0" encoding="utf-8"?>
 <p:sldLayout xmlns:a="http://schemas.openxmlformats.org/drawingml/2006/main" xmlns:r="http://schemas.openxmlformats.org/officeDocument/2006/relationships" xmlns:p="http://schemas.openxmlformats.org/presentationml/2006/main" preserve="1" userDrawn="1">
-  <p:cSld name="Title_Subtitle and 2 Content">
+  <p:cSld name="Title Subtitle Blank">
     <p:spTree>
       <p:nvGrpSpPr>
         <p:cNvPr id="1" name=""/>
@@ -5506,6 +6027,51 @@
           <a:chExt cx="0" cy="0"/>
         </a:xfrm>
       </p:grpSpPr>
+      <p:sp>
+        <p:nvSpPr>
+          <p:cNvPr id="2" name="Title 1"/>
+          <p:cNvSpPr>
+            <a:spLocks noGrp="1"/>
+          </p:cNvSpPr>
+          <p:nvPr>
+            <p:ph type="title"/>
+          </p:nvPr>
+        </p:nvSpPr>
+        <p:spPr>
+          <a:xfrm>
+            <a:off x="295570" y="280175"/>
+            <a:ext cx="8523174" cy="461665"/>
+          </a:xfrm>
+        </p:spPr>
+        <p:txBody>
+          <a:bodyPr vert="horz" lIns="91440" tIns="45720" rIns="91440" bIns="45720" rtlCol="0" anchor="t">
+            <a:spAutoFit/>
+          </a:bodyPr>
+          <a:lstStyle>
+            <a:lvl1pPr>
+              <a:defRPr lang="en-US" dirty="0">
+                <a:solidFill>
+                  <a:schemeClr val="tx1">
+                    <a:lumMod val="75000"/>
+                    <a:lumOff val="25000"/>
+                  </a:schemeClr>
+                </a:solidFill>
+              </a:defRPr>
+            </a:lvl1pPr>
+          </a:lstStyle>
+          <a:p>
+            <a:pPr lvl="0">
+              <a:lnSpc>
+                <a:spcPct val="100000"/>
+              </a:lnSpc>
+            </a:pPr>
+            <a:r>
+              <a:rPr lang="en-US" dirty="0"/>
+              <a:t>Click to edit Master title style</a:t>
+            </a:r>
+          </a:p>
+        </p:txBody>
+      </p:sp>
       <p:sp>
         <p:nvSpPr>
           <p:cNvPr id="6" name="Rectangle 5"/>
@@ -5556,52 +6122,7 @@
       </p:sp>
       <p:sp>
         <p:nvSpPr>
-          <p:cNvPr id="10" name="Title 1"/>
-          <p:cNvSpPr>
-            <a:spLocks noGrp="1"/>
-          </p:cNvSpPr>
-          <p:nvPr>
-            <p:ph type="title"/>
-          </p:nvPr>
-        </p:nvSpPr>
-        <p:spPr>
-          <a:xfrm>
-            <a:off x="295570" y="280175"/>
-            <a:ext cx="8523174" cy="461665"/>
-          </a:xfrm>
-        </p:spPr>
-        <p:txBody>
-          <a:bodyPr vert="horz" lIns="91440" tIns="45720" rIns="91440" bIns="45720" rtlCol="0" anchor="t">
-            <a:spAutoFit/>
-          </a:bodyPr>
-          <a:lstStyle>
-            <a:lvl1pPr>
-              <a:defRPr lang="en-US" dirty="0">
-                <a:solidFill>
-                  <a:schemeClr val="tx1">
-                    <a:lumMod val="75000"/>
-                    <a:lumOff val="25000"/>
-                  </a:schemeClr>
-                </a:solidFill>
-              </a:defRPr>
-            </a:lvl1pPr>
-          </a:lstStyle>
-          <a:p>
-            <a:pPr lvl="0">
-              <a:lnSpc>
-                <a:spcPct val="100000"/>
-              </a:lnSpc>
-            </a:pPr>
-            <a:r>
-              <a:rPr lang="en-US" dirty="0"/>
-              <a:t>Click to edit Master title style</a:t>
-            </a:r>
-          </a:p>
-        </p:txBody>
-      </p:sp>
-      <p:sp>
-        <p:nvSpPr>
-          <p:cNvPr id="11" name="Text Placeholder 4"/>
+          <p:cNvPr id="9" name="Text Placeholder 4"/>
           <p:cNvSpPr>
             <a:spLocks noGrp="1"/>
           </p:cNvSpPr>
@@ -5641,191 +6162,7 @@
       </p:sp>
       <p:sp>
         <p:nvSpPr>
-          <p:cNvPr id="8" name="Content Placeholder 2"/>
-          <p:cNvSpPr>
-            <a:spLocks noGrp="1"/>
-          </p:cNvSpPr>
-          <p:nvPr>
-            <p:ph idx="1"/>
-          </p:nvPr>
-        </p:nvSpPr>
-        <p:spPr>
-          <a:xfrm>
-            <a:off x="295570" y="1188979"/>
-            <a:ext cx="4162130" cy="3771636"/>
-          </a:xfrm>
-        </p:spPr>
-        <p:txBody>
-          <a:bodyPr vert="horz" lIns="91440" tIns="45720" rIns="91440" bIns="45720" rtlCol="0">
-            <a:noAutofit/>
-          </a:bodyPr>
-          <a:lstStyle>
-            <a:lvl1pPr>
-              <a:defRPr lang="en-US" dirty="0" smtClean="0">
-                <a:solidFill>
-                  <a:schemeClr val="tx1">
-                    <a:lumMod val="75000"/>
-                    <a:lumOff val="25000"/>
-                  </a:schemeClr>
-                </a:solidFill>
-              </a:defRPr>
-            </a:lvl1pPr>
-            <a:lvl2pPr>
-              <a:defRPr lang="en-US" dirty="0" smtClean="0">
-                <a:solidFill>
-                  <a:schemeClr val="tx1">
-                    <a:lumMod val="75000"/>
-                    <a:lumOff val="25000"/>
-                  </a:schemeClr>
-                </a:solidFill>
-              </a:defRPr>
-            </a:lvl2pPr>
-            <a:lvl3pPr>
-              <a:defRPr lang="en-US" dirty="0" smtClean="0">
-                <a:solidFill>
-                  <a:schemeClr val="tx1">
-                    <a:lumMod val="75000"/>
-                    <a:lumOff val="25000"/>
-                  </a:schemeClr>
-                </a:solidFill>
-              </a:defRPr>
-            </a:lvl3pPr>
-            <a:lvl4pPr>
-              <a:defRPr lang="en-US" dirty="0" smtClean="0">
-                <a:solidFill>
-                  <a:schemeClr val="tx1">
-                    <a:lumMod val="75000"/>
-                    <a:lumOff val="25000"/>
-                  </a:schemeClr>
-                </a:solidFill>
-              </a:defRPr>
-            </a:lvl4pPr>
-          </a:lstStyle>
-          <a:p>
-            <a:pPr lvl="0"/>
-            <a:r>
-              <a:rPr lang="en-US" dirty="0"/>
-              <a:t>Click to edit Master text styles</a:t>
-            </a:r>
-          </a:p>
-          <a:p>
-            <a:pPr lvl="1"/>
-            <a:r>
-              <a:rPr lang="en-US" dirty="0"/>
-              <a:t>Second level</a:t>
-            </a:r>
-          </a:p>
-          <a:p>
-            <a:pPr lvl="2"/>
-            <a:r>
-              <a:rPr lang="en-US" dirty="0"/>
-              <a:t>Third level</a:t>
-            </a:r>
-          </a:p>
-          <a:p>
-            <a:pPr lvl="3"/>
-            <a:r>
-              <a:rPr lang="en-US" dirty="0"/>
-              <a:t>Fourth level</a:t>
-            </a:r>
-          </a:p>
-        </p:txBody>
-      </p:sp>
-      <p:sp>
-        <p:nvSpPr>
-          <p:cNvPr id="9" name="Content Placeholder 2"/>
-          <p:cNvSpPr>
-            <a:spLocks noGrp="1"/>
-          </p:cNvSpPr>
-          <p:nvPr>
-            <p:ph idx="10"/>
-          </p:nvPr>
-        </p:nvSpPr>
-        <p:spPr>
-          <a:xfrm>
-            <a:off x="4656614" y="1188979"/>
-            <a:ext cx="4162130" cy="3771636"/>
-          </a:xfrm>
-        </p:spPr>
-        <p:txBody>
-          <a:bodyPr vert="horz" lIns="91440" tIns="45720" rIns="91440" bIns="45720" rtlCol="0">
-            <a:noAutofit/>
-          </a:bodyPr>
-          <a:lstStyle>
-            <a:lvl1pPr>
-              <a:defRPr lang="en-US" dirty="0" smtClean="0">
-                <a:solidFill>
-                  <a:schemeClr val="tx1">
-                    <a:lumMod val="75000"/>
-                    <a:lumOff val="25000"/>
-                  </a:schemeClr>
-                </a:solidFill>
-              </a:defRPr>
-            </a:lvl1pPr>
-            <a:lvl2pPr>
-              <a:defRPr lang="en-US" dirty="0" smtClean="0">
-                <a:solidFill>
-                  <a:schemeClr val="tx1">
-                    <a:lumMod val="75000"/>
-                    <a:lumOff val="25000"/>
-                  </a:schemeClr>
-                </a:solidFill>
-              </a:defRPr>
-            </a:lvl2pPr>
-            <a:lvl3pPr>
-              <a:defRPr lang="en-US" dirty="0" smtClean="0">
-                <a:solidFill>
-                  <a:schemeClr val="tx1">
-                    <a:lumMod val="75000"/>
-                    <a:lumOff val="25000"/>
-                  </a:schemeClr>
-                </a:solidFill>
-              </a:defRPr>
-            </a:lvl3pPr>
-            <a:lvl4pPr>
-              <a:defRPr lang="en-US" dirty="0" smtClean="0">
-                <a:solidFill>
-                  <a:schemeClr val="tx1">
-                    <a:lumMod val="75000"/>
-                    <a:lumOff val="25000"/>
-                  </a:schemeClr>
-                </a:solidFill>
-              </a:defRPr>
-            </a:lvl4pPr>
-          </a:lstStyle>
-          <a:p>
-            <a:pPr lvl="0"/>
-            <a:r>
-              <a:rPr lang="en-US" dirty="0"/>
-              <a:t>Click to edit Master text styles</a:t>
-            </a:r>
-          </a:p>
-          <a:p>
-            <a:pPr lvl="1"/>
-            <a:r>
-              <a:rPr lang="en-US" dirty="0"/>
-              <a:t>Second level</a:t>
-            </a:r>
-          </a:p>
-          <a:p>
-            <a:pPr lvl="2"/>
-            <a:r>
-              <a:rPr lang="en-US" dirty="0"/>
-              <a:t>Third level</a:t>
-            </a:r>
-          </a:p>
-          <a:p>
-            <a:pPr lvl="3"/>
-            <a:r>
-              <a:rPr lang="en-US" dirty="0"/>
-              <a:t>Fourth level</a:t>
-            </a:r>
-          </a:p>
-        </p:txBody>
-      </p:sp>
-      <p:sp>
-        <p:nvSpPr>
-          <p:cNvPr id="13" name="Slide Number Placeholder 3"/>
+          <p:cNvPr id="7" name="Slide Number Placeholder 3"/>
           <p:cNvSpPr>
             <a:spLocks noGrp="1"/>
           </p:cNvSpPr>
@@ -5874,7 +6211,11 @@
         </p:txBody>
       </p:sp>
     </p:spTree>
-    <p:extLst/>
+    <p:extLst>
+      <p:ext uri="{BB962C8B-B14F-4D97-AF65-F5344CB8AC3E}">
+        <p14:creationId xmlns:p14="http://schemas.microsoft.com/office/powerpoint/2010/main" val="1522622704"/>
+      </p:ext>
+    </p:extLst>
   </p:cSld>
   <p:clrMapOvr>
     <a:masterClrMapping/>
@@ -5884,7 +6225,7 @@
 
 <file path=ppt/slideLayouts/slideLayout8.xml><?xml version="1.0" encoding="utf-8"?>
 <p:sldLayout xmlns:a="http://schemas.openxmlformats.org/drawingml/2006/main" xmlns:r="http://schemas.openxmlformats.org/officeDocument/2006/relationships" xmlns:p="http://schemas.openxmlformats.org/presentationml/2006/main" preserve="1" userDrawn="1">
-  <p:cSld name="Title Subtitle Blank">
+  <p:cSld name="Title and Content no logo">
     <p:spTree>
       <p:nvGrpSpPr>
         <p:cNvPr id="1" name=""/>
@@ -5940,6 +6281,98 @@
             <a:r>
               <a:rPr lang="en-US" dirty="0"/>
               <a:t>Click to edit Master title style</a:t>
+            </a:r>
+          </a:p>
+        </p:txBody>
+      </p:sp>
+      <p:sp>
+        <p:nvSpPr>
+          <p:cNvPr id="3" name="Content Placeholder 2"/>
+          <p:cNvSpPr>
+            <a:spLocks noGrp="1"/>
+          </p:cNvSpPr>
+          <p:nvPr>
+            <p:ph idx="1"/>
+          </p:nvPr>
+        </p:nvSpPr>
+        <p:spPr>
+          <a:xfrm>
+            <a:off x="295570" y="1188979"/>
+            <a:ext cx="8523174" cy="3771636"/>
+          </a:xfrm>
+        </p:spPr>
+        <p:txBody>
+          <a:bodyPr vert="horz" lIns="91440" tIns="45720" rIns="91440" bIns="45720" rtlCol="0">
+            <a:noAutofit/>
+          </a:bodyPr>
+          <a:lstStyle>
+            <a:lvl1pPr>
+              <a:defRPr lang="en-US" dirty="0" smtClean="0">
+                <a:solidFill>
+                  <a:schemeClr val="tx1">
+                    <a:lumMod val="75000"/>
+                    <a:lumOff val="25000"/>
+                  </a:schemeClr>
+                </a:solidFill>
+              </a:defRPr>
+            </a:lvl1pPr>
+            <a:lvl2pPr>
+              <a:defRPr lang="en-US" dirty="0" smtClean="0">
+                <a:solidFill>
+                  <a:schemeClr val="tx1">
+                    <a:lumMod val="75000"/>
+                    <a:lumOff val="25000"/>
+                  </a:schemeClr>
+                </a:solidFill>
+              </a:defRPr>
+            </a:lvl2pPr>
+            <a:lvl3pPr>
+              <a:defRPr lang="en-US" dirty="0" smtClean="0">
+                <a:solidFill>
+                  <a:schemeClr val="tx1">
+                    <a:lumMod val="75000"/>
+                    <a:lumOff val="25000"/>
+                  </a:schemeClr>
+                </a:solidFill>
+              </a:defRPr>
+            </a:lvl3pPr>
+            <a:lvl4pPr>
+              <a:defRPr lang="en-US" dirty="0" smtClean="0">
+                <a:solidFill>
+                  <a:schemeClr val="tx1">
+                    <a:lumMod val="75000"/>
+                    <a:lumOff val="25000"/>
+                  </a:schemeClr>
+                </a:solidFill>
+              </a:defRPr>
+            </a:lvl4pPr>
+          </a:lstStyle>
+          <a:p>
+            <a:pPr lvl="0"/>
+            <a:r>
+              <a:rPr lang="en-US" dirty="0"/>
+              <a:t>Click to edit Master text styles</a:t>
+            </a:r>
+          </a:p>
+          <a:p>
+            <a:pPr lvl="1"/>
+            <a:r>
+              <a:rPr lang="en-US" dirty="0"/>
+              <a:t>Second level</a:t>
+            </a:r>
+          </a:p>
+          <a:p>
+            <a:pPr lvl="2"/>
+            <a:r>
+              <a:rPr lang="en-US" dirty="0"/>
+              <a:t>Third level</a:t>
+            </a:r>
+          </a:p>
+          <a:p>
+            <a:pPr lvl="3"/>
+            <a:r>
+              <a:rPr lang="en-US" dirty="0"/>
+              <a:t>Fourth level</a:t>
             </a:r>
           </a:p>
         </p:txBody>
@@ -5987,6 +6420,9 @@
           <a:p>
             <a:pPr algn="ctr"/>
             <a:endParaRPr lang="en-US" dirty="0">
+              <a:solidFill>
+                <a:srgbClr val="FFFFFF"/>
+              </a:solidFill>
               <a:latin typeface="Arial" panose="020B0604020202020204" pitchFamily="34" charset="0"/>
             </a:endParaRPr>
           </a:p>
@@ -5994,47 +6430,55 @@
       </p:sp>
       <p:sp>
         <p:nvSpPr>
-          <p:cNvPr id="9" name="Text Placeholder 4"/>
-          <p:cNvSpPr>
-            <a:spLocks noGrp="1"/>
-          </p:cNvSpPr>
-          <p:nvPr>
-            <p:ph type="body" sz="quarter" idx="11" hasCustomPrompt="1"/>
-          </p:nvPr>
+          <p:cNvPr id="7" name="Rectangle 6"/>
+          <p:cNvSpPr/>
+          <p:nvPr userDrawn="1"/>
         </p:nvSpPr>
         <p:spPr>
           <a:xfrm>
-            <a:off x="295275" y="660075"/>
-            <a:ext cx="8523288" cy="400110"/>
+            <a:off x="7232952" y="5080957"/>
+            <a:ext cx="1911048" cy="481519"/>
           </a:xfrm>
+          <a:prstGeom prst="rect">
+            <a:avLst/>
+          </a:prstGeom>
+          <a:solidFill>
+            <a:schemeClr val="bg1"/>
+          </a:solidFill>
+          <a:ln>
+            <a:noFill/>
+          </a:ln>
         </p:spPr>
-        <p:txBody>
-          <a:bodyPr>
-            <a:spAutoFit/>
-          </a:bodyPr>
-          <a:lstStyle>
-            <a:lvl1pPr marL="0" indent="0">
-              <a:buFontTx/>
-              <a:buNone/>
-              <a:defRPr sz="2000" b="0">
-                <a:solidFill>
-                  <a:schemeClr val="accent5"/>
-                </a:solidFill>
-              </a:defRPr>
-            </a:lvl1pPr>
-          </a:lstStyle>
-          <a:p>
-            <a:pPr lvl="0"/>
-            <a:r>
-              <a:rPr lang="en-US" dirty="0"/>
-              <a:t>Click to edit master text styles</a:t>
-            </a:r>
-          </a:p>
-        </p:txBody>
-      </p:sp>
-      <p:sp>
-        <p:nvSpPr>
-          <p:cNvPr id="7" name="Slide Number Placeholder 3"/>
+        <p:style>
+          <a:lnRef idx="2">
+            <a:schemeClr val="accent1">
+              <a:shade val="50000"/>
+            </a:schemeClr>
+          </a:lnRef>
+          <a:fillRef idx="1">
+            <a:schemeClr val="accent1"/>
+          </a:fillRef>
+          <a:effectRef idx="0">
+            <a:schemeClr val="accent1"/>
+          </a:effectRef>
+          <a:fontRef idx="minor">
+            <a:schemeClr val="lt1"/>
+          </a:fontRef>
+        </p:style>
+        <p:txBody>
+          <a:bodyPr rtlCol="0" anchor="ctr"/>
+          <a:lstStyle/>
+          <a:p>
+            <a:pPr algn="ctr"/>
+            <a:endParaRPr lang="en-US" dirty="0">
+              <a:latin typeface="Arial" panose="020B0604020202020204" pitchFamily="34" charset="0"/>
+            </a:endParaRPr>
+          </a:p>
+        </p:txBody>
+      </p:sp>
+      <p:sp>
+        <p:nvSpPr>
+          <p:cNvPr id="8" name="Slide Number Placeholder 3"/>
           <p:cNvSpPr>
             <a:spLocks noGrp="1"/>
           </p:cNvSpPr>
@@ -6085,7 +6529,7 @@
     </p:spTree>
     <p:extLst>
       <p:ext uri="{BB962C8B-B14F-4D97-AF65-F5344CB8AC3E}">
-        <p14:creationId xmlns:p14="http://schemas.microsoft.com/office/powerpoint/2010/main" val="1522622704"/>
+        <p14:creationId xmlns:p14="http://schemas.microsoft.com/office/powerpoint/2010/main" val="2874460636"/>
       </p:ext>
     </p:extLst>
   </p:cSld>
@@ -6097,7 +6541,7 @@
 
 <file path=ppt/slideLayouts/slideLayout9.xml><?xml version="1.0" encoding="utf-8"?>
 <p:sldLayout xmlns:a="http://schemas.openxmlformats.org/drawingml/2006/main" xmlns:r="http://schemas.openxmlformats.org/officeDocument/2006/relationships" xmlns:p="http://schemas.openxmlformats.org/presentationml/2006/main" preserve="1" userDrawn="1">
-  <p:cSld name="Title and Content no logo">
+  <p:cSld name="Title Blank no logo">
     <p:spTree>
       <p:nvGrpSpPr>
         <p:cNvPr id="1" name=""/>
@@ -6153,98 +6597,6 @@
             <a:r>
               <a:rPr lang="en-US" dirty="0"/>
               <a:t>Click to edit Master title style</a:t>
-            </a:r>
-          </a:p>
-        </p:txBody>
-      </p:sp>
-      <p:sp>
-        <p:nvSpPr>
-          <p:cNvPr id="3" name="Content Placeholder 2"/>
-          <p:cNvSpPr>
-            <a:spLocks noGrp="1"/>
-          </p:cNvSpPr>
-          <p:nvPr>
-            <p:ph idx="1"/>
-          </p:nvPr>
-        </p:nvSpPr>
-        <p:spPr>
-          <a:xfrm>
-            <a:off x="295570" y="1188979"/>
-            <a:ext cx="8523174" cy="3771636"/>
-          </a:xfrm>
-        </p:spPr>
-        <p:txBody>
-          <a:bodyPr vert="horz" lIns="91440" tIns="45720" rIns="91440" bIns="45720" rtlCol="0">
-            <a:noAutofit/>
-          </a:bodyPr>
-          <a:lstStyle>
-            <a:lvl1pPr>
-              <a:defRPr lang="en-US" dirty="0" smtClean="0">
-                <a:solidFill>
-                  <a:schemeClr val="tx1">
-                    <a:lumMod val="75000"/>
-                    <a:lumOff val="25000"/>
-                  </a:schemeClr>
-                </a:solidFill>
-              </a:defRPr>
-            </a:lvl1pPr>
-            <a:lvl2pPr>
-              <a:defRPr lang="en-US" dirty="0" smtClean="0">
-                <a:solidFill>
-                  <a:schemeClr val="tx1">
-                    <a:lumMod val="75000"/>
-                    <a:lumOff val="25000"/>
-                  </a:schemeClr>
-                </a:solidFill>
-              </a:defRPr>
-            </a:lvl2pPr>
-            <a:lvl3pPr>
-              <a:defRPr lang="en-US" dirty="0" smtClean="0">
-                <a:solidFill>
-                  <a:schemeClr val="tx1">
-                    <a:lumMod val="75000"/>
-                    <a:lumOff val="25000"/>
-                  </a:schemeClr>
-                </a:solidFill>
-              </a:defRPr>
-            </a:lvl3pPr>
-            <a:lvl4pPr>
-              <a:defRPr lang="en-US" dirty="0" smtClean="0">
-                <a:solidFill>
-                  <a:schemeClr val="tx1">
-                    <a:lumMod val="75000"/>
-                    <a:lumOff val="25000"/>
-                  </a:schemeClr>
-                </a:solidFill>
-              </a:defRPr>
-            </a:lvl4pPr>
-          </a:lstStyle>
-          <a:p>
-            <a:pPr lvl="0"/>
-            <a:r>
-              <a:rPr lang="en-US" dirty="0"/>
-              <a:t>Click to edit Master text styles</a:t>
-            </a:r>
-          </a:p>
-          <a:p>
-            <a:pPr lvl="1"/>
-            <a:r>
-              <a:rPr lang="en-US" dirty="0"/>
-              <a:t>Second level</a:t>
-            </a:r>
-          </a:p>
-          <a:p>
-            <a:pPr lvl="2"/>
-            <a:r>
-              <a:rPr lang="en-US" dirty="0"/>
-              <a:t>Third level</a:t>
-            </a:r>
-          </a:p>
-          <a:p>
-            <a:pPr lvl="3"/>
-            <a:r>
-              <a:rPr lang="en-US" dirty="0"/>
-              <a:t>Fourth level</a:t>
             </a:r>
           </a:p>
         </p:txBody>
@@ -6401,7 +6753,7 @@
     </p:spTree>
     <p:extLst>
       <p:ext uri="{BB962C8B-B14F-4D97-AF65-F5344CB8AC3E}">
-        <p14:creationId xmlns:p14="http://schemas.microsoft.com/office/powerpoint/2010/main" val="2874460636"/>
+        <p14:creationId xmlns:p14="http://schemas.microsoft.com/office/powerpoint/2010/main" val="2244600560"/>
       </p:ext>
     </p:extLst>
   </p:cSld>
@@ -6531,7 +6883,7 @@
           <p:nvPr userDrawn="1"/>
         </p:nvPicPr>
         <p:blipFill>
-          <a:blip r:embed="rId15" cstate="print">
+          <a:blip r:embed="rId14" cstate="print">
             <a:extLst>
               <a:ext uri="{28A0092B-C50C-407E-A947-70E740481C1C}">
                 <a14:useLocalDpi xmlns:a14="http://schemas.microsoft.com/office/drawing/2010/main" val="0"/>
@@ -6610,14 +6962,13 @@
     <p:sldLayoutId id="2147483770" r:id="rId3"/>
     <p:sldLayoutId id="2147483797" r:id="rId4"/>
     <p:sldLayoutId id="2147483796" r:id="rId5"/>
-    <p:sldLayoutId id="2147483790" r:id="rId6"/>
-    <p:sldLayoutId id="2147483798" r:id="rId7"/>
-    <p:sldLayoutId id="2147483791" r:id="rId8"/>
-    <p:sldLayoutId id="2147483792" r:id="rId9"/>
-    <p:sldLayoutId id="2147483793" r:id="rId10"/>
-    <p:sldLayoutId id="2147483794" r:id="rId11"/>
-    <p:sldLayoutId id="2147483795" r:id="rId12"/>
-    <p:sldLayoutId id="2147483772" r:id="rId13"/>
+    <p:sldLayoutId id="2147483798" r:id="rId6"/>
+    <p:sldLayoutId id="2147483791" r:id="rId7"/>
+    <p:sldLayoutId id="2147483792" r:id="rId8"/>
+    <p:sldLayoutId id="2147483793" r:id="rId9"/>
+    <p:sldLayoutId id="2147483794" r:id="rId10"/>
+    <p:sldLayoutId id="2147483795" r:id="rId11"/>
+    <p:sldLayoutId id="2147483772" r:id="rId12"/>
   </p:sldLayoutIdLst>
   <p:hf hdr="0" ftr="0" dt="0"/>
   <p:txStyles>
@@ -7040,6 +7391,13 @@
   <p:clrMapOvr>
     <a:masterClrMapping/>
   </p:clrMapOvr>
+  <p:timing>
+    <p:tnLst>
+      <p:par>
+        <p:cTn id="1" dur="indefinite" restart="never" nodeType="tmRoot"/>
+      </p:par>
+    </p:tnLst>
+  </p:timing>
 </p:sld>
 </file>
 
@@ -7092,53 +7450,63 @@
             <p:ph idx="1"/>
           </p:nvPr>
         </p:nvSpPr>
-        <p:spPr/>
+        <p:spPr>
+          <a:xfrm>
+            <a:off x="295570" y="955351"/>
+            <a:ext cx="4505030" cy="3992205"/>
+          </a:xfrm>
+        </p:spPr>
         <p:txBody>
           <a:bodyPr/>
           <a:lstStyle/>
           <a:p>
             <a:pPr>
               <a:lnSpc>
-                <a:spcPct val="150000"/>
+                <a:spcPct val="250000"/>
               </a:lnSpc>
             </a:pPr>
             <a:r>
-              <a:rPr lang="en-US" dirty="0"/>
+              <a:rPr lang="en-US" sz="2000" dirty="0"/>
               <a:t>Integration </a:t>
             </a:r>
           </a:p>
           <a:p>
             <a:pPr lvl="1">
               <a:lnSpc>
-                <a:spcPct val="150000"/>
+                <a:spcPct val="250000"/>
               </a:lnSpc>
             </a:pPr>
             <a:r>
-              <a:rPr lang="en-US" dirty="0"/>
+              <a:rPr lang="en-US" sz="2000" dirty="0"/>
               <a:t>Fidelity Investments Community</a:t>
             </a:r>
           </a:p>
           <a:p>
             <a:pPr lvl="1">
               <a:lnSpc>
-                <a:spcPct val="150000"/>
+                <a:spcPct val="250000"/>
               </a:lnSpc>
             </a:pPr>
             <a:r>
-              <a:rPr lang="en-US" dirty="0"/>
+              <a:rPr lang="en-US" sz="2000" dirty="0"/>
               <a:t>The Sector Portfolio Builder</a:t>
             </a:r>
           </a:p>
           <a:p>
             <a:pPr>
               <a:lnSpc>
-                <a:spcPct val="150000"/>
+                <a:spcPct val="250000"/>
               </a:lnSpc>
             </a:pPr>
             <a:r>
-              <a:rPr lang="en-US" dirty="0"/>
-              <a:t>Competition’s use of crowd sourcing </a:t>
-            </a:r>
+              <a:rPr lang="en-US" sz="2000" dirty="0"/>
+              <a:t>Competition’s use of </a:t>
+            </a:r>
+            <a:r>
+              <a:rPr lang="en-US" sz="2000" dirty="0" smtClean="0"/>
+              <a:t>crowdsourcing </a:t>
+            </a:r>
+            <a:endParaRPr lang="en-US" sz="2000" dirty="0"/>
           </a:p>
           <a:p>
             <a:pPr marL="236537" lvl="1" indent="0">
@@ -7177,6 +7545,60 @@
           </a:p>
         </p:txBody>
       </p:sp>
+      <p:pic>
+        <p:nvPicPr>
+          <p:cNvPr id="2050" name="Picture 2"/>
+          <p:cNvPicPr>
+            <a:picLocks noChangeAspect="1" noChangeArrowheads="1"/>
+          </p:cNvPicPr>
+          <p:nvPr/>
+        </p:nvPicPr>
+        <p:blipFill>
+          <a:blip r:embed="rId3" cstate="print">
+            <a:extLst>
+              <a:ext uri="{28A0092B-C50C-407E-A947-70E740481C1C}">
+                <a14:useLocalDpi xmlns:a14="http://schemas.microsoft.com/office/drawing/2010/main" val="0"/>
+              </a:ext>
+            </a:extLst>
+          </a:blip>
+          <a:srcRect/>
+          <a:stretch>
+            <a:fillRect/>
+          </a:stretch>
+        </p:blipFill>
+        <p:spPr bwMode="auto">
+          <a:xfrm>
+            <a:off x="4770471" y="2615267"/>
+            <a:ext cx="4048273" cy="2332289"/>
+          </a:xfrm>
+          <a:prstGeom prst="rect">
+            <a:avLst/>
+          </a:prstGeom>
+          <a:noFill/>
+          <a:ln>
+            <a:noFill/>
+          </a:ln>
+          <a:extLst>
+            <a:ext uri="{909E8E84-426E-40DD-AFC4-6F175D3DCCD1}">
+              <a14:hiddenFill xmlns:a14="http://schemas.microsoft.com/office/drawing/2010/main">
+                <a:solidFill>
+                  <a:schemeClr val="accent1"/>
+                </a:solidFill>
+              </a14:hiddenFill>
+            </a:ext>
+            <a:ext uri="{91240B29-F687-4F45-9708-019B960494DF}">
+              <a14:hiddenLine xmlns:a14="http://schemas.microsoft.com/office/drawing/2010/main" w="9525">
+                <a:solidFill>
+                  <a:schemeClr val="tx1"/>
+                </a:solidFill>
+                <a:miter lim="800000"/>
+                <a:headEnd/>
+                <a:tailEnd/>
+              </a14:hiddenLine>
+            </a:ext>
+          </a:extLst>
+        </p:spPr>
+      </p:pic>
     </p:spTree>
     <p:extLst>
       <p:ext uri="{BB962C8B-B14F-4D97-AF65-F5344CB8AC3E}">
@@ -7231,58 +7653,6 @@
       </p:sp>
       <p:sp>
         <p:nvSpPr>
-          <p:cNvPr id="3" name="Content Placeholder 2"/>
-          <p:cNvSpPr>
-            <a:spLocks noGrp="1"/>
-          </p:cNvSpPr>
-          <p:nvPr>
-            <p:ph idx="1"/>
-          </p:nvPr>
-        </p:nvSpPr>
-        <p:spPr/>
-        <p:txBody>
-          <a:bodyPr/>
-          <a:lstStyle/>
-          <a:p>
-            <a:pPr>
-              <a:lnSpc>
-                <a:spcPct val="150000"/>
-              </a:lnSpc>
-            </a:pPr>
-            <a:r>
-              <a:rPr lang="en-US" dirty="0"/>
-              <a:t>Development Costs</a:t>
-            </a:r>
-          </a:p>
-          <a:p>
-            <a:pPr>
-              <a:lnSpc>
-                <a:spcPct val="150000"/>
-              </a:lnSpc>
-            </a:pPr>
-            <a:r>
-              <a:rPr lang="en-US" dirty="0"/>
-              <a:t>Enhancement &amp; Bug Fixes</a:t>
-            </a:r>
-          </a:p>
-          <a:p>
-            <a:pPr>
-              <a:lnSpc>
-                <a:spcPct val="150000"/>
-              </a:lnSpc>
-            </a:pPr>
-            <a:r>
-              <a:rPr lang="en-US" dirty="0"/>
-              <a:t>Analysts for monitoring – to be determined </a:t>
-            </a:r>
-          </a:p>
-          <a:p>
-            <a:endParaRPr lang="en-US" dirty="0"/>
-          </a:p>
-        </p:txBody>
-      </p:sp>
-      <p:sp>
-        <p:nvSpPr>
           <p:cNvPr id="4" name="Slide Number Placeholder 3"/>
           <p:cNvSpPr>
             <a:spLocks noGrp="1"/>
@@ -7307,6 +7677,258 @@
               <a:t>11</a:t>
             </a:fld>
             <a:endParaRPr lang="en-US" dirty="0"/>
+          </a:p>
+        </p:txBody>
+      </p:sp>
+      <p:pic>
+        <p:nvPicPr>
+          <p:cNvPr id="3074" name="Picture 2" descr="https://www.clipartsgram.com/image/727417746-rtlxgkjec.png">
+            <a:hlinkClick r:id="rId3"/>
+          </p:cNvPr>
+          <p:cNvPicPr>
+            <a:picLocks noChangeAspect="1" noChangeArrowheads="1"/>
+          </p:cNvPicPr>
+          <p:nvPr/>
+        </p:nvPicPr>
+        <p:blipFill>
+          <a:blip r:embed="rId4" cstate="print">
+            <a:extLst>
+              <a:ext uri="{28A0092B-C50C-407E-A947-70E740481C1C}">
+                <a14:useLocalDpi xmlns:a14="http://schemas.microsoft.com/office/drawing/2010/main" val="0"/>
+              </a:ext>
+            </a:extLst>
+          </a:blip>
+          <a:srcRect/>
+          <a:stretch>
+            <a:fillRect/>
+          </a:stretch>
+        </p:blipFill>
+        <p:spPr bwMode="auto">
+          <a:xfrm>
+            <a:off x="5232865" y="1077686"/>
+            <a:ext cx="3911135" cy="3083278"/>
+          </a:xfrm>
+          <a:prstGeom prst="rect">
+            <a:avLst/>
+          </a:prstGeom>
+          <a:noFill/>
+          <a:extLst>
+            <a:ext uri="{909E8E84-426E-40DD-AFC4-6F175D3DCCD1}">
+              <a14:hiddenFill xmlns:a14="http://schemas.microsoft.com/office/drawing/2010/main">
+                <a:solidFill>
+                  <a:srgbClr val="FFFFFF"/>
+                </a:solidFill>
+              </a14:hiddenFill>
+            </a:ext>
+          </a:extLst>
+        </p:spPr>
+      </p:pic>
+      <p:sp>
+        <p:nvSpPr>
+          <p:cNvPr id="6" name="Rectangle 5"/>
+          <p:cNvSpPr/>
+          <p:nvPr/>
+        </p:nvSpPr>
+        <p:spPr>
+          <a:xfrm>
+            <a:off x="295570" y="741840"/>
+            <a:ext cx="5284845" cy="4154984"/>
+          </a:xfrm>
+          <a:prstGeom prst="rect">
+            <a:avLst/>
+          </a:prstGeom>
+          <a:noFill/>
+        </p:spPr>
+        <p:txBody>
+          <a:bodyPr wrap="none" lIns="91440" tIns="45720" rIns="91440" bIns="45720">
+            <a:spAutoFit/>
+          </a:bodyPr>
+          <a:lstStyle/>
+          <a:p>
+            <a:pPr algn="ctr"/>
+            <a:r>
+              <a:rPr lang="en-US" sz="5600" b="1" dirty="0" smtClean="0">
+                <a:ln w="0"/>
+                <a:solidFill>
+                  <a:schemeClr val="accent5"/>
+                </a:solidFill>
+                <a:effectLst>
+                  <a:outerShdw blurRad="38100" dist="25400" dir="5400000" algn="ctr" rotWithShape="0">
+                    <a:srgbClr val="6E747A">
+                      <a:alpha val="43000"/>
+                    </a:srgbClr>
+                  </a:outerShdw>
+                </a:effectLst>
+                <a:latin typeface="Calibri" panose="020F0502020204030204" pitchFamily="34" charset="0"/>
+                <a:cs typeface="Calibri" panose="020F0502020204030204" pitchFamily="34" charset="0"/>
+              </a:rPr>
+              <a:t>Development</a:t>
+            </a:r>
+            <a:endParaRPr lang="en-US" sz="5600" b="1" dirty="0">
+              <a:ln w="0"/>
+              <a:solidFill>
+                <a:schemeClr val="accent5"/>
+              </a:solidFill>
+              <a:effectLst>
+                <a:outerShdw blurRad="38100" dist="25400" dir="5400000" algn="ctr" rotWithShape="0">
+                  <a:srgbClr val="6E747A">
+                    <a:alpha val="43000"/>
+                  </a:srgbClr>
+                </a:outerShdw>
+              </a:effectLst>
+              <a:latin typeface="Calibri" panose="020F0502020204030204" pitchFamily="34" charset="0"/>
+              <a:cs typeface="Calibri" panose="020F0502020204030204" pitchFamily="34" charset="0"/>
+            </a:endParaRPr>
+          </a:p>
+          <a:p>
+            <a:pPr algn="ctr"/>
+            <a:r>
+              <a:rPr lang="en-US" sz="3200" i="1" dirty="0" smtClean="0">
+                <a:ln w="0"/>
+                <a:solidFill>
+                  <a:schemeClr val="accent5"/>
+                </a:solidFill>
+                <a:effectLst>
+                  <a:outerShdw blurRad="38100" dist="25400" dir="5400000" algn="ctr" rotWithShape="0">
+                    <a:srgbClr val="6E747A">
+                      <a:alpha val="43000"/>
+                    </a:srgbClr>
+                  </a:outerShdw>
+                </a:effectLst>
+                <a:latin typeface="Calibri" panose="020F0502020204030204" pitchFamily="34" charset="0"/>
+                <a:cs typeface="Calibri" panose="020F0502020204030204" pitchFamily="34" charset="0"/>
+              </a:rPr>
+              <a:t>3-6 Months</a:t>
+            </a:r>
+            <a:endParaRPr lang="en-US" sz="3200" i="1" dirty="0">
+              <a:ln w="0"/>
+              <a:solidFill>
+                <a:schemeClr val="accent5"/>
+              </a:solidFill>
+              <a:effectLst>
+                <a:outerShdw blurRad="38100" dist="25400" dir="5400000" algn="ctr" rotWithShape="0">
+                  <a:srgbClr val="6E747A">
+                    <a:alpha val="43000"/>
+                  </a:srgbClr>
+                </a:outerShdw>
+              </a:effectLst>
+              <a:latin typeface="Calibri" panose="020F0502020204030204" pitchFamily="34" charset="0"/>
+              <a:cs typeface="Calibri" panose="020F0502020204030204" pitchFamily="34" charset="0"/>
+            </a:endParaRPr>
+          </a:p>
+          <a:p>
+            <a:pPr algn="ctr"/>
+            <a:r>
+              <a:rPr lang="en-US" sz="5600" b="1" dirty="0" smtClean="0">
+                <a:ln w="0"/>
+                <a:solidFill>
+                  <a:schemeClr val="accent5"/>
+                </a:solidFill>
+                <a:effectLst>
+                  <a:outerShdw blurRad="38100" dist="25400" dir="5400000" algn="ctr" rotWithShape="0">
+                    <a:srgbClr val="6E747A">
+                      <a:alpha val="43000"/>
+                    </a:srgbClr>
+                  </a:outerShdw>
+                </a:effectLst>
+                <a:latin typeface="Calibri" panose="020F0502020204030204" pitchFamily="34" charset="0"/>
+                <a:cs typeface="Calibri" panose="020F0502020204030204" pitchFamily="34" charset="0"/>
+              </a:rPr>
+              <a:t>Enhancements</a:t>
+            </a:r>
+            <a:endParaRPr lang="en-US" sz="5600" b="1" dirty="0">
+              <a:ln w="0"/>
+              <a:solidFill>
+                <a:schemeClr val="accent5"/>
+              </a:solidFill>
+              <a:effectLst>
+                <a:outerShdw blurRad="38100" dist="25400" dir="5400000" algn="ctr" rotWithShape="0">
+                  <a:srgbClr val="6E747A">
+                    <a:alpha val="43000"/>
+                  </a:srgbClr>
+                </a:outerShdw>
+              </a:effectLst>
+              <a:latin typeface="Calibri" panose="020F0502020204030204" pitchFamily="34" charset="0"/>
+              <a:cs typeface="Calibri" panose="020F0502020204030204" pitchFamily="34" charset="0"/>
+            </a:endParaRPr>
+          </a:p>
+          <a:p>
+            <a:pPr algn="ctr"/>
+            <a:r>
+              <a:rPr lang="en-US" sz="3200" i="1" dirty="0" smtClean="0">
+                <a:ln w="0"/>
+                <a:solidFill>
+                  <a:schemeClr val="accent5"/>
+                </a:solidFill>
+                <a:effectLst>
+                  <a:outerShdw blurRad="38100" dist="25400" dir="5400000" algn="ctr" rotWithShape="0">
+                    <a:srgbClr val="6E747A">
+                      <a:alpha val="43000"/>
+                    </a:srgbClr>
+                  </a:outerShdw>
+                </a:effectLst>
+                <a:latin typeface="Calibri" panose="020F0502020204030204" pitchFamily="34" charset="0"/>
+                <a:cs typeface="Calibri" panose="020F0502020204030204" pitchFamily="34" charset="0"/>
+              </a:rPr>
+              <a:t>15 Hours/Week</a:t>
+            </a:r>
+          </a:p>
+          <a:p>
+            <a:pPr algn="ctr"/>
+            <a:r>
+              <a:rPr lang="en-US" sz="5600" b="1" dirty="0" smtClean="0">
+                <a:ln w="0"/>
+                <a:solidFill>
+                  <a:schemeClr val="accent5"/>
+                </a:solidFill>
+                <a:effectLst>
+                  <a:outerShdw blurRad="38100" dist="25400" dir="5400000" algn="ctr" rotWithShape="0">
+                    <a:srgbClr val="6E747A">
+                      <a:alpha val="43000"/>
+                    </a:srgbClr>
+                  </a:outerShdw>
+                </a:effectLst>
+                <a:latin typeface="Calibri" panose="020F0502020204030204" pitchFamily="34" charset="0"/>
+                <a:cs typeface="Calibri" panose="020F0502020204030204" pitchFamily="34" charset="0"/>
+              </a:rPr>
+              <a:t>Monitoring Ideas</a:t>
+            </a:r>
+          </a:p>
+          <a:p>
+            <a:pPr algn="ctr"/>
+            <a:r>
+              <a:rPr lang="en-US" sz="3200" i="1" dirty="0" smtClean="0">
+                <a:ln w="0"/>
+                <a:solidFill>
+                  <a:schemeClr val="accent5"/>
+                </a:solidFill>
+                <a:effectLst>
+                  <a:outerShdw blurRad="38100" dist="25400" dir="5400000" algn="ctr" rotWithShape="0">
+                    <a:srgbClr val="6E747A">
+                      <a:alpha val="43000"/>
+                    </a:srgbClr>
+                  </a:outerShdw>
+                </a:effectLst>
+                <a:latin typeface="Calibri" panose="020F0502020204030204" pitchFamily="34" charset="0"/>
+                <a:cs typeface="Calibri" panose="020F0502020204030204" pitchFamily="34" charset="0"/>
+              </a:rPr>
+              <a:t>As Needed</a:t>
+            </a:r>
+            <a:endParaRPr lang="en-US" sz="3200" i="1" dirty="0">
+              <a:ln w="0"/>
+              <a:solidFill>
+                <a:schemeClr val="accent5"/>
+              </a:solidFill>
+              <a:effectLst>
+                <a:outerShdw blurRad="38100" dist="25400" dir="5400000" algn="ctr" rotWithShape="0">
+                  <a:srgbClr val="6E747A">
+                    <a:alpha val="43000"/>
+                  </a:srgbClr>
+                </a:outerShdw>
+              </a:effectLst>
+              <a:latin typeface="Calibri" panose="020F0502020204030204" pitchFamily="34" charset="0"/>
+              <a:cs typeface="Calibri" panose="020F0502020204030204" pitchFamily="34" charset="0"/>
+            </a:endParaRPr>
           </a:p>
         </p:txBody>
       </p:sp>
@@ -7372,7 +7994,12 @@
             <p:ph idx="1"/>
           </p:nvPr>
         </p:nvSpPr>
-        <p:spPr/>
+        <p:spPr>
+          <a:xfrm>
+            <a:off x="295570" y="1188979"/>
+            <a:ext cx="3802901" cy="3771636"/>
+          </a:xfrm>
+        </p:spPr>
         <p:txBody>
           <a:bodyPr/>
           <a:lstStyle/>
@@ -7384,7 +8011,11 @@
             </a:pPr>
             <a:r>
               <a:rPr lang="en-US" dirty="0"/>
-              <a:t>Mobile App</a:t>
+              <a:t>Mobile </a:t>
+            </a:r>
+            <a:r>
+              <a:rPr lang="en-US" dirty="0" smtClean="0"/>
+              <a:t>App</a:t>
             </a:r>
           </a:p>
           <a:p>
@@ -7394,8 +8025,8 @@
               </a:lnSpc>
             </a:pPr>
             <a:r>
-              <a:rPr lang="en-US" dirty="0"/>
-              <a:t>Live Stock Ticker of proposed portfolios to interface</a:t>
+              <a:rPr lang="en-US" dirty="0" smtClean="0"/>
+              <a:t>Further data pulled about proposed portfolio</a:t>
             </a:r>
           </a:p>
           <a:p>
@@ -7405,8 +8036,12 @@
               </a:lnSpc>
             </a:pPr>
             <a:r>
+              <a:rPr lang="en-US" dirty="0" smtClean="0"/>
+              <a:t>Multiple </a:t>
+            </a:r>
+            <a:r>
               <a:rPr lang="en-US" dirty="0"/>
-              <a:t>Multiple user collaboration on an idea</a:t>
+              <a:t>user collaboration on an idea</a:t>
             </a:r>
           </a:p>
           <a:p>
@@ -7416,9 +8051,17 @@
               </a:lnSpc>
             </a:pPr>
             <a:r>
-              <a:rPr lang="en-US" dirty="0"/>
-              <a:t>Integration</a:t>
-            </a:r>
+              <a:rPr lang="en-US" dirty="0" smtClean="0"/>
+              <a:t>Integrated customization platform</a:t>
+            </a:r>
+          </a:p>
+          <a:p>
+            <a:pPr>
+              <a:lnSpc>
+                <a:spcPct val="150000"/>
+              </a:lnSpc>
+            </a:pPr>
+            <a:endParaRPr lang="en-US" dirty="0"/>
           </a:p>
           <a:p>
             <a:pPr marL="0" indent="0">
@@ -7460,6 +8103,49 @@
           </a:p>
         </p:txBody>
       </p:sp>
+      <p:pic>
+        <p:nvPicPr>
+          <p:cNvPr id="1026" name="Picture 2" descr="http://evilnapsis.com/wp-content/uploads/2015/05/1431590923.jpg">
+            <a:hlinkClick r:id="rId2"/>
+          </p:cNvPr>
+          <p:cNvPicPr>
+            <a:picLocks noChangeAspect="1" noChangeArrowheads="1"/>
+          </p:cNvPicPr>
+          <p:nvPr/>
+        </p:nvPicPr>
+        <p:blipFill>
+          <a:blip r:embed="rId3" cstate="print">
+            <a:extLst>
+              <a:ext uri="{28A0092B-C50C-407E-A947-70E740481C1C}">
+                <a14:useLocalDpi xmlns:a14="http://schemas.microsoft.com/office/drawing/2010/main" val="0"/>
+              </a:ext>
+            </a:extLst>
+          </a:blip>
+          <a:srcRect/>
+          <a:stretch>
+            <a:fillRect/>
+          </a:stretch>
+        </p:blipFill>
+        <p:spPr bwMode="auto">
+          <a:xfrm>
+            <a:off x="4320044" y="1306286"/>
+            <a:ext cx="3465510" cy="3017646"/>
+          </a:xfrm>
+          <a:prstGeom prst="rect">
+            <a:avLst/>
+          </a:prstGeom>
+          <a:noFill/>
+          <a:extLst>
+            <a:ext uri="{909E8E84-426E-40DD-AFC4-6F175D3DCCD1}">
+              <a14:hiddenFill xmlns:a14="http://schemas.microsoft.com/office/drawing/2010/main">
+                <a:solidFill>
+                  <a:srgbClr val="FFFFFF"/>
+                </a:solidFill>
+              </a14:hiddenFill>
+            </a:ext>
+          </a:extLst>
+        </p:spPr>
+      </p:pic>
     </p:spTree>
     <p:extLst>
       <p:ext uri="{BB962C8B-B14F-4D97-AF65-F5344CB8AC3E}">
@@ -7492,35 +8178,7 @@
       </p:grpSpPr>
       <p:sp>
         <p:nvSpPr>
-          <p:cNvPr id="2" name="Content Placeholder 1"/>
-          <p:cNvSpPr>
-            <a:spLocks noGrp="1"/>
-          </p:cNvSpPr>
-          <p:nvPr>
-            <p:ph idx="1"/>
-          </p:nvPr>
-        </p:nvSpPr>
-        <p:spPr/>
-        <p:txBody>
-          <a:bodyPr/>
-          <a:lstStyle/>
-          <a:p>
-            <a:r>
-              <a:rPr lang="en-US" dirty="0">
-                <a:hlinkClick r:id="rId2"/>
-              </a:rPr>
-              <a:t>https://thefinancialbrand.com/37391/bank-personalization-product-development/</a:t>
-            </a:r>
-            <a:endParaRPr lang="en-US" dirty="0"/>
-          </a:p>
-          <a:p>
-            <a:endParaRPr lang="en-US" dirty="0"/>
-          </a:p>
-        </p:txBody>
-      </p:sp>
-      <p:sp>
-        <p:nvSpPr>
-          <p:cNvPr id="3" name="Title 2"/>
+          <p:cNvPr id="2" name="Title 1"/>
           <p:cNvSpPr>
             <a:spLocks noGrp="1"/>
           </p:cNvSpPr>
@@ -7528,37 +8186,27 @@
             <p:ph type="title"/>
           </p:nvPr>
         </p:nvSpPr>
-        <p:spPr/>
+        <p:spPr>
+          <a:xfrm>
+            <a:off x="301752" y="3420843"/>
+            <a:ext cx="8682095" cy="707886"/>
+          </a:xfrm>
+        </p:spPr>
         <p:txBody>
           <a:bodyPr/>
           <a:lstStyle/>
           <a:p>
-            <a:endParaRPr lang="en-US"/>
-          </a:p>
-        </p:txBody>
-      </p:sp>
-      <p:sp>
-        <p:nvSpPr>
-          <p:cNvPr id="4" name="Text Placeholder 3"/>
-          <p:cNvSpPr>
-            <a:spLocks noGrp="1"/>
-          </p:cNvSpPr>
-          <p:nvPr>
-            <p:ph type="body" sz="quarter" idx="11"/>
-          </p:nvPr>
-        </p:nvSpPr>
-        <p:spPr/>
-        <p:txBody>
-          <a:bodyPr/>
-          <a:lstStyle/>
-          <a:p>
-            <a:endParaRPr lang="en-US"/>
-          </a:p>
-        </p:txBody>
-      </p:sp>
-      <p:sp>
-        <p:nvSpPr>
-          <p:cNvPr id="5" name="Slide Number Placeholder 4"/>
+            <a:r>
+              <a:rPr lang="en-US" dirty="0" smtClean="0"/>
+              <a:t>Questions</a:t>
+            </a:r>
+            <a:endParaRPr lang="en-US" dirty="0"/>
+          </a:p>
+        </p:txBody>
+      </p:sp>
+      <p:sp>
+        <p:nvSpPr>
+          <p:cNvPr id="3" name="Slide Number Placeholder 2"/>
           <p:cNvSpPr>
             <a:spLocks noGrp="1"/>
           </p:cNvSpPr>
@@ -7588,7 +8236,7 @@
     </p:spTree>
     <p:extLst>
       <p:ext uri="{BB962C8B-B14F-4D97-AF65-F5344CB8AC3E}">
-        <p14:creationId xmlns:p14="http://schemas.microsoft.com/office/powerpoint/2010/main" val="605565859"/>
+        <p14:creationId xmlns:p14="http://schemas.microsoft.com/office/powerpoint/2010/main" val="2288425231"/>
       </p:ext>
     </p:extLst>
   </p:cSld>
@@ -7824,21 +8472,28 @@
             </a:lvl9pPr>
           </a:lstStyle>
           <a:p>
-            <a:pPr>
+            <a:pPr marL="0" indent="0">
               <a:spcBef>
                 <a:spcPts val="2280"/>
               </a:spcBef>
+              <a:buNone/>
             </a:pPr>
             <a:r>
               <a:rPr lang="en-US" b="1" dirty="0"/>
-              <a:t>Market Trend: Customized Experience</a:t>
-            </a:r>
-          </a:p>
-          <a:p>
-            <a:pPr>
+              <a:t>Market </a:t>
+            </a:r>
+            <a:r>
+              <a:rPr lang="en-US" b="1" dirty="0" smtClean="0"/>
+              <a:t>Trend</a:t>
+            </a:r>
+            <a:endParaRPr lang="en-US" b="1" dirty="0"/>
+          </a:p>
+          <a:p>
+            <a:pPr marL="0" indent="0">
               <a:spcBef>
                 <a:spcPts val="2280"/>
               </a:spcBef>
+              <a:buNone/>
             </a:pPr>
             <a:r>
               <a:rPr lang="en-US" b="1" dirty="0"/>
@@ -7846,10 +8501,11 @@
             </a:r>
           </a:p>
           <a:p>
-            <a:pPr>
+            <a:pPr marL="0" indent="0">
               <a:spcBef>
                 <a:spcPts val="2280"/>
               </a:spcBef>
+              <a:buNone/>
             </a:pPr>
             <a:r>
               <a:rPr lang="en-US" b="1" dirty="0"/>
@@ -7857,10 +8513,11 @@
             </a:r>
           </a:p>
           <a:p>
-            <a:pPr>
+            <a:pPr marL="0" indent="0">
               <a:spcBef>
                 <a:spcPts val="2280"/>
               </a:spcBef>
+              <a:buNone/>
             </a:pPr>
             <a:r>
               <a:rPr lang="en-US" b="1" dirty="0"/>
@@ -8068,6 +8725,117 @@
           </a:p>
         </p:txBody>
       </p:sp>
+      <p:cxnSp>
+        <p:nvCxnSpPr>
+          <p:cNvPr id="4" name="Straight Connector 3"/>
+          <p:cNvCxnSpPr/>
+          <p:nvPr/>
+        </p:nvCxnSpPr>
+        <p:spPr>
+          <a:xfrm>
+            <a:off x="315444" y="1681843"/>
+            <a:ext cx="2921159" cy="0"/>
+          </a:xfrm>
+          <a:prstGeom prst="line">
+            <a:avLst/>
+          </a:prstGeom>
+          <a:ln>
+            <a:solidFill>
+              <a:schemeClr val="bg1">
+                <a:lumMod val="75000"/>
+              </a:schemeClr>
+            </a:solidFill>
+          </a:ln>
+        </p:spPr>
+        <p:style>
+          <a:lnRef idx="1">
+            <a:schemeClr val="accent1"/>
+          </a:lnRef>
+          <a:fillRef idx="0">
+            <a:schemeClr val="accent1"/>
+          </a:fillRef>
+          <a:effectRef idx="0">
+            <a:schemeClr val="accent1"/>
+          </a:effectRef>
+          <a:fontRef idx="minor">
+            <a:schemeClr val="tx1"/>
+          </a:fontRef>
+        </p:style>
+      </p:cxnSp>
+      <p:cxnSp>
+        <p:nvCxnSpPr>
+          <p:cNvPr id="8" name="Straight Connector 7"/>
+          <p:cNvCxnSpPr/>
+          <p:nvPr/>
+        </p:nvCxnSpPr>
+        <p:spPr>
+          <a:xfrm>
+            <a:off x="295570" y="2307771"/>
+            <a:ext cx="2921159" cy="0"/>
+          </a:xfrm>
+          <a:prstGeom prst="line">
+            <a:avLst/>
+          </a:prstGeom>
+          <a:ln>
+            <a:solidFill>
+              <a:schemeClr val="bg1">
+                <a:lumMod val="75000"/>
+              </a:schemeClr>
+            </a:solidFill>
+          </a:ln>
+        </p:spPr>
+        <p:style>
+          <a:lnRef idx="1">
+            <a:schemeClr val="accent1"/>
+          </a:lnRef>
+          <a:fillRef idx="0">
+            <a:schemeClr val="accent1"/>
+          </a:fillRef>
+          <a:effectRef idx="0">
+            <a:schemeClr val="accent1"/>
+          </a:effectRef>
+          <a:fontRef idx="minor">
+            <a:schemeClr val="tx1"/>
+          </a:fontRef>
+        </p:style>
+      </p:cxnSp>
+      <p:cxnSp>
+        <p:nvCxnSpPr>
+          <p:cNvPr id="9" name="Straight Connector 8"/>
+          <p:cNvCxnSpPr/>
+          <p:nvPr/>
+        </p:nvCxnSpPr>
+        <p:spPr>
+          <a:xfrm>
+            <a:off x="295570" y="2852057"/>
+            <a:ext cx="2921159" cy="0"/>
+          </a:xfrm>
+          <a:prstGeom prst="line">
+            <a:avLst/>
+          </a:prstGeom>
+          <a:ln>
+            <a:solidFill>
+              <a:schemeClr val="bg1">
+                <a:lumMod val="75000"/>
+              </a:schemeClr>
+            </a:solidFill>
+          </a:ln>
+        </p:spPr>
+        <p:style>
+          <a:lnRef idx="1">
+            <a:schemeClr val="accent1"/>
+          </a:lnRef>
+          <a:fillRef idx="0">
+            <a:schemeClr val="accent1"/>
+          </a:fillRef>
+          <a:effectRef idx="0">
+            <a:schemeClr val="accent1"/>
+          </a:effectRef>
+          <a:fontRef idx="minor">
+            <a:schemeClr val="tx1"/>
+          </a:fontRef>
+        </p:style>
+      </p:cxnSp>
     </p:spTree>
     <p:extLst>
       <p:ext uri="{BB962C8B-B14F-4D97-AF65-F5344CB8AC3E}">
@@ -8078,6 +8846,13 @@
   <p:clrMapOvr>
     <a:masterClrMapping/>
   </p:clrMapOvr>
+  <p:timing>
+    <p:tnLst>
+      <p:par>
+        <p:cTn id="1" dur="indefinite" restart="never" nodeType="tmRoot"/>
+      </p:par>
+    </p:tnLst>
+  </p:timing>
 </p:sld>
 </file>
 
@@ -8115,7 +8890,15 @@
           <a:p>
             <a:r>
               <a:rPr lang="en-US" dirty="0"/>
-              <a:t>Market Trends Toward Customization Since 1970</a:t>
+              <a:t>Market </a:t>
+            </a:r>
+            <a:r>
+              <a:rPr lang="en-US" dirty="0" smtClean="0"/>
+              <a:t>Trend </a:t>
+            </a:r>
+            <a:r>
+              <a:rPr lang="en-US" dirty="0"/>
+              <a:t>Toward Customization Since 1970</a:t>
             </a:r>
           </a:p>
         </p:txBody>
@@ -8767,6 +9550,13 @@
   <p:clrMapOvr>
     <a:masterClrMapping/>
   </p:clrMapOvr>
+  <p:timing>
+    <p:tnLst>
+      <p:par>
+        <p:cTn id="1" dur="indefinite" restart="never" nodeType="tmRoot"/>
+      </p:par>
+    </p:tnLst>
+  </p:timing>
 </p:sld>
 </file>
 
@@ -9152,8 +9942,12 @@
           <a:lstStyle/>
           <a:p>
             <a:r>
+              <a:rPr lang="en-US" dirty="0" smtClean="0"/>
+              <a:t>Crowdsourced </a:t>
+            </a:r>
+            <a:r>
               <a:rPr lang="en-US" dirty="0"/>
-              <a:t>Crowd Sourced Mutual Funds </a:t>
+              <a:t>Mutual Funds </a:t>
             </a:r>
           </a:p>
         </p:txBody>
@@ -9665,7 +10459,7 @@
         <p:spPr>
           <a:xfrm>
             <a:off x="4652042" y="1821674"/>
-            <a:ext cx="4166702" cy="804993"/>
+            <a:ext cx="4166702" cy="2311304"/>
           </a:xfrm>
         </p:spPr>
         <p:txBody>
@@ -9682,7 +10476,31 @@
               <a:rPr lang="en-US" i="1" dirty="0">
                 <a:sym typeface="Wingdings" panose="05000000000000000000" pitchFamily="2" charset="2"/>
               </a:rPr>
-              <a:t>Crowdsourcing allows for the collection of ideas and content from a large group specifically an online community rather than traditional employees. </a:t>
+              <a:t>Crowdsourcing allows for the collection of ideas and content from a large </a:t>
+            </a:r>
+            <a:r>
+              <a:rPr lang="en-US" i="1" dirty="0" smtClean="0">
+                <a:sym typeface="Wingdings" panose="05000000000000000000" pitchFamily="2" charset="2"/>
+              </a:rPr>
+              <a:t>group, </a:t>
+            </a:r>
+            <a:r>
+              <a:rPr lang="en-US" i="1" dirty="0">
+                <a:sym typeface="Wingdings" panose="05000000000000000000" pitchFamily="2" charset="2"/>
+              </a:rPr>
+              <a:t>specifically an online </a:t>
+            </a:r>
+            <a:r>
+              <a:rPr lang="en-US" i="1" dirty="0" smtClean="0">
+                <a:sym typeface="Wingdings" panose="05000000000000000000" pitchFamily="2" charset="2"/>
+              </a:rPr>
+              <a:t>community, </a:t>
+            </a:r>
+            <a:r>
+              <a:rPr lang="en-US" i="1" dirty="0">
+                <a:sym typeface="Wingdings" panose="05000000000000000000" pitchFamily="2" charset="2"/>
+              </a:rPr>
+              <a:t>rather than traditional employees. </a:t>
             </a:r>
           </a:p>
         </p:txBody>
@@ -9808,45 +10626,127 @@
             <p:ph idx="1"/>
           </p:nvPr>
         </p:nvSpPr>
-        <p:spPr/>
+        <p:spPr>
+          <a:xfrm>
+            <a:off x="295570" y="1205308"/>
+            <a:ext cx="3919124" cy="3771636"/>
+          </a:xfrm>
+        </p:spPr>
         <p:txBody>
           <a:bodyPr/>
           <a:lstStyle/>
           <a:p>
-            <a:r>
-              <a:rPr lang="en-US" dirty="0"/>
-              <a:t>Professionally managed portfolio</a:t>
-            </a:r>
-          </a:p>
-          <a:p>
-            <a:r>
-              <a:rPr lang="en-US" dirty="0"/>
-              <a:t>Stocks</a:t>
-            </a:r>
-          </a:p>
-          <a:p>
-            <a:r>
-              <a:rPr lang="en-US" dirty="0"/>
-              <a:t>Bonds</a:t>
-            </a:r>
-          </a:p>
-          <a:p>
-            <a:r>
-              <a:rPr lang="en-US" dirty="0"/>
-              <a:t>Short term investments.</a:t>
-            </a:r>
-          </a:p>
-          <a:p>
-            <a:r>
-              <a:rPr lang="en-US" dirty="0"/>
-              <a:t>Diversification</a:t>
-            </a:r>
-          </a:p>
-          <a:p>
-            <a:r>
-              <a:rPr lang="en-US" dirty="0"/>
-              <a:t>Cost Efficient </a:t>
-            </a:r>
+            <a:pPr marL="0" indent="0" algn="ctr">
+              <a:buNone/>
+            </a:pPr>
+            <a:r>
+              <a:rPr lang="en-US" sz="3200" b="1" dirty="0" smtClean="0">
+                <a:ln w="0"/>
+                <a:solidFill>
+                  <a:schemeClr val="accent5"/>
+                </a:solidFill>
+                <a:effectLst>
+                  <a:outerShdw blurRad="38100" dist="25400" dir="5400000" algn="ctr" rotWithShape="0">
+                    <a:srgbClr val="6E747A">
+                      <a:alpha val="43000"/>
+                    </a:srgbClr>
+                  </a:outerShdw>
+                </a:effectLst>
+                <a:latin typeface="Calibri" panose="020F0502020204030204" pitchFamily="34" charset="0"/>
+                <a:cs typeface="Calibri" panose="020F0502020204030204" pitchFamily="34" charset="0"/>
+              </a:rPr>
+              <a:t>Professionally managed</a:t>
+            </a:r>
+          </a:p>
+          <a:p>
+            <a:pPr marL="0" indent="0" algn="ctr">
+              <a:buNone/>
+            </a:pPr>
+            <a:endParaRPr lang="en-US" sz="3200" b="1" dirty="0">
+              <a:ln w="0"/>
+              <a:solidFill>
+                <a:schemeClr val="accent5"/>
+              </a:solidFill>
+              <a:effectLst>
+                <a:outerShdw blurRad="38100" dist="25400" dir="5400000" algn="ctr" rotWithShape="0">
+                  <a:srgbClr val="6E747A">
+                    <a:alpha val="43000"/>
+                  </a:srgbClr>
+                </a:outerShdw>
+              </a:effectLst>
+              <a:latin typeface="Calibri" panose="020F0502020204030204" pitchFamily="34" charset="0"/>
+              <a:cs typeface="Calibri" panose="020F0502020204030204" pitchFamily="34" charset="0"/>
+            </a:endParaRPr>
+          </a:p>
+          <a:p>
+            <a:pPr marL="0" indent="0" algn="ctr">
+              <a:buNone/>
+            </a:pPr>
+            <a:r>
+              <a:rPr lang="en-US" sz="3200" b="1" dirty="0" smtClean="0">
+                <a:ln w="0"/>
+                <a:solidFill>
+                  <a:schemeClr val="accent5"/>
+                </a:solidFill>
+                <a:effectLst>
+                  <a:outerShdw blurRad="38100" dist="25400" dir="5400000" algn="ctr" rotWithShape="0">
+                    <a:srgbClr val="6E747A">
+                      <a:alpha val="43000"/>
+                    </a:srgbClr>
+                  </a:outerShdw>
+                </a:effectLst>
+                <a:latin typeface="Calibri" panose="020F0502020204030204" pitchFamily="34" charset="0"/>
+                <a:cs typeface="Calibri" panose="020F0502020204030204" pitchFamily="34" charset="0"/>
+              </a:rPr>
+              <a:t>Diversified</a:t>
+            </a:r>
+          </a:p>
+          <a:p>
+            <a:pPr marL="0" indent="0" algn="ctr">
+              <a:buNone/>
+            </a:pPr>
+            <a:endParaRPr lang="en-US" sz="3200" b="1" dirty="0">
+              <a:ln w="0"/>
+              <a:solidFill>
+                <a:schemeClr val="accent5"/>
+              </a:solidFill>
+              <a:effectLst>
+                <a:outerShdw blurRad="38100" dist="25400" dir="5400000" algn="ctr" rotWithShape="0">
+                  <a:srgbClr val="6E747A">
+                    <a:alpha val="43000"/>
+                  </a:srgbClr>
+                </a:outerShdw>
+              </a:effectLst>
+              <a:latin typeface="Calibri" panose="020F0502020204030204" pitchFamily="34" charset="0"/>
+              <a:cs typeface="Calibri" panose="020F0502020204030204" pitchFamily="34" charset="0"/>
+            </a:endParaRPr>
+          </a:p>
+          <a:p>
+            <a:pPr marL="0" indent="0" algn="ctr">
+              <a:buNone/>
+            </a:pPr>
+            <a:r>
+              <a:rPr lang="en-US" sz="3200" b="1" dirty="0" smtClean="0">
+                <a:ln w="0"/>
+                <a:solidFill>
+                  <a:schemeClr val="accent5"/>
+                </a:solidFill>
+                <a:effectLst>
+                  <a:outerShdw blurRad="38100" dist="25400" dir="5400000" algn="ctr" rotWithShape="0">
+                    <a:srgbClr val="6E747A">
+                      <a:alpha val="43000"/>
+                    </a:srgbClr>
+                  </a:outerShdw>
+                </a:effectLst>
+                <a:latin typeface="Calibri" panose="020F0502020204030204" pitchFamily="34" charset="0"/>
+                <a:cs typeface="Calibri" panose="020F0502020204030204" pitchFamily="34" charset="0"/>
+              </a:rPr>
+              <a:t>Cost Efficient</a:t>
+            </a:r>
+            <a:endParaRPr lang="en-US" sz="3200" dirty="0">
+              <a:latin typeface="Calibri" panose="020F0502020204030204" pitchFamily="34" charset="0"/>
+              <a:cs typeface="Calibri" panose="020F0502020204030204" pitchFamily="34" charset="0"/>
+            </a:endParaRPr>
           </a:p>
           <a:p>
             <a:endParaRPr lang="en-US" dirty="0"/>
@@ -9910,7 +10810,7 @@
         </p:blipFill>
         <p:spPr>
           <a:xfrm>
-            <a:off x="4214694" y="1041018"/>
+            <a:off x="4214694" y="1458695"/>
             <a:ext cx="4604050" cy="2800797"/>
           </a:xfrm>
           <a:prstGeom prst="rect">
@@ -10124,8 +11024,8 @@
         </p:nvSpPr>
         <p:spPr>
           <a:xfrm>
-            <a:off x="3148856" y="1103173"/>
-            <a:ext cx="2816605" cy="3785652"/>
+            <a:off x="3148855" y="741840"/>
+            <a:ext cx="2816605" cy="4339650"/>
           </a:xfrm>
           <a:prstGeom prst="rect">
             <a:avLst/>
@@ -10161,7 +11061,7 @@
           <a:p>
             <a:pPr algn="ctr"/>
             <a:r>
-              <a:rPr lang="en-US" sz="1200" i="1" dirty="0">
+              <a:rPr lang="en-US" sz="2400" i="1" dirty="0">
                 <a:ln w="0"/>
                 <a:solidFill>
                   <a:schemeClr val="accent5"/>
@@ -10203,7 +11103,7 @@
           <a:p>
             <a:pPr algn="ctr"/>
             <a:r>
-              <a:rPr lang="en-US" sz="1200" i="1" dirty="0">
+              <a:rPr lang="en-US" sz="2400" i="1" dirty="0">
                 <a:ln w="0"/>
                 <a:solidFill>
                   <a:schemeClr val="accent5"/>
@@ -10245,7 +11145,7 @@
           <a:p>
             <a:pPr algn="ctr"/>
             <a:r>
-              <a:rPr lang="en-US" sz="1200" i="1" dirty="0">
+              <a:rPr lang="en-US" sz="2400" i="1" dirty="0">
                 <a:ln w="0"/>
                 <a:solidFill>
                   <a:schemeClr val="accent5"/>
@@ -10262,7 +11162,7 @@
               </a:rPr>
               <a:t>Customers</a:t>
             </a:r>
-            <a:endParaRPr lang="en-US" sz="1200" b="0" i="1" cap="none" spc="0" dirty="0">
+            <a:endParaRPr lang="en-US" sz="2400" b="0" i="1" cap="none" spc="0" dirty="0">
               <a:ln w="0"/>
               <a:solidFill>
                 <a:schemeClr val="accent5"/>

--- a/CMF.pptx
+++ b/CMF.pptx
@@ -124,7 +124,7 @@
   </p:defaultTextStyle>
   <p:extLst>
     <p:ext uri="{EFAFB233-063F-42B5-8137-9DF3F51BA10A}">
-      <p15:sldGuideLst xmlns="" xmlns:p15="http://schemas.microsoft.com/office/powerpoint/2012/main">
+      <p15:sldGuideLst xmlns:p15="http://schemas.microsoft.com/office/powerpoint/2012/main" xmlns="">
         <p15:guide id="1" orient="horz" pos="161">
           <p15:clr>
             <a:srgbClr val="A4A3A4"/>
@@ -168,7 +168,7 @@
       </p15:sldGuideLst>
     </p:ext>
     <p:ext uri="{2D200454-40CA-4A62-9FC3-DE9A4176ACB9}">
-      <p15:notesGuideLst xmlns="" xmlns:p15="http://schemas.microsoft.com/office/powerpoint/2012/main">
+      <p15:notesGuideLst xmlns:p15="http://schemas.microsoft.com/office/powerpoint/2012/main" xmlns="">
         <p15:guide id="1" orient="horz" pos="2924">
           <p15:clr>
             <a:srgbClr val="A4A3A4"/>
@@ -267,7 +267,7 @@
           <a:p>
             <a:fld id="{F0BB27B4-BE80-4A64-A720-975D9C2CD29D}" type="datetimeFigureOut">
               <a:rPr lang="en-US" smtClean="0"/>
-              <a:t>07/12/2017</a:t>
+              <a:t>07/13/2017</a:t>
             </a:fld>
             <a:endParaRPr lang="en-US"/>
           </a:p>
@@ -437,7 +437,7 @@
             <a:fld id="{80568A58-25BF-4ED8-BF3A-372FEB996820}" type="datetimeFigureOut">
               <a:rPr lang="en-US" smtClean="0"/>
               <a:pPr/>
-              <a:t>07/12/2017</a:t>
+              <a:t>07/13/2017</a:t>
             </a:fld>
             <a:endParaRPr lang="en-US" dirty="0"/>
           </a:p>
@@ -862,8 +862,13 @@
           <a:p>
             <a:r>
               <a:rPr lang="en-US" baseline="0" dirty="0" smtClean="0"/>
-              <a:t>	-Fidelity Investments Community provides a forum for crowdsourcing ideas and giving or getting investment advice</a:t>
-            </a:r>
+              <a:t>	-Fidelity Investments Community provides a forum for </a:t>
+            </a:r>
+            <a:r>
+              <a:rPr lang="en-US" baseline="0" dirty="0" smtClean="0"/>
+              <a:t>crowdsourcing ideas and giving or getting investment advice for PI customers. About 20% of members are active monthly</a:t>
+            </a:r>
+            <a:endParaRPr lang="en-US" baseline="0" dirty="0" smtClean="0"/>
           </a:p>
           <a:p>
             <a:r>
@@ -1523,7 +1528,15 @@
             </a:r>
             <a:r>
               <a:rPr lang="en-US" baseline="0" dirty="0"/>
-              <a:t> are we seeing? Increase in demand for selection and customization to each individual’s taste</a:t>
+              <a:t> are we seeing? Increase in demand for </a:t>
+            </a:r>
+            <a:r>
+              <a:rPr lang="en-US" baseline="0" dirty="0" smtClean="0"/>
+              <a:t>customization </a:t>
+            </a:r>
+            <a:r>
+              <a:rPr lang="en-US" baseline="0" dirty="0"/>
+              <a:t>to each individual’s taste</a:t>
             </a:r>
           </a:p>
           <a:p>
@@ -1707,7 +1720,19 @@
                 <a:ea typeface="+mn-ea"/>
                 <a:cs typeface="+mn-cs"/>
               </a:rPr>
-              <a:t> which obtained results from consumers with over $10,000 in deposits, over 40% surveyed said they would be more inclined to continue their relationship with their primary bank if they offered products where the economics of the product could be personalized.</a:t>
+              <a:t> 40% of consumers with over $10,000 in deposits said they </a:t>
+            </a:r>
+            <a:r>
+              <a:rPr lang="en-US" sz="1200" b="0" i="1" kern="1200" dirty="0" smtClean="0">
+                <a:solidFill>
+                  <a:schemeClr val="tx1"/>
+                </a:solidFill>
+                <a:effectLst/>
+                <a:latin typeface="Arial" panose="020B0604020202020204" pitchFamily="34" charset="0"/>
+                <a:ea typeface="+mn-ea"/>
+                <a:cs typeface="+mn-cs"/>
+              </a:rPr>
+              <a:t>would be more inclined to continue their relationship with their primary bank if they offered products where the economics of the product could be personalized.</a:t>
             </a:r>
             <a:endParaRPr lang="en-US" sz="1200" b="0" i="0" kern="1200" dirty="0" smtClean="0">
               <a:solidFill>
@@ -1720,7 +1745,7 @@
             </a:endParaRPr>
           </a:p>
           <a:p>
-            <a:endParaRPr lang="en-US" sz="1200" b="0" i="0" kern="1200" dirty="0">
+            <a:endParaRPr lang="en-US" sz="1200" b="0" i="0" kern="1200" dirty="0" smtClean="0">
               <a:solidFill>
                 <a:schemeClr val="tx1"/>
               </a:solidFill>
@@ -1732,7 +1757,7 @@
           </a:p>
           <a:p>
             <a:r>
-              <a:rPr lang="en-US" sz="1200" b="0" i="0" kern="1200" dirty="0">
+              <a:rPr lang="en-US" sz="1200" b="0" i="0" kern="1200" dirty="0" smtClean="0">
                 <a:solidFill>
                   <a:schemeClr val="tx1"/>
                 </a:solidFill>
@@ -1741,11 +1766,21 @@
                 <a:ea typeface="+mn-ea"/>
                 <a:cs typeface="+mn-cs"/>
               </a:rPr>
-              <a:t>A paradigm shift is taking place, from a product centric approach (off-the-rack) to a customer centric approach (made-to-order), where customer involvement shifts from just purchase to the development as well. It’s become more important than ever for companies, especially those in financial services, to be nimble and respond quickly to this market demand.</a:t>
-            </a:r>
-          </a:p>
-          <a:p>
-            <a:endParaRPr lang="en-US" sz="1200" b="0" i="0" kern="1200" dirty="0">
+              <a:t>A</a:t>
+            </a:r>
+            <a:r>
+              <a:rPr lang="en-US" sz="1200" b="0" i="0" kern="1200" baseline="0" dirty="0" smtClean="0">
+                <a:solidFill>
+                  <a:schemeClr val="tx1"/>
+                </a:solidFill>
+                <a:effectLst/>
+                <a:latin typeface="Arial" panose="020B0604020202020204" pitchFamily="34" charset="0"/>
+                <a:ea typeface="+mn-ea"/>
+                <a:cs typeface="+mn-cs"/>
+              </a:rPr>
+              <a:t> shift is taking place in the industry from a product centric off-the-rack approach to a Chipotle-style made to order approach that involves the customer in the development of the product rather than only its purchase. It’s incredibly important to respond quickly to this market demand and take advantage of the benefits it has to offer, like customer loyalty, trust, and satisfaction.</a:t>
+            </a:r>
+            <a:endParaRPr lang="en-US" sz="1200" b="0" i="0" kern="1200" dirty="0" smtClean="0">
               <a:solidFill>
                 <a:schemeClr val="tx1"/>
               </a:solidFill>
@@ -1756,31 +1791,7 @@
             </a:endParaRPr>
           </a:p>
           <a:p>
-            <a:r>
-              <a:rPr lang="en-US" sz="1200" b="0" i="0" kern="1200" dirty="0" smtClean="0">
-                <a:solidFill>
-                  <a:schemeClr val="tx1"/>
-                </a:solidFill>
-                <a:effectLst/>
-                <a:latin typeface="Arial" panose="020B0604020202020204" pitchFamily="34" charset="0"/>
-                <a:ea typeface="+mn-ea"/>
-                <a:cs typeface="+mn-cs"/>
-              </a:rPr>
-              <a:t>Customer respond</a:t>
-            </a:r>
-            <a:r>
-              <a:rPr lang="en-US" sz="1200" b="0" i="0" kern="1200" baseline="0" dirty="0" smtClean="0">
-                <a:solidFill>
-                  <a:schemeClr val="tx1"/>
-                </a:solidFill>
-                <a:effectLst/>
-                <a:latin typeface="Arial" panose="020B0604020202020204" pitchFamily="34" charset="0"/>
-                <a:ea typeface="+mn-ea"/>
-                <a:cs typeface="+mn-cs"/>
-              </a:rPr>
-              <a:t> strongly to this.</a:t>
-            </a:r>
-            <a:endParaRPr lang="en-US" sz="1200" b="0" i="0" kern="1200" dirty="0">
+            <a:endParaRPr lang="en-US" sz="1200" b="0" i="0" kern="1200" dirty="0" smtClean="0">
               <a:solidFill>
                 <a:schemeClr val="tx1"/>
               </a:solidFill>
@@ -1809,7 +1820,7 @@
               <a:defRPr/>
             </a:pPr>
             <a:r>
-              <a:rPr lang="en-US" sz="1200" b="0" i="1" kern="1200" dirty="0">
+              <a:rPr lang="en-US" sz="1200" b="0" i="1" kern="1200" baseline="0" dirty="0" smtClean="0">
                 <a:solidFill>
                   <a:schemeClr val="tx1"/>
                 </a:solidFill>
@@ -1818,291 +1829,8 @@
                 <a:ea typeface="+mn-ea"/>
                 <a:cs typeface="+mn-cs"/>
               </a:rPr>
-              <a:t>“Brand Keys, a research firm that studies customer loyalty, found that personalization is 30% of what draws a person to a brand today, as opposed to only six percent in 1997.”</a:t>
-            </a:r>
-          </a:p>
-          <a:p>
-            <a:pPr marL="0" marR="0" indent="0" algn="l" defTabSz="914400" rtl="0" eaLnBrk="1" fontAlgn="auto" latinLnBrk="0" hangingPunct="1">
-              <a:lnSpc>
-                <a:spcPct val="100000"/>
-              </a:lnSpc>
-              <a:spcBef>
-                <a:spcPts val="0"/>
-              </a:spcBef>
-              <a:spcAft>
-                <a:spcPts val="0"/>
-              </a:spcAft>
-              <a:buClrTx/>
-              <a:buSzTx/>
-              <a:buFontTx/>
-              <a:buNone/>
-              <a:tabLst/>
-              <a:defRPr/>
-            </a:pPr>
-            <a:endParaRPr lang="en-US" sz="1200" b="0" i="1" kern="1200" dirty="0">
-              <a:solidFill>
-                <a:schemeClr val="tx1"/>
-              </a:solidFill>
-              <a:effectLst/>
-              <a:latin typeface="Arial" panose="020B0604020202020204" pitchFamily="34" charset="0"/>
-              <a:ea typeface="+mn-ea"/>
-              <a:cs typeface="+mn-cs"/>
-            </a:endParaRPr>
-          </a:p>
-          <a:p>
-            <a:pPr marL="0" marR="0" indent="0" algn="l" defTabSz="914400" rtl="0" eaLnBrk="1" fontAlgn="auto" latinLnBrk="0" hangingPunct="1">
-              <a:lnSpc>
-                <a:spcPct val="100000"/>
-              </a:lnSpc>
-              <a:spcBef>
-                <a:spcPts val="0"/>
-              </a:spcBef>
-              <a:spcAft>
-                <a:spcPts val="0"/>
-              </a:spcAft>
-              <a:buClrTx/>
-              <a:buSzTx/>
-              <a:buFontTx/>
-              <a:buNone/>
-              <a:tabLst/>
-              <a:defRPr/>
-            </a:pPr>
-            <a:r>
-              <a:rPr lang="en-US" sz="1200" b="0" i="1" kern="1200" dirty="0">
-                <a:solidFill>
-                  <a:schemeClr val="tx1"/>
-                </a:solidFill>
-                <a:effectLst/>
-                <a:latin typeface="Arial" panose="020B0604020202020204" pitchFamily="34" charset="0"/>
-                <a:ea typeface="+mn-ea"/>
-                <a:cs typeface="+mn-cs"/>
-              </a:rPr>
-              <a:t>Other benefits</a:t>
-            </a:r>
-            <a:r>
-              <a:rPr lang="en-US" sz="1200" b="0" i="1" kern="1200" baseline="0" dirty="0">
-                <a:solidFill>
-                  <a:schemeClr val="tx1"/>
-                </a:solidFill>
-                <a:effectLst/>
-                <a:latin typeface="Arial" panose="020B0604020202020204" pitchFamily="34" charset="0"/>
-                <a:ea typeface="+mn-ea"/>
-                <a:cs typeface="+mn-cs"/>
-              </a:rPr>
-              <a:t> of personalization</a:t>
-            </a:r>
-          </a:p>
-          <a:p>
-            <a:pPr marL="171450" marR="0" indent="-171450" algn="l" defTabSz="914400" rtl="0" eaLnBrk="1" fontAlgn="auto" latinLnBrk="0" hangingPunct="1">
-              <a:lnSpc>
-                <a:spcPct val="100000"/>
-              </a:lnSpc>
-              <a:spcBef>
-                <a:spcPts val="0"/>
-              </a:spcBef>
-              <a:spcAft>
-                <a:spcPts val="0"/>
-              </a:spcAft>
-              <a:buClrTx/>
-              <a:buSzTx/>
-              <a:buFontTx/>
-              <a:buChar char="-"/>
-              <a:tabLst/>
-              <a:defRPr/>
-            </a:pPr>
-            <a:r>
-              <a:rPr lang="en-US" sz="1200" b="0" i="1" kern="1200" baseline="0" dirty="0">
-                <a:solidFill>
-                  <a:schemeClr val="tx1"/>
-                </a:solidFill>
-                <a:effectLst/>
-                <a:latin typeface="Arial" panose="020B0604020202020204" pitchFamily="34" charset="0"/>
-                <a:ea typeface="+mn-ea"/>
-                <a:cs typeface="+mn-cs"/>
-              </a:rPr>
-              <a:t>Improving </a:t>
-            </a:r>
-            <a:r>
-              <a:rPr lang="en-US" sz="1200" b="0" i="1" kern="1200" baseline="0" dirty="0" smtClean="0">
-                <a:solidFill>
-                  <a:schemeClr val="tx1"/>
-                </a:solidFill>
-                <a:effectLst/>
-                <a:latin typeface="Arial" panose="020B0604020202020204" pitchFamily="34" charset="0"/>
-                <a:ea typeface="+mn-ea"/>
-                <a:cs typeface="+mn-cs"/>
-              </a:rPr>
-              <a:t>customer </a:t>
-            </a:r>
-            <a:r>
-              <a:rPr lang="en-US" sz="1200" b="0" i="1" kern="1200" baseline="0" dirty="0">
-                <a:solidFill>
-                  <a:schemeClr val="tx1"/>
-                </a:solidFill>
-                <a:effectLst/>
-                <a:latin typeface="Arial" panose="020B0604020202020204" pitchFamily="34" charset="0"/>
-                <a:ea typeface="+mn-ea"/>
-                <a:cs typeface="+mn-cs"/>
-              </a:rPr>
-              <a:t>satisfaction, which drives loyalty</a:t>
-            </a:r>
-          </a:p>
-          <a:p>
-            <a:pPr marL="171450" marR="0" indent="-171450" algn="l" defTabSz="914400" rtl="0" eaLnBrk="1" fontAlgn="auto" latinLnBrk="0" hangingPunct="1">
-              <a:lnSpc>
-                <a:spcPct val="100000"/>
-              </a:lnSpc>
-              <a:spcBef>
-                <a:spcPts val="0"/>
-              </a:spcBef>
-              <a:spcAft>
-                <a:spcPts val="0"/>
-              </a:spcAft>
-              <a:buClrTx/>
-              <a:buSzTx/>
-              <a:buFontTx/>
-              <a:buChar char="-"/>
-              <a:tabLst/>
-              <a:defRPr/>
-            </a:pPr>
-            <a:r>
-              <a:rPr lang="en-US" sz="1200" b="0" i="1" kern="1200" baseline="0" dirty="0">
-                <a:solidFill>
-                  <a:schemeClr val="tx1"/>
-                </a:solidFill>
-                <a:effectLst/>
-                <a:latin typeface="Arial" panose="020B0604020202020204" pitchFamily="34" charset="0"/>
-                <a:ea typeface="+mn-ea"/>
-                <a:cs typeface="+mn-cs"/>
-              </a:rPr>
-              <a:t>Help customer believe firm appreciates him or her </a:t>
-            </a:r>
-            <a:r>
-              <a:rPr lang="en-US" sz="1200" b="0" i="1" kern="1200" baseline="0" dirty="0" err="1" smtClean="0">
-                <a:solidFill>
-                  <a:schemeClr val="tx1"/>
-                </a:solidFill>
-                <a:effectLst/>
-                <a:latin typeface="Arial" panose="020B0604020202020204" pitchFamily="34" charset="0"/>
-                <a:ea typeface="+mn-ea"/>
-                <a:cs typeface="+mn-cs"/>
-              </a:rPr>
-              <a:t>nd</a:t>
-            </a:r>
-            <a:r>
-              <a:rPr lang="en-US" sz="1200" b="0" i="1" kern="1200" baseline="0" dirty="0" smtClean="0">
-                <a:solidFill>
-                  <a:schemeClr val="tx1"/>
-                </a:solidFill>
-                <a:effectLst/>
-                <a:latin typeface="Arial" panose="020B0604020202020204" pitchFamily="34" charset="0"/>
-                <a:ea typeface="+mn-ea"/>
-                <a:cs typeface="+mn-cs"/>
-              </a:rPr>
-              <a:t> </a:t>
-            </a:r>
-            <a:r>
-              <a:rPr lang="en-US" sz="1200" b="0" i="1" kern="1200" baseline="0" dirty="0">
-                <a:solidFill>
-                  <a:schemeClr val="tx1"/>
-                </a:solidFill>
-                <a:effectLst/>
-                <a:latin typeface="Arial" panose="020B0604020202020204" pitchFamily="34" charset="0"/>
-                <a:ea typeface="+mn-ea"/>
-                <a:cs typeface="+mn-cs"/>
-              </a:rPr>
-              <a:t>increase transparency, raising trust</a:t>
-            </a:r>
-          </a:p>
-          <a:p>
-            <a:pPr marL="171450" marR="0" indent="-171450" algn="l" defTabSz="914400" rtl="0" eaLnBrk="1" fontAlgn="auto" latinLnBrk="0" hangingPunct="1">
-              <a:lnSpc>
-                <a:spcPct val="100000"/>
-              </a:lnSpc>
-              <a:spcBef>
-                <a:spcPts val="0"/>
-              </a:spcBef>
-              <a:spcAft>
-                <a:spcPts val="0"/>
-              </a:spcAft>
-              <a:buClrTx/>
-              <a:buSzTx/>
-              <a:buFontTx/>
-              <a:buChar char="-"/>
-              <a:tabLst/>
-              <a:defRPr/>
-            </a:pPr>
-            <a:r>
-              <a:rPr lang="en-US" sz="1200" b="0" i="1" kern="1200" baseline="0" dirty="0" smtClean="0">
-                <a:solidFill>
-                  <a:schemeClr val="tx1"/>
-                </a:solidFill>
-                <a:effectLst/>
-                <a:latin typeface="Arial" panose="020B0604020202020204" pitchFamily="34" charset="0"/>
-                <a:ea typeface="+mn-ea"/>
-                <a:cs typeface="+mn-cs"/>
-              </a:rPr>
-              <a:t>Company like Fidelity </a:t>
-            </a:r>
-            <a:r>
-              <a:rPr lang="en-US" sz="1200" b="0" i="1" kern="1200" baseline="0" dirty="0">
-                <a:solidFill>
-                  <a:schemeClr val="tx1"/>
-                </a:solidFill>
-                <a:effectLst/>
-                <a:latin typeface="Arial" panose="020B0604020202020204" pitchFamily="34" charset="0"/>
-                <a:ea typeface="+mn-ea"/>
-                <a:cs typeface="+mn-cs"/>
-              </a:rPr>
-              <a:t>becomes harder to replace</a:t>
-            </a:r>
-          </a:p>
-          <a:p>
-            <a:pPr marL="0" marR="0" indent="0" algn="l" defTabSz="914400" rtl="0" eaLnBrk="1" fontAlgn="auto" latinLnBrk="0" hangingPunct="1">
-              <a:lnSpc>
-                <a:spcPct val="100000"/>
-              </a:lnSpc>
-              <a:spcBef>
-                <a:spcPts val="0"/>
-              </a:spcBef>
-              <a:spcAft>
-                <a:spcPts val="0"/>
-              </a:spcAft>
-              <a:buClrTx/>
-              <a:buSzTx/>
-              <a:buFontTx/>
-              <a:buNone/>
-              <a:tabLst/>
-              <a:defRPr/>
-            </a:pPr>
-            <a:endParaRPr lang="en-US" sz="1200" b="0" i="1" kern="1200" baseline="0" dirty="0">
-              <a:solidFill>
-                <a:schemeClr val="tx1"/>
-              </a:solidFill>
-              <a:effectLst/>
-              <a:latin typeface="Arial" panose="020B0604020202020204" pitchFamily="34" charset="0"/>
-              <a:ea typeface="+mn-ea"/>
-              <a:cs typeface="+mn-cs"/>
-            </a:endParaRPr>
-          </a:p>
-          <a:p>
-            <a:pPr marL="0" marR="0" indent="0" algn="l" defTabSz="914400" rtl="0" eaLnBrk="1" fontAlgn="auto" latinLnBrk="0" hangingPunct="1">
-              <a:lnSpc>
-                <a:spcPct val="100000"/>
-              </a:lnSpc>
-              <a:spcBef>
-                <a:spcPts val="0"/>
-              </a:spcBef>
-              <a:spcAft>
-                <a:spcPts val="0"/>
-              </a:spcAft>
-              <a:buClrTx/>
-              <a:buSzTx/>
-              <a:buFontTx/>
-              <a:buNone/>
-              <a:tabLst/>
-              <a:defRPr/>
-            </a:pPr>
+              <a:t>Source:</a:t>
+            </a:r>
             <a:endParaRPr lang="en-US" sz="1200" b="0" i="1" kern="1200" dirty="0" smtClean="0">
               <a:solidFill>
                 <a:schemeClr val="tx1"/>
@@ -3163,7 +2891,6 @@
               <a:rPr lang="en-US" dirty="0" smtClean="0"/>
               <a:t>Attract</a:t>
             </a:r>
-            <a:endParaRPr lang="en-US" dirty="0"/>
           </a:p>
           <a:p>
             <a:pPr marL="0" marR="0" indent="0" algn="l" defTabSz="914400" rtl="0" eaLnBrk="1" fontAlgn="auto" latinLnBrk="0" hangingPunct="1">
@@ -3184,7 +2911,11 @@
               <a:defRPr/>
             </a:pPr>
             <a:r>
-              <a:rPr lang="en-US" sz="1200" b="0" i="1" kern="1200" dirty="0" smtClean="0">
+              <a:rPr lang="en-US" dirty="0" smtClean="0"/>
+              <a:t>One of the biggest business challenges is bringing in new customers. </a:t>
+            </a:r>
+            <a:r>
+              <a:rPr lang="en-US" sz="1200" b="0" i="1" kern="1200" smtClean="0">
                 <a:solidFill>
                   <a:schemeClr val="tx1"/>
                 </a:solidFill>
@@ -3193,8 +2924,64 @@
                 <a:ea typeface="+mn-ea"/>
                 <a:cs typeface="+mn-cs"/>
               </a:rPr>
-              <a:t>“Brand Keys, a research firm that studies customer loyalty, found that personalization is 30% of what draws a person to a brand today, as opposed to only six percent in 1997.”</a:t>
-            </a:r>
+              <a:t>“</a:t>
+            </a:r>
+            <a:r>
+              <a:rPr lang="en-US" sz="1200" b="0" i="1" kern="1200" dirty="0" smtClean="0">
+                <a:solidFill>
+                  <a:schemeClr val="tx1"/>
+                </a:solidFill>
+                <a:effectLst/>
+                <a:latin typeface="Arial" panose="020B0604020202020204" pitchFamily="34" charset="0"/>
+                <a:ea typeface="+mn-ea"/>
+                <a:cs typeface="+mn-cs"/>
+              </a:rPr>
+              <a:t>Brand Keys, a research firm that studies customer loyalty, found that personalization is 30% of what draws a person to a brand today, as opposed to only six percent in </a:t>
+            </a:r>
+            <a:r>
+              <a:rPr lang="en-US" sz="1200" b="0" i="1" kern="1200" smtClean="0">
+                <a:solidFill>
+                  <a:schemeClr val="tx1"/>
+                </a:solidFill>
+                <a:effectLst/>
+                <a:latin typeface="Arial" panose="020B0604020202020204" pitchFamily="34" charset="0"/>
+                <a:ea typeface="+mn-ea"/>
+                <a:cs typeface="+mn-cs"/>
+              </a:rPr>
+              <a:t>1997</a:t>
+            </a:r>
+            <a:r>
+              <a:rPr lang="en-US" sz="1200" b="0" i="1" kern="1200" smtClean="0">
+                <a:solidFill>
+                  <a:schemeClr val="tx1"/>
+                </a:solidFill>
+                <a:effectLst/>
+                <a:latin typeface="Arial" panose="020B0604020202020204" pitchFamily="34" charset="0"/>
+                <a:ea typeface="+mn-ea"/>
+                <a:cs typeface="+mn-cs"/>
+              </a:rPr>
+              <a:t>.”  </a:t>
+            </a:r>
+            <a:r>
+              <a:rPr lang="en-US" smtClean="0"/>
+              <a:t>Taking advantage of this opportunity to personalize for customers will result in higher</a:t>
+            </a:r>
+            <a:r>
+              <a:rPr lang="en-US" baseline="0" smtClean="0"/>
+              <a:t> sales and more revenue for the company.</a:t>
+            </a:r>
+            <a:endParaRPr lang="en-US" smtClean="0"/>
+          </a:p>
+          <a:p>
+            <a:endParaRPr lang="en-US" sz="1200" b="0" i="1" kern="1200" dirty="0" smtClean="0">
+              <a:solidFill>
+                <a:schemeClr val="tx1"/>
+              </a:solidFill>
+              <a:effectLst/>
+              <a:latin typeface="Arial" panose="020B0604020202020204" pitchFamily="34" charset="0"/>
+              <a:ea typeface="+mn-ea"/>
+              <a:cs typeface="+mn-cs"/>
+            </a:endParaRPr>
           </a:p>
           <a:p>
             <a:pPr marL="0" marR="0" indent="0" algn="l" defTabSz="914400" rtl="0" eaLnBrk="1" fontAlgn="auto" latinLnBrk="0" hangingPunct="1">
@@ -3283,7 +3070,7 @@
                 <a:ea typeface="+mn-ea"/>
                 <a:cs typeface="+mn-cs"/>
               </a:rPr>
-              <a:t>-Fidelity becomes harder to replace</a:t>
+              <a:t>Once we have customers how do we keep them? Make ourselves</a:t>
             </a:r>
             <a:r>
               <a:rPr lang="en-US" sz="1200" b="0" i="1" kern="1200" baseline="0" dirty="0" smtClean="0">
@@ -3295,7 +3082,83 @@
                 <a:ea typeface="+mn-ea"/>
                 <a:cs typeface="+mn-cs"/>
               </a:rPr>
-              <a:t> – no other firm offers their product</a:t>
+              <a:t> impossible to replace. No other firm offers this specific product developed by our own customers.</a:t>
+            </a:r>
+            <a:endParaRPr lang="en-US" sz="1200" b="0" i="1" kern="1200" dirty="0" smtClean="0">
+              <a:solidFill>
+                <a:schemeClr val="tx1"/>
+              </a:solidFill>
+              <a:effectLst/>
+              <a:latin typeface="Arial" panose="020B0604020202020204" pitchFamily="34" charset="0"/>
+              <a:ea typeface="+mn-ea"/>
+              <a:cs typeface="+mn-cs"/>
+            </a:endParaRPr>
+          </a:p>
+          <a:p>
+            <a:pPr marL="0" marR="0" indent="0" algn="l" defTabSz="914400" rtl="0" eaLnBrk="1" fontAlgn="auto" latinLnBrk="0" hangingPunct="1">
+              <a:lnSpc>
+                <a:spcPct val="100000"/>
+              </a:lnSpc>
+              <a:spcBef>
+                <a:spcPts val="0"/>
+              </a:spcBef>
+              <a:spcAft>
+                <a:spcPts val="0"/>
+              </a:spcAft>
+              <a:buClrTx/>
+              <a:buSzTx/>
+              <a:buFontTx/>
+              <a:buNone/>
+              <a:tabLst/>
+              <a:defRPr/>
+            </a:pPr>
+            <a:r>
+              <a:rPr lang="en-US" sz="1200" b="0" i="1" kern="1200" dirty="0" smtClean="0">
+                <a:solidFill>
+                  <a:schemeClr val="tx1"/>
+                </a:solidFill>
+                <a:effectLst/>
+                <a:latin typeface="Arial" panose="020B0604020202020204" pitchFamily="34" charset="0"/>
+                <a:ea typeface="+mn-ea"/>
+                <a:cs typeface="+mn-cs"/>
+              </a:rPr>
+              <a:t>(Fidelity </a:t>
+            </a:r>
+            <a:r>
+              <a:rPr lang="en-US" sz="1200" b="0" i="1" kern="1200" dirty="0" smtClean="0">
+                <a:solidFill>
+                  <a:schemeClr val="tx1"/>
+                </a:solidFill>
+                <a:effectLst/>
+                <a:latin typeface="Arial" panose="020B0604020202020204" pitchFamily="34" charset="0"/>
+                <a:ea typeface="+mn-ea"/>
+                <a:cs typeface="+mn-cs"/>
+              </a:rPr>
+              <a:t>becomes harder to replace</a:t>
+            </a:r>
+            <a:r>
+              <a:rPr lang="en-US" sz="1200" b="0" i="1" kern="1200" baseline="0" dirty="0" smtClean="0">
+                <a:solidFill>
+                  <a:schemeClr val="tx1"/>
+                </a:solidFill>
+                <a:effectLst/>
+                <a:latin typeface="Arial" panose="020B0604020202020204" pitchFamily="34" charset="0"/>
+                <a:ea typeface="+mn-ea"/>
+                <a:cs typeface="+mn-cs"/>
+              </a:rPr>
+              <a:t> – no other firm offers </a:t>
+            </a:r>
+            <a:r>
+              <a:rPr lang="en-US" sz="1200" b="0" i="1" kern="1200" baseline="0" dirty="0" smtClean="0">
+                <a:solidFill>
+                  <a:schemeClr val="tx1"/>
+                </a:solidFill>
+                <a:effectLst/>
+                <a:latin typeface="Arial" panose="020B0604020202020204" pitchFamily="34" charset="0"/>
+                <a:ea typeface="+mn-ea"/>
+                <a:cs typeface="+mn-cs"/>
+              </a:rPr>
+              <a:t>the product)</a:t>
             </a:r>
             <a:endParaRPr lang="en-US" sz="1200" b="0" i="1" kern="1200" dirty="0" smtClean="0">
               <a:solidFill>

--- a/CMF.pptx
+++ b/CMF.pptx
@@ -124,7 +124,7 @@
   </p:defaultTextStyle>
   <p:extLst>
     <p:ext uri="{EFAFB233-063F-42B5-8137-9DF3F51BA10A}">
-      <p15:sldGuideLst xmlns:p15="http://schemas.microsoft.com/office/powerpoint/2012/main" xmlns="">
+      <p15:sldGuideLst xmlns="" xmlns:p15="http://schemas.microsoft.com/office/powerpoint/2012/main">
         <p15:guide id="1" orient="horz" pos="161">
           <p15:clr>
             <a:srgbClr val="A4A3A4"/>
@@ -168,7 +168,7 @@
       </p15:sldGuideLst>
     </p:ext>
     <p:ext uri="{2D200454-40CA-4A62-9FC3-DE9A4176ACB9}">
-      <p15:notesGuideLst xmlns:p15="http://schemas.microsoft.com/office/powerpoint/2012/main" xmlns="">
+      <p15:notesGuideLst xmlns="" xmlns:p15="http://schemas.microsoft.com/office/powerpoint/2012/main">
         <p15:guide id="1" orient="horz" pos="2924">
           <p15:clr>
             <a:srgbClr val="A4A3A4"/>
@@ -862,13 +862,8 @@
           <a:p>
             <a:r>
               <a:rPr lang="en-US" baseline="0" dirty="0" smtClean="0"/>
-              <a:t>	-Fidelity Investments Community provides a forum for </a:t>
-            </a:r>
-            <a:r>
-              <a:rPr lang="en-US" baseline="0" dirty="0" smtClean="0"/>
-              <a:t>crowdsourcing ideas and giving or getting investment advice for PI customers. About 20% of members are active monthly</a:t>
-            </a:r>
-            <a:endParaRPr lang="en-US" baseline="0" dirty="0" smtClean="0"/>
+              <a:t>	-Fidelity Investments Community provides a forum for crowdsourcing ideas and giving or getting investment advice for PI customers. About 20% of members are active monthly</a:t>
+            </a:r>
           </a:p>
           <a:p>
             <a:r>
@@ -1720,19 +1715,7 @@
                 <a:ea typeface="+mn-ea"/>
                 <a:cs typeface="+mn-cs"/>
               </a:rPr>
-              <a:t> 40% of consumers with over $10,000 in deposits said they </a:t>
-            </a:r>
-            <a:r>
-              <a:rPr lang="en-US" sz="1200" b="0" i="1" kern="1200" dirty="0" smtClean="0">
-                <a:solidFill>
-                  <a:schemeClr val="tx1"/>
-                </a:solidFill>
-                <a:effectLst/>
-                <a:latin typeface="Arial" panose="020B0604020202020204" pitchFamily="34" charset="0"/>
-                <a:ea typeface="+mn-ea"/>
-                <a:cs typeface="+mn-cs"/>
-              </a:rPr>
-              <a:t>would be more inclined to continue their relationship with their primary bank if they offered products where the economics of the product could be personalized.</a:t>
+              <a:t> 40% of consumers with over $10,000 in deposits said they would be more inclined to continue their relationship with their primary bank if they offered products where the economics of the product could be personalized.</a:t>
             </a:r>
             <a:endParaRPr lang="en-US" sz="1200" b="0" i="0" kern="1200" dirty="0" smtClean="0">
               <a:solidFill>
@@ -2948,19 +2931,7 @@
                 <a:ea typeface="+mn-ea"/>
                 <a:cs typeface="+mn-cs"/>
               </a:rPr>
-              <a:t>1997</a:t>
-            </a:r>
-            <a:r>
-              <a:rPr lang="en-US" sz="1200" b="0" i="1" kern="1200" smtClean="0">
-                <a:solidFill>
-                  <a:schemeClr val="tx1"/>
-                </a:solidFill>
-                <a:effectLst/>
-                <a:latin typeface="Arial" panose="020B0604020202020204" pitchFamily="34" charset="0"/>
-                <a:ea typeface="+mn-ea"/>
-                <a:cs typeface="+mn-cs"/>
-              </a:rPr>
-              <a:t>.”  </a:t>
+              <a:t>1997.”  </a:t>
             </a:r>
             <a:r>
               <a:rPr lang="en-US" smtClean="0"/>
@@ -3122,10 +3093,10 @@
                 <a:ea typeface="+mn-ea"/>
                 <a:cs typeface="+mn-cs"/>
               </a:rPr>
-              <a:t>(Fidelity </a:t>
-            </a:r>
-            <a:r>
-              <a:rPr lang="en-US" sz="1200" b="0" i="1" kern="1200" dirty="0" smtClean="0">
+              <a:t>(Fidelity becomes harder to replace</a:t>
+            </a:r>
+            <a:r>
+              <a:rPr lang="en-US" sz="1200" b="0" i="1" kern="1200" baseline="0" dirty="0" smtClean="0">
                 <a:solidFill>
                   <a:schemeClr val="tx1"/>
                 </a:solidFill>
@@ -3134,31 +3105,7 @@
                 <a:ea typeface="+mn-ea"/>
                 <a:cs typeface="+mn-cs"/>
               </a:rPr>
-              <a:t>becomes harder to replace</a:t>
-            </a:r>
-            <a:r>
-              <a:rPr lang="en-US" sz="1200" b="0" i="1" kern="1200" baseline="0" dirty="0" smtClean="0">
-                <a:solidFill>
-                  <a:schemeClr val="tx1"/>
-                </a:solidFill>
-                <a:effectLst/>
-                <a:latin typeface="Arial" panose="020B0604020202020204" pitchFamily="34" charset="0"/>
-                <a:ea typeface="+mn-ea"/>
-                <a:cs typeface="+mn-cs"/>
-              </a:rPr>
-              <a:t> – no other firm offers </a:t>
-            </a:r>
-            <a:r>
-              <a:rPr lang="en-US" sz="1200" b="0" i="1" kern="1200" baseline="0" dirty="0" smtClean="0">
-                <a:solidFill>
-                  <a:schemeClr val="tx1"/>
-                </a:solidFill>
-                <a:effectLst/>
-                <a:latin typeface="Arial" panose="020B0604020202020204" pitchFamily="34" charset="0"/>
-                <a:ea typeface="+mn-ea"/>
-                <a:cs typeface="+mn-cs"/>
-              </a:rPr>
-              <a:t>the product)</a:t>
+              <a:t> – no other firm offers the product)</a:t>
             </a:r>
             <a:endParaRPr lang="en-US" sz="1200" b="0" i="1" kern="1200" dirty="0" smtClean="0">
               <a:solidFill>
@@ -6776,7 +6723,7 @@
         <p:spPr>
           <a:xfrm>
             <a:off x="359070" y="5373741"/>
-            <a:ext cx="1763624" cy="215444"/>
+            <a:ext cx="1428596" cy="215444"/>
           </a:xfrm>
           <a:prstGeom prst="rect">
             <a:avLst/>
@@ -6790,7 +6737,7 @@
           <a:lstStyle/>
           <a:p>
             <a:r>
-              <a:rPr lang="en-US" sz="800">
+              <a:rPr lang="en-US" sz="800" dirty="0" smtClean="0">
                 <a:solidFill>
                   <a:schemeClr val="tx1">
                     <a:lumMod val="50000"/>
@@ -6798,7 +6745,7 @@
                   </a:schemeClr>
                 </a:solidFill>
               </a:rPr>
-              <a:t>CONFIDENTIALITY LABEL HERE</a:t>
+              <a:t>Fidelity Internal Information</a:t>
             </a:r>
             <a:endParaRPr lang="en-US" sz="800" dirty="0">
               <a:solidFill>
@@ -7472,6 +7419,13 @@
   <p:clrMapOvr>
     <a:masterClrMapping/>
   </p:clrMapOvr>
+  <p:timing>
+    <p:tnLst>
+      <p:par>
+        <p:cTn id="1" dur="indefinite" restart="never" nodeType="tmRoot"/>
+      </p:par>
+    </p:tnLst>
+  </p:timing>
 </p:sld>
 </file>
 
@@ -7805,6 +7759,13 @@
   <p:clrMapOvr>
     <a:masterClrMapping/>
   </p:clrMapOvr>
+  <p:timing>
+    <p:tnLst>
+      <p:par>
+        <p:cTn id="1" dur="indefinite" restart="never" nodeType="tmRoot"/>
+      </p:par>
+    </p:tnLst>
+  </p:timing>
 </p:sld>
 </file>
 
@@ -7888,9 +7849,14 @@
               </a:lnSpc>
             </a:pPr>
             <a:r>
+              <a:rPr lang="en-US" dirty="0"/>
+              <a:t>Multiple user collaboration on an </a:t>
+            </a:r>
+            <a:r>
               <a:rPr lang="en-US" dirty="0" smtClean="0"/>
-              <a:t>Further data pulled about proposed portfolio</a:t>
-            </a:r>
+              <a:t>idea</a:t>
+            </a:r>
+            <a:endParaRPr lang="en-US" dirty="0" smtClean="0"/>
           </a:p>
           <a:p>
             <a:pPr>
@@ -7900,11 +7866,7 @@
             </a:pPr>
             <a:r>
               <a:rPr lang="en-US" dirty="0" smtClean="0"/>
-              <a:t>Multiple </a:t>
-            </a:r>
-            <a:r>
-              <a:rPr lang="en-US" dirty="0"/>
-              <a:t>user collaboration on an idea</a:t>
+              <a:t>Further data pulled about proposed portfolio</a:t>
             </a:r>
           </a:p>
           <a:p>
@@ -7915,8 +7877,28 @@
             </a:pPr>
             <a:r>
               <a:rPr lang="en-US" dirty="0" smtClean="0"/>
-              <a:t>Integrated customization platform</a:t>
-            </a:r>
+              <a:t>Integrated </a:t>
+            </a:r>
+            <a:r>
+              <a:rPr lang="en-US" dirty="0" smtClean="0"/>
+              <a:t>customization </a:t>
+            </a:r>
+            <a:r>
+              <a:rPr lang="en-US" dirty="0" smtClean="0"/>
+              <a:t>platform</a:t>
+            </a:r>
+          </a:p>
+          <a:p>
+            <a:pPr>
+              <a:lnSpc>
+                <a:spcPct val="150000"/>
+              </a:lnSpc>
+            </a:pPr>
+            <a:r>
+              <a:rPr lang="en-US" dirty="0" smtClean="0"/>
+              <a:t>Compare to existing Fidelity funds</a:t>
+            </a:r>
+            <a:endParaRPr lang="en-US" dirty="0" smtClean="0"/>
           </a:p>
           <a:p>
             <a:pPr>
@@ -8019,6 +8001,13 @@
   <p:clrMapOvr>
     <a:masterClrMapping/>
   </p:clrMapOvr>
+  <p:timing>
+    <p:tnLst>
+      <p:par>
+        <p:cTn id="1" dur="indefinite" restart="never" nodeType="tmRoot"/>
+      </p:par>
+    </p:tnLst>
+  </p:timing>
 </p:sld>
 </file>
 
@@ -8106,6 +8095,13 @@
   <p:clrMapOvr>
     <a:masterClrMapping/>
   </p:clrMapOvr>
+  <p:timing>
+    <p:tnLst>
+      <p:par>
+        <p:cTn id="1" dur="indefinite" restart="never" nodeType="tmRoot"/>
+      </p:par>
+    </p:tnLst>
+  </p:timing>
 </p:sld>
 </file>
 
@@ -8761,8 +8757,13 @@
             </a:r>
             <a:r>
               <a:rPr lang="en-US" dirty="0"/>
-              <a:t>Toward Customization Since 1970</a:t>
-            </a:r>
+              <a:t>Toward </a:t>
+            </a:r>
+            <a:r>
+              <a:rPr lang="en-US" dirty="0" smtClean="0"/>
+              <a:t>Customization</a:t>
+            </a:r>
+            <a:endParaRPr lang="en-US" dirty="0"/>
           </a:p>
         </p:txBody>
       </p:sp>
@@ -9769,6 +9770,13 @@
   <p:clrMapOvr>
     <a:masterClrMapping/>
   </p:clrMapOvr>
+  <p:timing>
+    <p:tnLst>
+      <p:par>
+        <p:cTn id="1" dur="indefinite" restart="never" nodeType="tmRoot"/>
+      </p:par>
+    </p:tnLst>
+  </p:timing>
 </p:sld>
 </file>
 
@@ -10267,6 +10275,13 @@
   <p:clrMapOvr>
     <a:masterClrMapping/>
   </p:clrMapOvr>
+  <p:timing>
+    <p:tnLst>
+      <p:par>
+        <p:cTn id="1" dur="indefinite" restart="never" nodeType="tmRoot"/>
+      </p:par>
+    </p:tnLst>
+  </p:timing>
 </p:sld>
 </file>
 
@@ -10437,6 +10452,13 @@
   <p:clrMapOvr>
     <a:masterClrMapping/>
   </p:clrMapOvr>
+  <p:timing>
+    <p:tnLst>
+      <p:par>
+        <p:cTn id="1" dur="indefinite" restart="never" nodeType="tmRoot"/>
+      </p:par>
+    </p:tnLst>
+  </p:timing>
 </p:sld>
 </file>
 
@@ -10691,6 +10713,13 @@
   <p:clrMapOvr>
     <a:masterClrMapping/>
   </p:clrMapOvr>
+  <p:timing>
+    <p:tnLst>
+      <p:par>
+        <p:cTn id="1" dur="indefinite" restart="never" nodeType="tmRoot"/>
+      </p:par>
+    </p:tnLst>
+  </p:timing>
 </p:sld>
 </file>
 
@@ -10777,6 +10806,13 @@
   <p:clrMapOvr>
     <a:masterClrMapping/>
   </p:clrMapOvr>
+  <p:timing>
+    <p:tnLst>
+      <p:par>
+        <p:cTn id="1" dur="indefinite" restart="never" nodeType="tmRoot"/>
+      </p:par>
+    </p:tnLst>
+  </p:timing>
 </p:sld>
 </file>
 
@@ -11053,6 +11089,13 @@
   <p:clrMapOvr>
     <a:masterClrMapping/>
   </p:clrMapOvr>
+  <p:timing>
+    <p:tnLst>
+      <p:par>
+        <p:cTn id="1" dur="indefinite" restart="never" nodeType="tmRoot"/>
+      </p:par>
+    </p:tnLst>
+  </p:timing>
 </p:sld>
 </file>
 

--- a/CMF.pptx
+++ b/CMF.pptx
@@ -124,7 +124,7 @@
   </p:defaultTextStyle>
   <p:extLst>
     <p:ext uri="{EFAFB233-063F-42B5-8137-9DF3F51BA10A}">
-      <p15:sldGuideLst xmlns="" xmlns:p15="http://schemas.microsoft.com/office/powerpoint/2012/main">
+      <p15:sldGuideLst xmlns:p15="http://schemas.microsoft.com/office/powerpoint/2012/main" xmlns="">
         <p15:guide id="1" orient="horz" pos="161">
           <p15:clr>
             <a:srgbClr val="A4A3A4"/>
@@ -168,7 +168,7 @@
       </p15:sldGuideLst>
     </p:ext>
     <p:ext uri="{2D200454-40CA-4A62-9FC3-DE9A4176ACB9}">
-      <p15:notesGuideLst xmlns="" xmlns:p15="http://schemas.microsoft.com/office/powerpoint/2012/main">
+      <p15:notesGuideLst xmlns:p15="http://schemas.microsoft.com/office/powerpoint/2012/main" xmlns="">
         <p15:guide id="1" orient="horz" pos="2924">
           <p15:clr>
             <a:srgbClr val="A4A3A4"/>
@@ -7856,7 +7856,6 @@
               <a:rPr lang="en-US" dirty="0" smtClean="0"/>
               <a:t>idea</a:t>
             </a:r>
-            <a:endParaRPr lang="en-US" dirty="0" smtClean="0"/>
           </a:p>
           <a:p>
             <a:pPr>
@@ -7877,15 +7876,7 @@
             </a:pPr>
             <a:r>
               <a:rPr lang="en-US" dirty="0" smtClean="0"/>
-              <a:t>Integrated </a:t>
-            </a:r>
-            <a:r>
-              <a:rPr lang="en-US" dirty="0" smtClean="0"/>
-              <a:t>customization </a:t>
-            </a:r>
-            <a:r>
-              <a:rPr lang="en-US" dirty="0" smtClean="0"/>
-              <a:t>platform</a:t>
+              <a:t>Integrated customization platform</a:t>
             </a:r>
           </a:p>
           <a:p>
@@ -7898,7 +7889,6 @@
               <a:rPr lang="en-US" dirty="0" smtClean="0"/>
               <a:t>Compare to existing Fidelity funds</a:t>
             </a:r>
-            <a:endParaRPr lang="en-US" dirty="0" smtClean="0"/>
           </a:p>
           <a:p>
             <a:pPr>
@@ -10761,9 +10751,12 @@
           <a:lstStyle/>
           <a:p>
             <a:r>
-              <a:rPr lang="en-US" dirty="0"/>
+              <a:rPr lang="en-US" dirty="0">
+                <a:hlinkClick r:id="rId3"/>
+              </a:rPr>
               <a:t>Demo</a:t>
             </a:r>
+            <a:endParaRPr lang="en-US" dirty="0"/>
           </a:p>
         </p:txBody>
       </p:sp>

--- a/CMF.pptx
+++ b/CMF.pptx
@@ -124,7 +124,7 @@
   </p:defaultTextStyle>
   <p:extLst>
     <p:ext uri="{EFAFB233-063F-42B5-8137-9DF3F51BA10A}">
-      <p15:sldGuideLst xmlns:p15="http://schemas.microsoft.com/office/powerpoint/2012/main" xmlns="">
+      <p15:sldGuideLst xmlns:p15="http://schemas.microsoft.com/office/powerpoint/2012/main">
         <p15:guide id="1" orient="horz" pos="161">
           <p15:clr>
             <a:srgbClr val="A4A3A4"/>
@@ -168,7 +168,7 @@
       </p15:sldGuideLst>
     </p:ext>
     <p:ext uri="{2D200454-40CA-4A62-9FC3-DE9A4176ACB9}">
-      <p15:notesGuideLst xmlns:p15="http://schemas.microsoft.com/office/powerpoint/2012/main" xmlns="">
+      <p15:notesGuideLst xmlns:p15="http://schemas.microsoft.com/office/powerpoint/2012/main">
         <p15:guide id="1" orient="horz" pos="2924">
           <p15:clr>
             <a:srgbClr val="A4A3A4"/>
@@ -267,7 +267,7 @@
           <a:p>
             <a:fld id="{F0BB27B4-BE80-4A64-A720-975D9C2CD29D}" type="datetimeFigureOut">
               <a:rPr lang="en-US" smtClean="0"/>
-              <a:t>07/13/2017</a:t>
+              <a:t>7/14/2017</a:t>
             </a:fld>
             <a:endParaRPr lang="en-US"/>
           </a:p>
@@ -437,7 +437,7 @@
             <a:fld id="{80568A58-25BF-4ED8-BF3A-372FEB996820}" type="datetimeFigureOut">
               <a:rPr lang="en-US" smtClean="0"/>
               <a:pPr/>
-              <a:t>07/13/2017</a:t>
+              <a:t>7/14/2017</a:t>
             </a:fld>
             <a:endParaRPr lang="en-US" dirty="0"/>
           </a:p>
@@ -839,62 +839,62 @@
           <a:lstStyle/>
           <a:p>
             <a:r>
-              <a:rPr lang="en-US" dirty="0" smtClean="0"/>
+              <a:rPr lang="en-US" dirty="0"/>
               <a:t>Peter</a:t>
             </a:r>
           </a:p>
           <a:p>
             <a:r>
-              <a:rPr lang="en-US" dirty="0" smtClean="0"/>
+              <a:rPr lang="en-US" dirty="0"/>
               <a:t>INTEGRATION</a:t>
             </a:r>
           </a:p>
           <a:p>
             <a:r>
-              <a:rPr lang="en-US" dirty="0" smtClean="0"/>
+              <a:rPr lang="en-US" dirty="0"/>
               <a:t>-Fidelity has</a:t>
             </a:r>
             <a:r>
-              <a:rPr lang="en-US" baseline="0" dirty="0" smtClean="0"/>
+              <a:rPr lang="en-US" baseline="0" dirty="0"/>
               <a:t> some tools that prove that it is possible to do something like this</a:t>
             </a:r>
           </a:p>
           <a:p>
             <a:r>
-              <a:rPr lang="en-US" baseline="0" dirty="0" smtClean="0"/>
+              <a:rPr lang="en-US" baseline="0" dirty="0"/>
               <a:t>	-Fidelity Investments Community provides a forum for crowdsourcing ideas and giving or getting investment advice for PI customers. About 20% of members are active monthly</a:t>
             </a:r>
           </a:p>
           <a:p>
             <a:r>
-              <a:rPr lang="en-US" baseline="0" dirty="0" smtClean="0"/>
+              <a:rPr lang="en-US" baseline="0" dirty="0"/>
               <a:t>	-Sector Portfolio Builder provides personalized solutions to investment needs using EXISTING Fidelity products</a:t>
             </a:r>
           </a:p>
           <a:p>
             <a:r>
-              <a:rPr lang="en-US" baseline="0" dirty="0" smtClean="0"/>
+              <a:rPr lang="en-US" baseline="0" dirty="0"/>
               <a:t>-All of these could combine nicely into one personalized investing tool</a:t>
             </a:r>
           </a:p>
           <a:p>
-            <a:endParaRPr lang="en-US" baseline="0" dirty="0" smtClean="0"/>
-          </a:p>
-          <a:p>
-            <a:r>
-              <a:rPr lang="en-US" baseline="0" dirty="0" smtClean="0"/>
+            <a:endParaRPr lang="en-US" baseline="0" dirty="0"/>
+          </a:p>
+          <a:p>
+            <a:r>
+              <a:rPr lang="en-US" baseline="0" dirty="0"/>
               <a:t>COMPETITION</a:t>
             </a:r>
           </a:p>
           <a:p>
             <a:r>
-              <a:rPr lang="en-US" baseline="0" dirty="0" smtClean="0"/>
+              <a:rPr lang="en-US" baseline="0" dirty="0"/>
               <a:t>-Read these:</a:t>
             </a:r>
           </a:p>
           <a:p>
             <a:r>
-              <a:rPr lang="en-US" sz="1200" kern="1200" dirty="0" smtClean="0">
+              <a:rPr lang="en-US" sz="1200" kern="1200" dirty="0">
                 <a:solidFill>
                   <a:schemeClr val="tx1"/>
                 </a:solidFill>
@@ -908,7 +908,7 @@
           </a:p>
           <a:p>
             <a:r>
-              <a:rPr lang="en-US" sz="1200" kern="1200" dirty="0" smtClean="0">
+              <a:rPr lang="en-US" sz="1200" kern="1200" dirty="0">
                 <a:solidFill>
                   <a:schemeClr val="tx1"/>
                 </a:solidFill>
@@ -920,7 +920,7 @@
               <a:t>–      </a:t>
             </a:r>
             <a:r>
-              <a:rPr lang="en-US" sz="1200" u="sng" kern="1200" dirty="0" smtClean="0">
+              <a:rPr lang="en-US" sz="1200" u="sng" kern="1200" dirty="0">
                 <a:solidFill>
                   <a:schemeClr val="tx1"/>
                 </a:solidFill>
@@ -932,7 +932,7 @@
               </a:rPr>
               <a:t>http://www.matthias-schubert.com/social-media-banken/crowdsourcing-and-open-innovation-at-banks-and-financial-services</a:t>
             </a:r>
-            <a:endParaRPr lang="en-US" sz="1200" kern="1200" dirty="0" smtClean="0">
+            <a:endParaRPr lang="en-US" sz="1200" kern="1200" dirty="0">
               <a:solidFill>
                 <a:schemeClr val="tx1"/>
               </a:solidFill>
@@ -944,7 +944,7 @@
           </a:p>
           <a:p>
             <a:r>
-              <a:rPr lang="en-US" sz="1200" kern="1200" dirty="0" smtClean="0">
+              <a:rPr lang="en-US" sz="1200" kern="1200" dirty="0">
                 <a:solidFill>
                   <a:schemeClr val="tx1"/>
                 </a:solidFill>
@@ -956,7 +956,7 @@
               <a:t>–      </a:t>
             </a:r>
             <a:r>
-              <a:rPr lang="en-US" sz="1200" u="sng" kern="1200" dirty="0" smtClean="0">
+              <a:rPr lang="en-US" sz="1200" u="sng" kern="1200" dirty="0">
                 <a:solidFill>
                   <a:schemeClr val="tx1"/>
                 </a:solidFill>
@@ -968,7 +968,7 @@
               </a:rPr>
               <a:t>https://www.ideaconnection.com/open-innovation-success/Financial-Institution-Banks-on-Crowdsourcing-Success-00467.html</a:t>
             </a:r>
-            <a:endParaRPr lang="en-US" sz="1200" kern="1200" dirty="0" smtClean="0">
+            <a:endParaRPr lang="en-US" sz="1200" kern="1200" dirty="0">
               <a:solidFill>
                 <a:schemeClr val="tx1"/>
               </a:solidFill>
@@ -980,7 +980,7 @@
           </a:p>
           <a:p>
             <a:r>
-              <a:rPr lang="en-US" sz="1200" kern="1200" dirty="0" smtClean="0">
+              <a:rPr lang="en-US" sz="1200" kern="1200" dirty="0">
                 <a:solidFill>
                   <a:schemeClr val="tx1"/>
                 </a:solidFill>
@@ -992,7 +992,7 @@
               <a:t>–      </a:t>
             </a:r>
             <a:r>
-              <a:rPr lang="en-US" sz="1200" u="sng" kern="1200" dirty="0" smtClean="0">
+              <a:rPr lang="en-US" sz="1200" u="sng" kern="1200" dirty="0">
                 <a:solidFill>
                   <a:schemeClr val="tx1"/>
                 </a:solidFill>
@@ -1005,7 +1005,7 @@
               <a:t>http://www.banktech.com/payments/crowdsourcing-development-of-financial-products-a-new-path-to-customer-engagement/d/d-id/1295846</a:t>
             </a:r>
             <a:r>
-              <a:rPr lang="en-US" sz="1200" kern="1200" dirty="0" smtClean="0">
+              <a:rPr lang="en-US" sz="1200" kern="1200" dirty="0">
                 <a:solidFill>
                   <a:schemeClr val="tx1"/>
                 </a:solidFill>
@@ -1016,11 +1016,11 @@
               </a:rPr>
               <a:t>?</a:t>
             </a:r>
-            <a:endParaRPr lang="en-US" baseline="0" dirty="0" smtClean="0"/>
-          </a:p>
-          <a:p>
-            <a:r>
-              <a:rPr lang="en-US" baseline="0" dirty="0" smtClean="0"/>
+            <a:endParaRPr lang="en-US" baseline="0" dirty="0"/>
+          </a:p>
+          <a:p>
+            <a:r>
+              <a:rPr lang="en-US" baseline="0" dirty="0"/>
               <a:t>-If they can do it we can and should be doing it to keep up in the market</a:t>
             </a:r>
           </a:p>
@@ -1111,29 +1111,29 @@
           <a:lstStyle/>
           <a:p>
             <a:r>
-              <a:rPr lang="en-US" dirty="0" smtClean="0"/>
+              <a:rPr lang="en-US" dirty="0"/>
               <a:t>Peter</a:t>
             </a:r>
           </a:p>
           <a:p>
             <a:r>
-              <a:rPr lang="en-US" dirty="0" smtClean="0"/>
+              <a:rPr lang="en-US" dirty="0"/>
               <a:t>-We estimate based on our</a:t>
             </a:r>
             <a:r>
-              <a:rPr lang="en-US" baseline="0" dirty="0" smtClean="0"/>
+              <a:rPr lang="en-US" baseline="0" dirty="0"/>
               <a:t> time beginning to develop this tool that it would take 3-6 months to fully develop</a:t>
             </a:r>
           </a:p>
           <a:p>
             <a:r>
-              <a:rPr lang="en-US" baseline="0" dirty="0" smtClean="0"/>
+              <a:rPr lang="en-US" baseline="0" dirty="0"/>
               <a:t>-We’d also estimate that 15 hours a week should be spent on bug fixes and enhancements</a:t>
             </a:r>
           </a:p>
           <a:p>
             <a:r>
-              <a:rPr lang="en-US" baseline="0" dirty="0" smtClean="0"/>
+              <a:rPr lang="en-US" baseline="0" dirty="0"/>
               <a:t>-A final cost would be the financial analyst. We can’t forecast the number of hours to be spent reviewing and researching ideas because it’s highly dependent on the quantity and quality of ideas received through this platform</a:t>
             </a:r>
             <a:endParaRPr lang="en-US" dirty="0"/>
@@ -1306,7 +1306,10 @@
           <a:bodyPr/>
           <a:lstStyle/>
           <a:p>
-            <a:endParaRPr lang="en-US" dirty="0"/>
+            <a:r>
+              <a:rPr lang="en-US" dirty="0"/>
+              <a:t>Kim</a:t>
+            </a:r>
           </a:p>
         </p:txBody>
       </p:sp>
@@ -1408,7 +1411,7 @@
           <a:p>
             <a:pPr fontAlgn="base"/>
             <a:r>
-              <a:rPr lang="en-US" sz="1200" b="0" i="0" kern="1200" dirty="0" smtClean="0">
+              <a:rPr lang="en-US" sz="1200" b="0" i="0" kern="1200" dirty="0">
                 <a:solidFill>
                   <a:schemeClr val="tx1"/>
                 </a:solidFill>
@@ -1417,19 +1420,7 @@
                 <a:ea typeface="+mn-ea"/>
                 <a:cs typeface="+mn-cs"/>
               </a:rPr>
-              <a:t>since </a:t>
-            </a:r>
-            <a:r>
-              <a:rPr lang="en-US" sz="1200" b="0" i="0" kern="1200" dirty="0">
-                <a:solidFill>
-                  <a:schemeClr val="tx1"/>
-                </a:solidFill>
-                <a:effectLst/>
-                <a:latin typeface="Arial" panose="020B0604020202020204" pitchFamily="34" charset="0"/>
-                <a:ea typeface="+mn-ea"/>
-                <a:cs typeface="+mn-cs"/>
-              </a:rPr>
-              <a:t>1970:</a:t>
+              <a:t>since 1970:</a:t>
             </a:r>
           </a:p>
           <a:p>
@@ -1459,10 +1450,13 @@
                 <a:ea typeface="+mn-ea"/>
                 <a:cs typeface="+mn-cs"/>
               </a:rPr>
-              <a:t>The number of TV channels has gone from 5 to over </a:t>
-            </a:r>
-            <a:r>
-              <a:rPr lang="en-US" sz="1200" b="0" i="0" kern="1200" dirty="0" smtClean="0">
+              <a:t>The number of TV channels has gone from 5 to over 200.</a:t>
+            </a:r>
+          </a:p>
+          <a:p>
+            <a:pPr fontAlgn="base"/>
+            <a:r>
+              <a:rPr lang="en-US" sz="1200" b="0" i="0" kern="1200" dirty="0">
                 <a:solidFill>
                   <a:schemeClr val="tx1"/>
                 </a:solidFill>
@@ -1471,46 +1465,7 @@
                 <a:ea typeface="+mn-ea"/>
                 <a:cs typeface="+mn-cs"/>
               </a:rPr>
-              <a:t>200.</a:t>
-            </a:r>
-          </a:p>
-          <a:p>
-            <a:pPr fontAlgn="base"/>
-            <a:r>
-              <a:rPr lang="en-US" sz="1200" b="0" i="0" kern="1200" dirty="0" smtClean="0">
-                <a:solidFill>
-                  <a:schemeClr val="tx1"/>
-                </a:solidFill>
-                <a:effectLst/>
-                <a:latin typeface="Arial" panose="020B0604020202020204" pitchFamily="34" charset="0"/>
-                <a:ea typeface="+mn-ea"/>
-                <a:cs typeface="+mn-cs"/>
-              </a:rPr>
-              <a:t>Consumers </a:t>
-            </a:r>
-            <a:r>
-              <a:rPr lang="en-US" sz="1200" b="0" i="0" kern="1200" dirty="0">
-                <a:solidFill>
-                  <a:schemeClr val="tx1"/>
-                </a:solidFill>
-                <a:effectLst/>
-                <a:latin typeface="Arial" panose="020B0604020202020204" pitchFamily="34" charset="0"/>
-                <a:ea typeface="+mn-ea"/>
-                <a:cs typeface="+mn-cs"/>
-              </a:rPr>
-              <a:t>can find over 3,000 types of beers and 50 different brands of bottled </a:t>
-            </a:r>
-            <a:r>
-              <a:rPr lang="en-US" sz="1200" b="0" i="0" kern="1200" dirty="0" smtClean="0">
-                <a:solidFill>
-                  <a:schemeClr val="tx1"/>
-                </a:solidFill>
-                <a:effectLst/>
-                <a:latin typeface="Arial" panose="020B0604020202020204" pitchFamily="34" charset="0"/>
-                <a:ea typeface="+mn-ea"/>
-                <a:cs typeface="+mn-cs"/>
-              </a:rPr>
-              <a:t>water</a:t>
+              <a:t>Consumers can find over 3,000 types of beers and 50 different brands of bottled water</a:t>
             </a:r>
           </a:p>
           <a:p>
@@ -1523,15 +1478,7 @@
             </a:r>
             <a:r>
               <a:rPr lang="en-US" baseline="0" dirty="0"/>
-              <a:t> are we seeing? Increase in demand for </a:t>
-            </a:r>
-            <a:r>
-              <a:rPr lang="en-US" baseline="0" dirty="0" smtClean="0"/>
-              <a:t>customization </a:t>
-            </a:r>
-            <a:r>
-              <a:rPr lang="en-US" baseline="0" dirty="0"/>
-              <a:t>to each individual’s taste</a:t>
+              <a:t> are we seeing? Increase in demand for customization to each individual’s taste</a:t>
             </a:r>
           </a:p>
           <a:p>
@@ -1638,18 +1585,9 @@
               </a:rPr>
               <a:t>Kim </a:t>
             </a:r>
-            <a:endParaRPr lang="en-US" sz="1200" b="0" i="0" kern="1200" dirty="0" smtClean="0">
-              <a:solidFill>
-                <a:schemeClr val="tx1"/>
-              </a:solidFill>
-              <a:effectLst/>
-              <a:latin typeface="Arial" panose="020B0604020202020204" pitchFamily="34" charset="0"/>
-              <a:ea typeface="+mn-ea"/>
-              <a:cs typeface="+mn-cs"/>
-            </a:endParaRPr>
-          </a:p>
-          <a:p>
-            <a:endParaRPr lang="en-US" sz="1200" b="0" i="0" kern="1200" dirty="0" smtClean="0">
+          </a:p>
+          <a:p>
+            <a:endParaRPr lang="en-US" sz="1200" b="0" i="0" kern="1200" dirty="0">
               <a:solidFill>
                 <a:schemeClr val="tx1"/>
               </a:solidFill>
@@ -1678,11 +1616,11 @@
               <a:defRPr/>
             </a:pPr>
             <a:r>
-              <a:rPr lang="en-US" baseline="0" dirty="0" smtClean="0"/>
+              <a:rPr lang="en-US" baseline="0" dirty="0"/>
               <a:t>And this is not limited to consumer goods - </a:t>
             </a:r>
             <a:r>
-              <a:rPr lang="en-US" sz="1200" b="0" i="1" kern="1200" dirty="0" smtClean="0">
+              <a:rPr lang="en-US" sz="1200" b="0" i="1" kern="1200" dirty="0">
                 <a:solidFill>
                   <a:schemeClr val="tx1"/>
                 </a:solidFill>
@@ -1694,7 +1632,7 @@
               <a:t>In market research conducted by </a:t>
             </a:r>
             <a:r>
-              <a:rPr lang="en-US" sz="1200" b="0" i="1" kern="1200" dirty="0" err="1" smtClean="0">
+              <a:rPr lang="en-US" sz="1200" b="0" i="1" kern="1200" dirty="0" err="1">
                 <a:solidFill>
                   <a:schemeClr val="tx1"/>
                 </a:solidFill>
@@ -1706,7 +1644,7 @@
               <a:t>GfK</a:t>
             </a:r>
             <a:r>
-              <a:rPr lang="en-US" sz="1200" b="0" i="1" kern="1200" dirty="0" smtClean="0">
+              <a:rPr lang="en-US" sz="1200" b="0" i="1" kern="1200" dirty="0">
                 <a:solidFill>
                   <a:schemeClr val="tx1"/>
                 </a:solidFill>
@@ -1717,7 +1655,7 @@
               </a:rPr>
               <a:t> 40% of consumers with over $10,000 in deposits said they would be more inclined to continue their relationship with their primary bank if they offered products where the economics of the product could be personalized.</a:t>
             </a:r>
-            <a:endParaRPr lang="en-US" sz="1200" b="0" i="0" kern="1200" dirty="0" smtClean="0">
+            <a:endParaRPr lang="en-US" sz="1200" b="0" i="0" kern="1200" dirty="0">
               <a:solidFill>
                 <a:schemeClr val="tx1"/>
               </a:solidFill>
@@ -1728,7 +1666,7 @@
             </a:endParaRPr>
           </a:p>
           <a:p>
-            <a:endParaRPr lang="en-US" sz="1200" b="0" i="0" kern="1200" dirty="0" smtClean="0">
+            <a:endParaRPr lang="en-US" sz="1200" b="0" i="0" kern="1200" dirty="0">
               <a:solidFill>
                 <a:schemeClr val="tx1"/>
               </a:solidFill>
@@ -1740,7 +1678,7 @@
           </a:p>
           <a:p>
             <a:r>
-              <a:rPr lang="en-US" sz="1200" b="0" i="0" kern="1200" dirty="0" smtClean="0">
+              <a:rPr lang="en-US" sz="1200" b="0" i="0" kern="1200" dirty="0">
                 <a:solidFill>
                   <a:schemeClr val="tx1"/>
                 </a:solidFill>
@@ -1752,7 +1690,7 @@
               <a:t>A</a:t>
             </a:r>
             <a:r>
-              <a:rPr lang="en-US" sz="1200" b="0" i="0" kern="1200" baseline="0" dirty="0" smtClean="0">
+              <a:rPr lang="en-US" sz="1200" b="0" i="0" kern="1200" baseline="0" dirty="0">
                 <a:solidFill>
                   <a:schemeClr val="tx1"/>
                 </a:solidFill>
@@ -1763,7 +1701,7 @@
               </a:rPr>
               <a:t> shift is taking place in the industry from a product centric off-the-rack approach to a Chipotle-style made to order approach that involves the customer in the development of the product rather than only its purchase. It’s incredibly important to respond quickly to this market demand and take advantage of the benefits it has to offer, like customer loyalty, trust, and satisfaction.</a:t>
             </a:r>
-            <a:endParaRPr lang="en-US" sz="1200" b="0" i="0" kern="1200" dirty="0" smtClean="0">
+            <a:endParaRPr lang="en-US" sz="1200" b="0" i="0" kern="1200" dirty="0">
               <a:solidFill>
                 <a:schemeClr val="tx1"/>
               </a:solidFill>
@@ -1774,7 +1712,7 @@
             </a:endParaRPr>
           </a:p>
           <a:p>
-            <a:endParaRPr lang="en-US" sz="1200" b="0" i="0" kern="1200" dirty="0" smtClean="0">
+            <a:endParaRPr lang="en-US" sz="1200" b="0" i="0" kern="1200" dirty="0">
               <a:solidFill>
                 <a:schemeClr val="tx1"/>
               </a:solidFill>
@@ -1803,7 +1741,7 @@
               <a:defRPr/>
             </a:pPr>
             <a:r>
-              <a:rPr lang="en-US" sz="1200" b="0" i="1" kern="1200" baseline="0" dirty="0" smtClean="0">
+              <a:rPr lang="en-US" sz="1200" b="0" i="1" kern="1200" baseline="0" dirty="0">
                 <a:solidFill>
                   <a:schemeClr val="tx1"/>
                 </a:solidFill>
@@ -1814,7 +1752,7 @@
               </a:rPr>
               <a:t>Source:</a:t>
             </a:r>
-            <a:endParaRPr lang="en-US" sz="1200" b="0" i="1" kern="1200" dirty="0" smtClean="0">
+            <a:endParaRPr lang="en-US" sz="1200" b="0" i="1" kern="1200" dirty="0">
               <a:solidFill>
                 <a:schemeClr val="tx1"/>
               </a:solidFill>
@@ -1843,12 +1781,12 @@
               <a:defRPr/>
             </a:pPr>
             <a:r>
-              <a:rPr lang="en-US" dirty="0" smtClean="0">
+              <a:rPr lang="en-US" dirty="0">
                 <a:hlinkClick r:id="rId3"/>
               </a:rPr>
               <a:t>https://thefinancialbrand.com/37391/bank-personalization-product-development/</a:t>
             </a:r>
-            <a:endParaRPr lang="en-US" dirty="0" smtClean="0"/>
+            <a:endParaRPr lang="en-US" dirty="0"/>
           </a:p>
           <a:p>
             <a:pPr marL="0" marR="0" indent="0" algn="l" defTabSz="914400" rtl="0" eaLnBrk="1" fontAlgn="auto" latinLnBrk="0" hangingPunct="1">
@@ -2064,215 +2002,278 @@
           <a:bodyPr/>
           <a:lstStyle/>
           <a:p>
-            <a:pPr marL="0" indent="0">
-              <a:buFontTx/>
-              <a:buNone/>
-            </a:pPr>
-            <a:r>
-              <a:rPr lang="en-US" dirty="0"/>
-              <a:t>We</a:t>
-            </a:r>
-            <a:r>
-              <a:rPr lang="en-US" baseline="0" dirty="0"/>
-              <a:t> used the idea of a creating a crowd sourced mutual fund to create our </a:t>
-            </a:r>
-            <a:r>
-              <a:rPr lang="en-US" baseline="0" dirty="0" err="1"/>
-              <a:t>prodct</a:t>
-            </a:r>
-            <a:r>
-              <a:rPr lang="en-US" baseline="0" dirty="0"/>
-              <a:t> demonstration.  One of the many current trends is the concept of crowd sourcing. Crowd sourcing is the concept of gathering ideas and services from a large group of people specifically the online community. By expanding the talent pools good ideas are heard by </a:t>
-            </a:r>
-            <a:r>
-              <a:rPr lang="en-US" baseline="0" dirty="0" err="1"/>
-              <a:t>amny</a:t>
-            </a:r>
-            <a:r>
-              <a:rPr lang="en-US" baseline="0" dirty="0"/>
-              <a:t>. These ideas create a personalized product. In a time of the educated investor, </a:t>
-            </a:r>
-            <a:r>
-              <a:rPr lang="en-US" baseline="0" dirty="0" err="1"/>
-              <a:t>millianieals</a:t>
-            </a:r>
-            <a:r>
-              <a:rPr lang="en-US" baseline="0" dirty="0"/>
-              <a:t> are becoming more educated on their financial </a:t>
-            </a:r>
-            <a:r>
-              <a:rPr lang="en-US" baseline="0" dirty="0" err="1"/>
-              <a:t>decsions</a:t>
-            </a:r>
-            <a:r>
-              <a:rPr lang="en-US" baseline="0" dirty="0"/>
-              <a:t> than ever before. Not only are </a:t>
-            </a:r>
-            <a:r>
-              <a:rPr lang="en-US" baseline="0" dirty="0" err="1"/>
-              <a:t>milenials</a:t>
-            </a:r>
-            <a:r>
-              <a:rPr lang="en-US" baseline="0" dirty="0"/>
-              <a:t> going online to participate in these </a:t>
-            </a:r>
-            <a:r>
-              <a:rPr lang="en-US" baseline="0" dirty="0" err="1"/>
-              <a:t>actitives</a:t>
-            </a:r>
-            <a:r>
-              <a:rPr lang="en-US" baseline="0" dirty="0"/>
-              <a:t>, people of all ages are. </a:t>
-            </a:r>
-          </a:p>
-          <a:p>
-            <a:pPr marL="0" indent="0">
-              <a:buFontTx/>
-              <a:buNone/>
-            </a:pPr>
-            <a:r>
-              <a:rPr lang="en-US" dirty="0"/>
-              <a:t>Sarah </a:t>
-            </a:r>
-          </a:p>
-          <a:p>
-            <a:pPr marL="0" indent="0">
-              <a:buFontTx/>
-              <a:buNone/>
-            </a:pPr>
-            <a:r>
-              <a:rPr lang="en-US" dirty="0"/>
-              <a:t>Increasingly enterprises are using crowdsourcing to expand talent pools, obtain ideas beyond current employees to online</a:t>
-            </a:r>
-            <a:r>
-              <a:rPr lang="en-US" baseline="0" dirty="0"/>
-              <a:t> communities and the public</a:t>
-            </a:r>
-          </a:p>
-          <a:p>
-            <a:pPr marL="171450" indent="-171450">
-              <a:buFontTx/>
-              <a:buChar char="-"/>
-            </a:pPr>
-            <a:r>
-              <a:rPr lang="en-US" baseline="0" dirty="0"/>
-              <a:t>Be more in touch with the consumer</a:t>
-            </a:r>
-          </a:p>
-          <a:p>
-            <a:pPr marL="171450" indent="-171450">
-              <a:buFontTx/>
-              <a:buChar char="-"/>
-            </a:pPr>
-            <a:r>
-              <a:rPr lang="en-US" baseline="0" dirty="0"/>
-              <a:t>Low cost compared to hiring a professional</a:t>
-            </a:r>
-          </a:p>
-          <a:p>
-            <a:pPr marL="171450" indent="-171450">
-              <a:buFontTx/>
-              <a:buChar char="-"/>
-            </a:pPr>
-            <a:r>
-              <a:rPr lang="en-US" baseline="0" dirty="0"/>
-              <a:t>High number of people doing work for you</a:t>
-            </a:r>
-          </a:p>
-          <a:p>
-            <a:r>
-              <a:rPr lang="en-US" dirty="0"/>
-              <a:t>Idea is heard</a:t>
-            </a:r>
-          </a:p>
-          <a:p>
-            <a:r>
-              <a:rPr lang="en-US" dirty="0"/>
-              <a:t>Good ideas </a:t>
-            </a:r>
+            <a:pPr lvl="1"/>
             <a:r>
               <a:rPr lang="en-US" dirty="0">
                 <a:sym typeface="Wingdings" panose="05000000000000000000" pitchFamily="2" charset="2"/>
               </a:rPr>
-              <a:t> personalized products</a:t>
-            </a:r>
-          </a:p>
-          <a:p>
+              <a:t>Sarah</a:t>
+            </a:r>
+            <a:r>
+              <a:rPr lang="en-US" baseline="0" dirty="0">
+                <a:sym typeface="Wingdings" panose="05000000000000000000" pitchFamily="2" charset="2"/>
+              </a:rPr>
+              <a:t> </a:t>
+            </a:r>
+          </a:p>
+          <a:p>
+            <a:pPr lvl="1"/>
+            <a:endParaRPr lang="en-US" baseline="0" dirty="0">
+              <a:sym typeface="Wingdings" panose="05000000000000000000" pitchFamily="2" charset="2"/>
+            </a:endParaRPr>
+          </a:p>
+          <a:p>
+            <a:r>
+              <a:rPr lang="en-US" sz="1200" kern="1200" dirty="0">
+                <a:solidFill>
+                  <a:schemeClr val="tx1"/>
+                </a:solidFill>
+                <a:effectLst/>
+                <a:latin typeface="Arial" panose="020B0604020202020204" pitchFamily="34" charset="0"/>
+                <a:ea typeface="+mn-ea"/>
+                <a:cs typeface="+mn-cs"/>
+              </a:rPr>
+              <a:t>Current Market Trend: Crowd Sourcing</a:t>
+            </a:r>
+          </a:p>
+          <a:p>
+            <a:r>
+              <a:rPr lang="en-US" sz="1200" kern="1200" dirty="0">
+                <a:solidFill>
+                  <a:schemeClr val="tx1"/>
+                </a:solidFill>
+                <a:effectLst/>
+                <a:latin typeface="Arial" panose="020B0604020202020204" pitchFamily="34" charset="0"/>
+                <a:ea typeface="+mn-ea"/>
+                <a:cs typeface="+mn-cs"/>
+              </a:rPr>
+              <a:t>	Collect ideas from a broad community</a:t>
+            </a:r>
+          </a:p>
+          <a:p>
+            <a:r>
+              <a:rPr lang="en-US" sz="1200" kern="1200" dirty="0">
+                <a:solidFill>
+                  <a:schemeClr val="tx1"/>
+                </a:solidFill>
+                <a:effectLst/>
+                <a:latin typeface="Arial" panose="020B0604020202020204" pitchFamily="34" charset="0"/>
+                <a:ea typeface="+mn-ea"/>
+                <a:cs typeface="+mn-cs"/>
+              </a:rPr>
+              <a:t>	Community = individual investor</a:t>
+            </a:r>
+          </a:p>
+          <a:p>
+            <a:r>
+              <a:rPr lang="en-US" sz="1200" kern="1200" dirty="0">
+                <a:solidFill>
+                  <a:schemeClr val="tx1"/>
+                </a:solidFill>
+                <a:effectLst/>
+                <a:latin typeface="Arial" panose="020B0604020202020204" pitchFamily="34" charset="0"/>
+                <a:ea typeface="+mn-ea"/>
+                <a:cs typeface="+mn-cs"/>
+              </a:rPr>
+              <a:t>Educated Investor: Time to understand where their money is going</a:t>
+            </a:r>
+          </a:p>
+          <a:p>
+            <a:r>
+              <a:rPr lang="en-US" sz="1200" kern="1200" dirty="0">
+                <a:solidFill>
+                  <a:schemeClr val="tx1"/>
+                </a:solidFill>
+                <a:effectLst/>
+                <a:latin typeface="Arial" panose="020B0604020202020204" pitchFamily="34" charset="0"/>
+                <a:ea typeface="+mn-ea"/>
+                <a:cs typeface="+mn-cs"/>
+              </a:rPr>
+              <a:t>	Online advice seek and share - open to financial advice </a:t>
+            </a:r>
+          </a:p>
+          <a:p>
+            <a:r>
+              <a:rPr lang="en-US" sz="1200" kern="1200" dirty="0">
+                <a:solidFill>
+                  <a:schemeClr val="tx1"/>
+                </a:solidFill>
+                <a:effectLst/>
+                <a:latin typeface="Arial" panose="020B0604020202020204" pitchFamily="34" charset="0"/>
+                <a:ea typeface="+mn-ea"/>
+                <a:cs typeface="+mn-cs"/>
+              </a:rPr>
+              <a:t>	not only millennials,</a:t>
+            </a:r>
+            <a:r>
+              <a:rPr lang="en-US" sz="1200" kern="1200" baseline="0" dirty="0">
+                <a:solidFill>
+                  <a:schemeClr val="tx1"/>
+                </a:solidFill>
+                <a:effectLst/>
+                <a:latin typeface="Arial" panose="020B0604020202020204" pitchFamily="34" charset="0"/>
+                <a:ea typeface="+mn-ea"/>
+                <a:cs typeface="+mn-cs"/>
+              </a:rPr>
+              <a:t> In general </a:t>
+            </a:r>
+            <a:r>
+              <a:rPr lang="en-US" sz="1200" kern="1200" dirty="0">
+                <a:solidFill>
+                  <a:schemeClr val="tx1"/>
+                </a:solidFill>
+                <a:effectLst/>
+                <a:latin typeface="Arial" panose="020B0604020202020204" pitchFamily="34" charset="0"/>
+                <a:ea typeface="+mn-ea"/>
+                <a:cs typeface="+mn-cs"/>
+              </a:rPr>
+              <a:t>age 50 and up use has doubled to 42% in the past year</a:t>
+            </a:r>
+          </a:p>
+          <a:p>
+            <a:r>
+              <a:rPr lang="en-US" sz="1200" kern="1200" dirty="0">
+                <a:solidFill>
+                  <a:schemeClr val="tx1"/>
+                </a:solidFill>
+                <a:effectLst/>
+                <a:latin typeface="Arial" panose="020B0604020202020204" pitchFamily="34" charset="0"/>
+                <a:ea typeface="+mn-ea"/>
+                <a:cs typeface="+mn-cs"/>
+              </a:rPr>
+              <a:t>Example</a:t>
+            </a:r>
+            <a:r>
+              <a:rPr lang="en-US" sz="1200" kern="1200" baseline="0" dirty="0">
+                <a:solidFill>
+                  <a:schemeClr val="tx1"/>
+                </a:solidFill>
+                <a:effectLst/>
+                <a:latin typeface="Arial" panose="020B0604020202020204" pitchFamily="34" charset="0"/>
+                <a:ea typeface="+mn-ea"/>
+                <a:cs typeface="+mn-cs"/>
+              </a:rPr>
+              <a:t> in the Financial Industry: </a:t>
+            </a:r>
+          </a:p>
+          <a:p>
+            <a:r>
+              <a:rPr lang="en-US" sz="1200" kern="1200" dirty="0">
+                <a:solidFill>
+                  <a:schemeClr val="tx1"/>
+                </a:solidFill>
+                <a:effectLst/>
+                <a:latin typeface="Arial" panose="020B0604020202020204" pitchFamily="34" charset="0"/>
+                <a:ea typeface="+mn-ea"/>
+                <a:cs typeface="+mn-cs"/>
+              </a:rPr>
+              <a:t>	Barclays – Barclaycard - using it for new features and services</a:t>
+            </a:r>
+          </a:p>
+          <a:p>
+            <a:r>
+              <a:rPr lang="en-US" sz="1200" kern="1200" dirty="0">
+                <a:solidFill>
+                  <a:schemeClr val="tx1"/>
+                </a:solidFill>
+                <a:effectLst/>
+                <a:latin typeface="Arial" panose="020B0604020202020204" pitchFamily="34" charset="0"/>
+                <a:ea typeface="+mn-ea"/>
+                <a:cs typeface="+mn-cs"/>
+              </a:rPr>
+              <a:t>	</a:t>
+            </a:r>
+            <a:r>
+              <a:rPr lang="en-US" sz="1200" kern="1200" dirty="0" err="1">
+                <a:solidFill>
+                  <a:schemeClr val="tx1"/>
+                </a:solidFill>
+                <a:effectLst/>
+                <a:latin typeface="Arial" panose="020B0604020202020204" pitchFamily="34" charset="0"/>
+                <a:ea typeface="+mn-ea"/>
+                <a:cs typeface="+mn-cs"/>
+              </a:rPr>
+              <a:t>WestPac</a:t>
+            </a:r>
+            <a:r>
+              <a:rPr lang="en-US" sz="1200" kern="1200" dirty="0">
+                <a:solidFill>
+                  <a:schemeClr val="tx1"/>
+                </a:solidFill>
+                <a:effectLst/>
+                <a:latin typeface="Arial" panose="020B0604020202020204" pitchFamily="34" charset="0"/>
+                <a:ea typeface="+mn-ea"/>
+                <a:cs typeface="+mn-cs"/>
+              </a:rPr>
+              <a:t> New Zealand - crowd sourced applications and chose one the allowed for 3D  imagery to be used to check balances </a:t>
+            </a:r>
+          </a:p>
+          <a:p>
+            <a:r>
+              <a:rPr lang="en-US" sz="1200" kern="1200" dirty="0">
+                <a:solidFill>
+                  <a:schemeClr val="tx1"/>
+                </a:solidFill>
+                <a:effectLst/>
+                <a:latin typeface="Arial" panose="020B0604020202020204" pitchFamily="34" charset="0"/>
+                <a:ea typeface="+mn-ea"/>
+                <a:cs typeface="+mn-cs"/>
+              </a:rPr>
+              <a:t>	Commonwealth Bank - Idea Bank – new services for the bank</a:t>
+            </a:r>
+          </a:p>
+          <a:p>
+            <a:pPr marL="0" marR="0" lvl="0" indent="0" algn="l" defTabSz="914400" rtl="0" eaLnBrk="1" fontAlgn="auto" latinLnBrk="0" hangingPunct="1">
+              <a:lnSpc>
+                <a:spcPct val="100000"/>
+              </a:lnSpc>
+              <a:spcBef>
+                <a:spcPts val="0"/>
+              </a:spcBef>
+              <a:spcAft>
+                <a:spcPts val="0"/>
+              </a:spcAft>
+              <a:buClrTx/>
+              <a:buSzTx/>
+              <a:buFontTx/>
+              <a:buNone/>
+              <a:tabLst/>
+              <a:defRPr/>
+            </a:pPr>
             <a:r>
               <a:rPr lang="en-US" dirty="0">
                 <a:sym typeface="Wingdings" panose="05000000000000000000" pitchFamily="2" charset="2"/>
               </a:rPr>
-              <a:t>Advent of the educated investor</a:t>
-            </a:r>
-          </a:p>
-          <a:p>
-            <a:pPr lvl="1"/>
-            <a:r>
-              <a:rPr lang="en-US" dirty="0" err="1">
-                <a:sym typeface="Wingdings" panose="05000000000000000000" pitchFamily="2" charset="2"/>
-              </a:rPr>
-              <a:t>Millenials</a:t>
-            </a:r>
-            <a:r>
-              <a:rPr lang="en-US" dirty="0">
-                <a:sym typeface="Wingdings" panose="05000000000000000000" pitchFamily="2" charset="2"/>
-              </a:rPr>
-              <a:t> most educated generation </a:t>
-            </a:r>
-          </a:p>
-          <a:p>
-            <a:pPr lvl="1"/>
-            <a:endParaRPr lang="en-US" dirty="0">
-              <a:sym typeface="Wingdings" panose="05000000000000000000" pitchFamily="2" charset="2"/>
-            </a:endParaRPr>
-          </a:p>
-          <a:p>
-            <a:pPr lvl="1"/>
-            <a:endParaRPr lang="en-US" dirty="0">
-              <a:sym typeface="Wingdings" panose="05000000000000000000" pitchFamily="2" charset="2"/>
-            </a:endParaRPr>
-          </a:p>
-          <a:p>
-            <a:pPr lvl="1"/>
-            <a:r>
-              <a:rPr lang="en-US" dirty="0">
-                <a:sym typeface="Wingdings" panose="05000000000000000000" pitchFamily="2" charset="2"/>
-              </a:rPr>
-              <a:t>-And</a:t>
+              <a:t>PC:</a:t>
             </a:r>
             <a:r>
               <a:rPr lang="en-US" baseline="0" dirty="0">
                 <a:sym typeface="Wingdings" panose="05000000000000000000" pitchFamily="2" charset="2"/>
               </a:rPr>
-              <a:t> it’s not just </a:t>
-            </a:r>
-            <a:r>
-              <a:rPr lang="en-US" baseline="0" dirty="0" err="1">
-                <a:sym typeface="Wingdings" panose="05000000000000000000" pitchFamily="2" charset="2"/>
-              </a:rPr>
-              <a:t>millenials</a:t>
-            </a:r>
-            <a:r>
-              <a:rPr lang="en-US" baseline="0" dirty="0">
-                <a:sym typeface="Wingdings" panose="05000000000000000000" pitchFamily="2" charset="2"/>
-              </a:rPr>
-              <a:t> who are getting more into social media. A study by Pew Research shows that the number of Internet users 50 years and older has nearly DOUBLED over the last year and is now at 42%. This group has been deemed “social media mavens” to describe this group, who are eager to try new things, use social media to seek and pass on advice (including financial advice), and have higher than average net worth</a:t>
-            </a:r>
-          </a:p>
-          <a:p>
-            <a:pPr lvl="1"/>
-            <a:endParaRPr lang="en-US" dirty="0">
-              <a:sym typeface="Wingdings" panose="05000000000000000000" pitchFamily="2" charset="2"/>
+              <a:t> http://www.meducom.ca/wp-content/uploads/2016/07/Crowdsourcing.png</a:t>
+            </a:r>
+          </a:p>
+          <a:p>
+            <a:endParaRPr lang="en-US" sz="1200" kern="1200" dirty="0">
+              <a:solidFill>
+                <a:schemeClr val="tx1"/>
+              </a:solidFill>
+              <a:effectLst/>
+              <a:latin typeface="Arial" panose="020B0604020202020204" pitchFamily="34" charset="0"/>
+              <a:ea typeface="+mn-ea"/>
+              <a:cs typeface="+mn-cs"/>
             </a:endParaRPr>
           </a:p>
           <a:p>
-            <a:pPr lvl="1"/>
-            <a:r>
-              <a:rPr lang="en-US" dirty="0">
-                <a:sym typeface="Wingdings" panose="05000000000000000000" pitchFamily="2" charset="2"/>
-              </a:rPr>
-              <a:t>PC https://www.bing.com/images/search?view=detailV2&amp;ccid=eQPDfFMC&amp;id=FBD20BC1CAFC208644A94102BD25A463C836416E&amp;thid=OIP.eQPDfFMChYPzw9sh8Fc2gAEsD2&amp;q=crowd+sourcing&amp;simid=608029759967136335&amp;selectedIndex=55&amp;ajaxhist=0</a:t>
-            </a:r>
+            <a:endParaRPr lang="en-US" sz="1200" kern="1200" dirty="0">
+              <a:solidFill>
+                <a:schemeClr val="tx1"/>
+              </a:solidFill>
+              <a:effectLst/>
+              <a:latin typeface="Arial" panose="020B0604020202020204" pitchFamily="34" charset="0"/>
+              <a:ea typeface="+mn-ea"/>
+              <a:cs typeface="+mn-cs"/>
+            </a:endParaRPr>
           </a:p>
           <a:p>
             <a:pPr lvl="1"/>
@@ -2372,62 +2373,10 @@
           <a:p>
             <a:r>
               <a:rPr lang="en-US" dirty="0"/>
-              <a:t>PC Credit: https://www.google.com/search?q=mutual+funds&amp;source=lnms&amp;tbm=isch&amp;sa=X&amp;ved=0ahUKEwj2npy8r__UAhWBeCYKHarjAYAQ_AUICSgE&amp;biw=1366&amp;bih=652#imgrc=EYPf49JHI_0-2M:&amp;spf=1499712248929</a:t>
-            </a:r>
-          </a:p>
-          <a:p>
-            <a:endParaRPr lang="en-US" dirty="0"/>
-          </a:p>
-          <a:p>
-            <a:r>
-              <a:rPr lang="en-US" dirty="0"/>
               <a:t>Sarah </a:t>
             </a:r>
           </a:p>
           <a:p>
-            <a:r>
-              <a:rPr lang="en-US" dirty="0"/>
-              <a:t>We are tech interns, even though this is a</a:t>
-            </a:r>
-            <a:r>
-              <a:rPr lang="en-US" baseline="0" dirty="0"/>
-              <a:t> huge part of what Fidelity does we’ll go over briefly what they are</a:t>
-            </a:r>
-          </a:p>
-          <a:p>
-            <a:endParaRPr lang="en-US" baseline="0" dirty="0"/>
-          </a:p>
-          <a:p>
-            <a:r>
-              <a:rPr lang="en-US" dirty="0">
-                <a:effectLst/>
-              </a:rPr>
-              <a:t>Mutual funds are a practical, cost-efficient way to build a diversified portfolio of stocks, bonds, or short-term investments. With nearly 70 years in the business, Fidelity offers the tools and experience to help you build an investment strategy that matches your investing style.</a:t>
-            </a:r>
-          </a:p>
-          <a:p>
-            <a:endParaRPr lang="en-US" dirty="0">
-              <a:effectLst/>
-            </a:endParaRPr>
-          </a:p>
-          <a:p>
-            <a:pPr marL="0" marR="0" lvl="0" indent="0" algn="l" defTabSz="914400" rtl="0" eaLnBrk="1" fontAlgn="auto" latinLnBrk="0" hangingPunct="1">
-              <a:lnSpc>
-                <a:spcPct val="100000"/>
-              </a:lnSpc>
-              <a:spcBef>
-                <a:spcPts val="0"/>
-              </a:spcBef>
-              <a:spcAft>
-                <a:spcPts val="0"/>
-              </a:spcAft>
-              <a:buClrTx/>
-              <a:buSzTx/>
-              <a:buFontTx/>
-              <a:buNone/>
-              <a:tabLst/>
-              <a:defRPr/>
-            </a:pPr>
             <a:r>
               <a:rPr lang="en-US" sz="1200" kern="1200" dirty="0">
                 <a:solidFill>
@@ -2438,210 +2387,149 @@
                 <a:ea typeface="+mn-ea"/>
                 <a:cs typeface="+mn-cs"/>
               </a:rPr>
-              <a:t>an investment program funded by shareholders that trades in diversified holdings and is professionally managed.</a:t>
-            </a:r>
+              <a:t>Mutual Fund: </a:t>
+            </a:r>
+          </a:p>
+          <a:p>
+            <a:r>
+              <a:rPr lang="en-US" sz="1200" kern="1200" dirty="0">
+                <a:solidFill>
+                  <a:schemeClr val="tx1"/>
+                </a:solidFill>
+                <a:effectLst/>
+                <a:latin typeface="Arial" panose="020B0604020202020204" pitchFamily="34" charset="0"/>
+                <a:ea typeface="+mn-ea"/>
+                <a:cs typeface="+mn-cs"/>
+              </a:rPr>
+              <a:t>	Professionally managed </a:t>
+            </a:r>
+          </a:p>
+          <a:p>
+            <a:r>
+              <a:rPr lang="en-US" sz="1200" kern="1200" dirty="0">
+                <a:solidFill>
+                  <a:schemeClr val="tx1"/>
+                </a:solidFill>
+                <a:effectLst/>
+                <a:latin typeface="Arial" panose="020B0604020202020204" pitchFamily="34" charset="0"/>
+                <a:ea typeface="+mn-ea"/>
+                <a:cs typeface="+mn-cs"/>
+              </a:rPr>
+              <a:t>	Contains stocks, bonds or short term investments</a:t>
+            </a:r>
+          </a:p>
+          <a:p>
+            <a:r>
+              <a:rPr lang="en-US" sz="1200" kern="1200" dirty="0">
+                <a:solidFill>
+                  <a:schemeClr val="tx1"/>
+                </a:solidFill>
+                <a:effectLst/>
+                <a:latin typeface="Arial" panose="020B0604020202020204" pitchFamily="34" charset="0"/>
+                <a:ea typeface="+mn-ea"/>
+                <a:cs typeface="+mn-cs"/>
+              </a:rPr>
+              <a:t>	Relatively low cost - $2000 initial</a:t>
+            </a:r>
+            <a:r>
+              <a:rPr lang="en-US" sz="1200" kern="1200" baseline="0" dirty="0">
+                <a:solidFill>
+                  <a:schemeClr val="tx1"/>
+                </a:solidFill>
+                <a:effectLst/>
+                <a:latin typeface="Arial" panose="020B0604020202020204" pitchFamily="34" charset="0"/>
+                <a:ea typeface="+mn-ea"/>
+                <a:cs typeface="+mn-cs"/>
+              </a:rPr>
+              <a:t> investment </a:t>
+            </a:r>
+            <a:r>
+              <a:rPr lang="en-US" sz="1200" kern="1200" dirty="0">
+                <a:solidFill>
+                  <a:schemeClr val="tx1"/>
+                </a:solidFill>
+                <a:effectLst/>
+                <a:latin typeface="Arial" panose="020B0604020202020204" pitchFamily="34" charset="0"/>
+                <a:ea typeface="+mn-ea"/>
+                <a:cs typeface="+mn-cs"/>
+              </a:rPr>
+              <a:t>, $50 a month in</a:t>
+            </a:r>
+            <a:r>
+              <a:rPr lang="en-US" sz="1200" kern="1200" baseline="0" dirty="0">
+                <a:solidFill>
+                  <a:schemeClr val="tx1"/>
+                </a:solidFill>
+                <a:effectLst/>
+                <a:latin typeface="Arial" panose="020B0604020202020204" pitchFamily="34" charset="0"/>
+                <a:ea typeface="+mn-ea"/>
+                <a:cs typeface="+mn-cs"/>
+              </a:rPr>
+              <a:t> subsequent purchases</a:t>
+            </a:r>
+            <a:endParaRPr lang="en-US" sz="1200" kern="1200" dirty="0">
+              <a:solidFill>
+                <a:schemeClr val="tx1"/>
+              </a:solidFill>
+              <a:effectLst/>
+              <a:latin typeface="Arial" panose="020B0604020202020204" pitchFamily="34" charset="0"/>
+              <a:ea typeface="+mn-ea"/>
+              <a:cs typeface="+mn-cs"/>
+            </a:endParaRPr>
+          </a:p>
+          <a:p>
+            <a:r>
+              <a:rPr lang="en-US" sz="1200" kern="1200" dirty="0">
+                <a:solidFill>
+                  <a:schemeClr val="tx1"/>
+                </a:solidFill>
+                <a:effectLst/>
+                <a:latin typeface="Arial" panose="020B0604020202020204" pitchFamily="34" charset="0"/>
+                <a:ea typeface="+mn-ea"/>
+                <a:cs typeface="+mn-cs"/>
+              </a:rPr>
+              <a:t>	Cost efficient and diversified</a:t>
+            </a:r>
+          </a:p>
+          <a:p>
+            <a:r>
+              <a:rPr lang="en-US" sz="1200" kern="1200" dirty="0">
+                <a:solidFill>
+                  <a:schemeClr val="tx1"/>
+                </a:solidFill>
+                <a:effectLst/>
+                <a:latin typeface="Arial" panose="020B0604020202020204" pitchFamily="34" charset="0"/>
+                <a:ea typeface="+mn-ea"/>
+                <a:cs typeface="+mn-cs"/>
+              </a:rPr>
+              <a:t>		not all the eggs in one basket</a:t>
+            </a:r>
+          </a:p>
+          <a:p>
+            <a:r>
+              <a:rPr lang="en-US" sz="1200" kern="1200" dirty="0">
+                <a:solidFill>
+                  <a:schemeClr val="tx1"/>
+                </a:solidFill>
+                <a:effectLst/>
+                <a:latin typeface="Arial" panose="020B0604020202020204" pitchFamily="34" charset="0"/>
+                <a:ea typeface="+mn-ea"/>
+                <a:cs typeface="+mn-cs"/>
+              </a:rPr>
+              <a:t>		protects the investor</a:t>
+            </a:r>
+          </a:p>
+          <a:p>
+            <a:endParaRPr lang="en-US" dirty="0"/>
           </a:p>
           <a:p>
             <a:r>
               <a:rPr lang="en-US" dirty="0"/>
-              <a:t>https://www.investor.gov/investing-basics/investment-products/mutual-funds</a:t>
-            </a:r>
-          </a:p>
-          <a:p>
-            <a:r>
-              <a:rPr lang="en-US" dirty="0"/>
-              <a:t>Types</a:t>
-            </a:r>
-          </a:p>
-          <a:p>
-            <a:r>
-              <a:rPr lang="en-US" b="1" dirty="0"/>
-              <a:t>Why do people buy mutual funds?</a:t>
-            </a:r>
-          </a:p>
-          <a:p>
-            <a:r>
-              <a:rPr lang="en-US" dirty="0"/>
-              <a:t>Mutual funds are a popular choice among investors because they generally offer the following features:</a:t>
-            </a:r>
-          </a:p>
-          <a:p>
-            <a:r>
-              <a:rPr lang="en-US" b="1" dirty="0"/>
-              <a:t>Professional Management.</a:t>
-            </a:r>
-            <a:r>
-              <a:rPr lang="en-US" dirty="0"/>
-              <a:t> The fund managers do the research for you. They select the securities and monitor the performance.</a:t>
-            </a:r>
-          </a:p>
-          <a:p>
-            <a:r>
-              <a:rPr lang="en-US" b="1" dirty="0"/>
-              <a:t>Diversification </a:t>
-            </a:r>
-            <a:r>
-              <a:rPr lang="en-US" dirty="0"/>
-              <a:t>or “Don’t put all your eggs in one basket.” Mutual funds typically invest in a range of companies and industries. This helps to lower your risk if one company fails.</a:t>
-            </a:r>
-          </a:p>
-          <a:p>
-            <a:r>
-              <a:rPr lang="en-US" b="1" dirty="0"/>
-              <a:t>Affordability. </a:t>
-            </a:r>
-            <a:r>
-              <a:rPr lang="en-US" dirty="0"/>
-              <a:t>Most mutual funds set a relatively low dollar amount for initial investment and subsequent purchases.</a:t>
-            </a:r>
-          </a:p>
-          <a:p>
-            <a:r>
-              <a:rPr lang="en-US" b="1" dirty="0"/>
-              <a:t>Liquidity.</a:t>
-            </a:r>
-            <a:r>
-              <a:rPr lang="en-US" dirty="0"/>
-              <a:t> Mutual fund investors can easily redeem their shares at any time, for the current net asset value (NAV) plus any redemption fees.</a:t>
-            </a:r>
-          </a:p>
-          <a:p>
-            <a:r>
-              <a:rPr lang="en-US" b="1" dirty="0"/>
-              <a:t>What types of mutual funds are there?</a:t>
-            </a:r>
-          </a:p>
-          <a:p>
-            <a:r>
-              <a:rPr lang="en-US" dirty="0"/>
-              <a:t>Most mutual funds fall into one of four main categories – money market funds, bond funds, stock funds, and target date funds. Each type has different features, risks, and rewards.</a:t>
-            </a:r>
-          </a:p>
-          <a:p>
-            <a:r>
-              <a:rPr lang="en-US" b="1" dirty="0">
-                <a:hlinkClick r:id="rId3"/>
-              </a:rPr>
-              <a:t>Money market funds</a:t>
-            </a:r>
-            <a:r>
-              <a:rPr lang="en-US" dirty="0"/>
-              <a:t> have relatively low risks. By law, they can invest only in certain high-quality, short-term investments issued by U.S. corporations, and federal, state and local governments.</a:t>
-            </a:r>
-          </a:p>
-          <a:p>
-            <a:r>
-              <a:rPr lang="en-US" b="1" dirty="0"/>
-              <a:t>Bond funds </a:t>
-            </a:r>
-            <a:r>
-              <a:rPr lang="en-US" dirty="0"/>
-              <a:t>have higher risks than money market funds because they typically aim to produce higher returns. Because there are many different types of bonds, the risks and rewards of bond funds can vary dramatically.</a:t>
-            </a:r>
-          </a:p>
-          <a:p>
-            <a:r>
-              <a:rPr lang="en-US" b="1" dirty="0"/>
-              <a:t>Stock funds </a:t>
-            </a:r>
-            <a:r>
-              <a:rPr lang="en-US" dirty="0"/>
-              <a:t>invest in corporate stocks. Not all stock funds are the same. Some examples are: </a:t>
-            </a:r>
-          </a:p>
-          <a:p>
-            <a:pPr lvl="1"/>
-            <a:r>
-              <a:rPr lang="en-US" dirty="0"/>
-              <a:t>Growth funds focus on stocks that may not pay a regular dividend but have potential for above-average financial gains.</a:t>
-            </a:r>
-          </a:p>
-          <a:p>
-            <a:pPr lvl="1"/>
-            <a:r>
-              <a:rPr lang="en-US" dirty="0"/>
-              <a:t>Income funds invest in stocks that pay regular dividends.</a:t>
-            </a:r>
-          </a:p>
-          <a:p>
-            <a:pPr lvl="1"/>
-            <a:r>
-              <a:rPr lang="en-US" dirty="0"/>
-              <a:t>Index funds track a particular market index such as the Standard &amp; Poor’s 500 Index.</a:t>
-            </a:r>
-          </a:p>
-          <a:p>
-            <a:pPr lvl="1"/>
-            <a:r>
-              <a:rPr lang="en-US" dirty="0"/>
-              <a:t>Sector funds specialize in a particular industry segment.</a:t>
-            </a:r>
-          </a:p>
-          <a:p>
-            <a:r>
-              <a:rPr lang="en-US" b="1" dirty="0">
-                <a:hlinkClick r:id="rId4"/>
-              </a:rPr>
-              <a:t>Target date funds</a:t>
-            </a:r>
-            <a:r>
-              <a:rPr lang="en-US" dirty="0"/>
-              <a:t> hold a mix of stocks, bonds, and other investments. Over time, the mix gradually shifts according to the fund’s strategy. Target date funds, sometimes known as lifecycle funds, are designed for individuals with particular retirement dates in mind.</a:t>
-            </a:r>
-          </a:p>
-          <a:p>
-            <a:r>
-              <a:rPr lang="en-US" b="1" dirty="0"/>
-              <a:t>What are the benefits and risks of mutual funds?</a:t>
-            </a:r>
-          </a:p>
-          <a:p>
-            <a:r>
-              <a:rPr lang="en-US" dirty="0"/>
-              <a:t>Mutual funds offer professional investment management and potential diversification. They also offer three ways to earn money:</a:t>
-            </a:r>
-          </a:p>
-          <a:p>
-            <a:r>
-              <a:rPr lang="en-US" b="1" dirty="0"/>
-              <a:t>Dividend Payments.</a:t>
-            </a:r>
-            <a:r>
-              <a:rPr lang="en-US" dirty="0"/>
-              <a:t> A fund may earn income from dividends on stock or interest on bonds. The fund then pays the shareholders nearly all the income, less expenses.</a:t>
-            </a:r>
-          </a:p>
-          <a:p>
-            <a:r>
-              <a:rPr lang="en-US" b="1" dirty="0"/>
-              <a:t>Capital Gains Distributions.</a:t>
-            </a:r>
-            <a:r>
-              <a:rPr lang="en-US" dirty="0"/>
-              <a:t> The price of the securities in a fund may increase. When a fund sells a security that has increased in price, the fund has a capital gain. At the end of the year, the fund distributes these capital gains, minus any capital losses, to investors.</a:t>
-            </a:r>
-          </a:p>
-          <a:p>
-            <a:r>
-              <a:rPr lang="en-US" b="1" dirty="0"/>
-              <a:t>Increased NAV. </a:t>
-            </a:r>
-            <a:r>
-              <a:rPr lang="en-US" dirty="0"/>
-              <a:t>If the market value of a fund’s portfolio increases, after deducting expenses, then the value of the fund and its shares increases. The higher NAV reflects the higher value of your investment.</a:t>
-            </a:r>
-          </a:p>
-          <a:p>
-            <a:r>
-              <a:rPr lang="en-US" dirty="0"/>
-              <a:t>All funds carry some level of risk. With mutual funds, you may lose some or all of the money you invest because the securities held by a fund can go down in value. Dividends or interest payments may also change as market conditions change.</a:t>
-            </a:r>
-          </a:p>
-          <a:p>
-            <a:r>
-              <a:rPr lang="en-US" dirty="0"/>
-              <a:t>A fund’s past performance is not as important as you might think because past performance does not predict future returns. But past performance can tell you how volatile or stable a fund has been over a period of time. The more volatile the fund, the higher the investment risk.</a:t>
-            </a:r>
+              <a:t>PC : https://www.google.com/search?q=mutual+funds&amp;source=lnms&amp;tbm=isch&amp;sa=X&amp;ved=0ahUKEwj2npy8r__UAhWBeCYKHarjAYAQ_AUICSgE&amp;biw=1366&amp;bih=652#imgrc=EYPf49JHI_0-2M:&amp;spf=1499712248929</a:t>
+            </a:r>
+          </a:p>
+          <a:p>
+            <a:endParaRPr lang="en-US" dirty="0"/>
           </a:p>
           <a:p>
             <a:endParaRPr lang="en-US" dirty="0"/>
@@ -2825,15 +2713,11 @@
           <a:p>
             <a:r>
               <a:rPr lang="en-US" dirty="0"/>
-              <a:t>Savings and </a:t>
-            </a:r>
-            <a:r>
-              <a:rPr lang="en-US" dirty="0" smtClean="0"/>
-              <a:t>ROI</a:t>
-            </a:r>
-          </a:p>
-          <a:p>
-            <a:endParaRPr lang="en-US" dirty="0" smtClean="0"/>
+              <a:t>Savings and ROI</a:t>
+            </a:r>
+          </a:p>
+          <a:p>
+            <a:endParaRPr lang="en-US" dirty="0"/>
           </a:p>
           <a:p>
             <a:pPr marL="0" marR="0" indent="0" algn="l" defTabSz="914400" rtl="0" eaLnBrk="1" fontAlgn="auto" latinLnBrk="0" hangingPunct="1">
@@ -2854,7 +2738,7 @@
               <a:defRPr/>
             </a:pPr>
             <a:r>
-              <a:rPr lang="en-US" sz="1200" kern="1200" dirty="0" smtClean="0">
+              <a:rPr lang="en-US" sz="1200" kern="1200" dirty="0">
                 <a:solidFill>
                   <a:schemeClr val="tx1"/>
                 </a:solidFill>
@@ -2867,11 +2751,11 @@
             </a:r>
           </a:p>
           <a:p>
-            <a:endParaRPr lang="en-US" dirty="0" smtClean="0"/>
-          </a:p>
-          <a:p>
-            <a:r>
-              <a:rPr lang="en-US" dirty="0" smtClean="0"/>
+            <a:endParaRPr lang="en-US" dirty="0"/>
+          </a:p>
+          <a:p>
+            <a:r>
+              <a:rPr lang="en-US" dirty="0"/>
               <a:t>Attract</a:t>
             </a:r>
           </a:p>
@@ -2894,11 +2778,11 @@
               <a:defRPr/>
             </a:pPr>
             <a:r>
-              <a:rPr lang="en-US" dirty="0" smtClean="0"/>
+              <a:rPr lang="en-US" dirty="0"/>
               <a:t>One of the biggest business challenges is bringing in new customers. </a:t>
             </a:r>
             <a:r>
-              <a:rPr lang="en-US" sz="1200" b="0" i="1" kern="1200" smtClean="0">
+              <a:rPr lang="en-US" sz="1200" b="0" i="1" kern="1200" dirty="0">
                 <a:solidFill>
                   <a:schemeClr val="tx1"/>
                 </a:solidFill>
@@ -2907,44 +2791,20 @@
                 <a:ea typeface="+mn-ea"/>
                 <a:cs typeface="+mn-cs"/>
               </a:rPr>
-              <a:t>“</a:t>
-            </a:r>
-            <a:r>
-              <a:rPr lang="en-US" sz="1200" b="0" i="1" kern="1200" dirty="0" smtClean="0">
-                <a:solidFill>
-                  <a:schemeClr val="tx1"/>
-                </a:solidFill>
-                <a:effectLst/>
-                <a:latin typeface="Arial" panose="020B0604020202020204" pitchFamily="34" charset="0"/>
-                <a:ea typeface="+mn-ea"/>
-                <a:cs typeface="+mn-cs"/>
-              </a:rPr>
-              <a:t>Brand Keys, a research firm that studies customer loyalty, found that personalization is 30% of what draws a person to a brand today, as opposed to only six percent in </a:t>
-            </a:r>
-            <a:r>
-              <a:rPr lang="en-US" sz="1200" b="0" i="1" kern="1200" smtClean="0">
-                <a:solidFill>
-                  <a:schemeClr val="tx1"/>
-                </a:solidFill>
-                <a:effectLst/>
-                <a:latin typeface="Arial" panose="020B0604020202020204" pitchFamily="34" charset="0"/>
-                <a:ea typeface="+mn-ea"/>
-                <a:cs typeface="+mn-cs"/>
-              </a:rPr>
-              <a:t>1997.”  </a:t>
-            </a:r>
-            <a:r>
-              <a:rPr lang="en-US" smtClean="0"/>
+              <a:t>“Brand Keys, a research firm that studies customer loyalty, found that personalization is 30% of what draws a person to a brand today, as opposed to only six percent in 1997.”  </a:t>
+            </a:r>
+            <a:r>
+              <a:rPr lang="en-US" dirty="0"/>
               <a:t>Taking advantage of this opportunity to personalize for customers will result in higher</a:t>
             </a:r>
             <a:r>
-              <a:rPr lang="en-US" baseline="0" smtClean="0"/>
+              <a:rPr lang="en-US" baseline="0" dirty="0"/>
               <a:t> sales and more revenue for the company.</a:t>
             </a:r>
-            <a:endParaRPr lang="en-US" smtClean="0"/>
-          </a:p>
-          <a:p>
-            <a:endParaRPr lang="en-US" sz="1200" b="0" i="1" kern="1200" dirty="0" smtClean="0">
+            <a:endParaRPr lang="en-US" dirty="0"/>
+          </a:p>
+          <a:p>
+            <a:endParaRPr lang="en-US" sz="1200" b="0" i="1" kern="1200" dirty="0">
               <a:solidFill>
                 <a:schemeClr val="tx1"/>
               </a:solidFill>
@@ -2972,7 +2832,7 @@
               <a:tabLst/>
               <a:defRPr/>
             </a:pPr>
-            <a:endParaRPr lang="en-US" sz="1200" b="0" i="1" kern="1200" dirty="0" smtClean="0">
+            <a:endParaRPr lang="en-US" sz="1200" b="0" i="1" kern="1200" dirty="0">
               <a:solidFill>
                 <a:schemeClr val="tx1"/>
               </a:solidFill>
@@ -3001,7 +2861,7 @@
               <a:defRPr/>
             </a:pPr>
             <a:r>
-              <a:rPr lang="en-US" sz="1200" b="0" i="1" kern="1200" dirty="0" smtClean="0">
+              <a:rPr lang="en-US" sz="1200" b="0" i="1" kern="1200" dirty="0">
                 <a:solidFill>
                   <a:schemeClr val="tx1"/>
                 </a:solidFill>
@@ -3032,7 +2892,7 @@
               <a:defRPr/>
             </a:pPr>
             <a:r>
-              <a:rPr lang="en-US" sz="1200" b="0" i="1" kern="1200" dirty="0" smtClean="0">
+              <a:rPr lang="en-US" sz="1200" b="0" i="1" kern="1200" dirty="0">
                 <a:solidFill>
                   <a:schemeClr val="tx1"/>
                 </a:solidFill>
@@ -3044,7 +2904,7 @@
               <a:t>Once we have customers how do we keep them? Make ourselves</a:t>
             </a:r>
             <a:r>
-              <a:rPr lang="en-US" sz="1200" b="0" i="1" kern="1200" baseline="0" dirty="0" smtClean="0">
+              <a:rPr lang="en-US" sz="1200" b="0" i="1" kern="1200" baseline="0" dirty="0">
                 <a:solidFill>
                   <a:schemeClr val="tx1"/>
                 </a:solidFill>
@@ -3055,7 +2915,7 @@
               </a:rPr>
               <a:t> impossible to replace. No other firm offers this specific product developed by our own customers.</a:t>
             </a:r>
-            <a:endParaRPr lang="en-US" sz="1200" b="0" i="1" kern="1200" dirty="0" smtClean="0">
+            <a:endParaRPr lang="en-US" sz="1200" b="0" i="1" kern="1200" dirty="0">
               <a:solidFill>
                 <a:schemeClr val="tx1"/>
               </a:solidFill>
@@ -3084,7 +2944,7 @@
               <a:defRPr/>
             </a:pPr>
             <a:r>
-              <a:rPr lang="en-US" sz="1200" b="0" i="1" kern="1200" dirty="0" smtClean="0">
+              <a:rPr lang="en-US" sz="1200" b="0" i="1" kern="1200" dirty="0">
                 <a:solidFill>
                   <a:schemeClr val="tx1"/>
                 </a:solidFill>
@@ -3096,7 +2956,7 @@
               <a:t>(Fidelity becomes harder to replace</a:t>
             </a:r>
             <a:r>
-              <a:rPr lang="en-US" sz="1200" b="0" i="1" kern="1200" baseline="0" dirty="0" smtClean="0">
+              <a:rPr lang="en-US" sz="1200" b="0" i="1" kern="1200" baseline="0" dirty="0">
                 <a:solidFill>
                   <a:schemeClr val="tx1"/>
                 </a:solidFill>
@@ -3107,7 +2967,7 @@
               </a:rPr>
               <a:t> – no other firm offers the product)</a:t>
             </a:r>
-            <a:endParaRPr lang="en-US" sz="1200" b="0" i="1" kern="1200" dirty="0" smtClean="0">
+            <a:endParaRPr lang="en-US" sz="1200" b="0" i="1" kern="1200" dirty="0">
               <a:solidFill>
                 <a:schemeClr val="tx1"/>
               </a:solidFill>
@@ -3135,7 +2995,7 @@
               <a:tabLst/>
               <a:defRPr/>
             </a:pPr>
-            <a:endParaRPr lang="en-US" sz="1200" b="0" i="1" kern="1200" dirty="0" smtClean="0">
+            <a:endParaRPr lang="en-US" sz="1200" b="0" i="1" kern="1200" dirty="0">
               <a:solidFill>
                 <a:schemeClr val="tx1"/>
               </a:solidFill>
@@ -3164,7 +3024,7 @@
               <a:defRPr/>
             </a:pPr>
             <a:r>
-              <a:rPr lang="en-US" sz="1200" b="0" i="1" kern="1200" dirty="0" smtClean="0">
+              <a:rPr lang="en-US" sz="1200" b="0" i="1" kern="1200" dirty="0">
                 <a:solidFill>
                   <a:schemeClr val="tx1"/>
                 </a:solidFill>
@@ -3195,7 +3055,7 @@
               <a:defRPr/>
             </a:pPr>
             <a:r>
-              <a:rPr lang="en-US" sz="1200" b="0" i="1" kern="1200" dirty="0" smtClean="0">
+              <a:rPr lang="en-US" sz="1200" b="0" i="1" kern="1200" dirty="0">
                 <a:solidFill>
                   <a:schemeClr val="tx1"/>
                 </a:solidFill>
@@ -3207,7 +3067,7 @@
               <a:t>Other benefits</a:t>
             </a:r>
             <a:r>
-              <a:rPr lang="en-US" sz="1200" b="0" i="1" kern="1200" baseline="0" dirty="0" smtClean="0">
+              <a:rPr lang="en-US" sz="1200" b="0" i="1" kern="1200" baseline="0" dirty="0">
                 <a:solidFill>
                   <a:schemeClr val="tx1"/>
                 </a:solidFill>
@@ -3238,7 +3098,7 @@
               <a:defRPr/>
             </a:pPr>
             <a:r>
-              <a:rPr lang="en-US" sz="1200" b="0" i="1" kern="1200" baseline="0" dirty="0" smtClean="0">
+              <a:rPr lang="en-US" sz="1200" b="0" i="1" kern="1200" baseline="0" dirty="0">
                 <a:solidFill>
                   <a:schemeClr val="tx1"/>
                 </a:solidFill>
@@ -3269,7 +3129,7 @@
               <a:defRPr/>
             </a:pPr>
             <a:r>
-              <a:rPr lang="en-US" sz="1200" b="0" i="1" kern="1200" baseline="0" dirty="0" smtClean="0">
+              <a:rPr lang="en-US" sz="1200" b="0" i="1" kern="1200" baseline="0" dirty="0">
                 <a:solidFill>
                   <a:schemeClr val="tx1"/>
                 </a:solidFill>
@@ -3281,7 +3141,7 @@
               <a:t>Help customer believe firm appreciates him or her </a:t>
             </a:r>
             <a:r>
-              <a:rPr lang="en-US" sz="1200" b="0" i="1" kern="1200" baseline="0" dirty="0" err="1" smtClean="0">
+              <a:rPr lang="en-US" sz="1200" b="0" i="1" kern="1200" baseline="0" dirty="0" err="1">
                 <a:solidFill>
                   <a:schemeClr val="tx1"/>
                 </a:solidFill>
@@ -3293,7 +3153,7 @@
               <a:t>nd</a:t>
             </a:r>
             <a:r>
-              <a:rPr lang="en-US" sz="1200" b="0" i="1" kern="1200" baseline="0" dirty="0" smtClean="0">
+              <a:rPr lang="en-US" sz="1200" b="0" i="1" kern="1200" baseline="0" dirty="0">
                 <a:solidFill>
                   <a:schemeClr val="tx1"/>
                 </a:solidFill>
@@ -3306,7 +3166,7 @@
             </a:r>
           </a:p>
           <a:p>
-            <a:endParaRPr lang="en-US" sz="1200" kern="1200" dirty="0" smtClean="0">
+            <a:endParaRPr lang="en-US" sz="1200" kern="1200" dirty="0">
               <a:solidFill>
                 <a:schemeClr val="tx1"/>
               </a:solidFill>
@@ -6737,7 +6597,7 @@
           <a:lstStyle/>
           <a:p>
             <a:r>
-              <a:rPr lang="en-US" sz="800" dirty="0" smtClean="0">
+              <a:rPr lang="en-US" sz="800" dirty="0">
                 <a:solidFill>
                   <a:schemeClr val="tx1">
                     <a:lumMod val="50000"/>
@@ -6747,14 +6607,6 @@
               </a:rPr>
               <a:t>Fidelity Internal Information</a:t>
             </a:r>
-            <a:endParaRPr lang="en-US" sz="800" dirty="0">
-              <a:solidFill>
-                <a:schemeClr val="tx1">
-                  <a:lumMod val="50000"/>
-                  <a:lumOff val="50000"/>
-                </a:schemeClr>
-              </a:solidFill>
-            </a:endParaRPr>
           </a:p>
         </p:txBody>
       </p:sp>
@@ -7201,13 +7053,6 @@
   <p:clrMapOvr>
     <a:masterClrMapping/>
   </p:clrMapOvr>
-  <p:timing>
-    <p:tnLst>
-      <p:par>
-        <p:cTn id="1" dur="indefinite" restart="never" nodeType="tmRoot"/>
-      </p:par>
-    </p:tnLst>
-  </p:timing>
 </p:sld>
 </file>
 
@@ -7310,13 +7155,8 @@
             </a:pPr>
             <a:r>
               <a:rPr lang="en-US" sz="2000" dirty="0"/>
-              <a:t>Competition’s use of </a:t>
-            </a:r>
-            <a:r>
-              <a:rPr lang="en-US" sz="2000" dirty="0" smtClean="0"/>
-              <a:t>crowdsourcing </a:t>
-            </a:r>
-            <a:endParaRPr lang="en-US" sz="2000" dirty="0"/>
+              <a:t>Competition’s use of crowdsourcing </a:t>
+            </a:r>
           </a:p>
           <a:p>
             <a:pPr marL="236537" lvl="1" indent="0">
@@ -7419,13 +7259,6 @@
   <p:clrMapOvr>
     <a:masterClrMapping/>
   </p:clrMapOvr>
-  <p:timing>
-    <p:tnLst>
-      <p:par>
-        <p:cTn id="1" dur="indefinite" restart="never" nodeType="tmRoot"/>
-      </p:par>
-    </p:tnLst>
-  </p:timing>
 </p:sld>
 </file>
 
@@ -7564,7 +7397,7 @@
           <a:p>
             <a:pPr algn="ctr"/>
             <a:r>
-              <a:rPr lang="en-US" sz="5600" b="1" dirty="0" smtClean="0">
+              <a:rPr lang="en-US" sz="5600" b="1" dirty="0">
                 <a:ln w="0"/>
                 <a:solidFill>
                   <a:schemeClr val="accent5"/>
@@ -7581,26 +7414,11 @@
               </a:rPr>
               <a:t>Development</a:t>
             </a:r>
-            <a:endParaRPr lang="en-US" sz="5600" b="1" dirty="0">
-              <a:ln w="0"/>
-              <a:solidFill>
-                <a:schemeClr val="accent5"/>
-              </a:solidFill>
-              <a:effectLst>
-                <a:outerShdw blurRad="38100" dist="25400" dir="5400000" algn="ctr" rotWithShape="0">
-                  <a:srgbClr val="6E747A">
-                    <a:alpha val="43000"/>
-                  </a:srgbClr>
-                </a:outerShdw>
-              </a:effectLst>
-              <a:latin typeface="Calibri" panose="020F0502020204030204" pitchFamily="34" charset="0"/>
-              <a:cs typeface="Calibri" panose="020F0502020204030204" pitchFamily="34" charset="0"/>
-            </a:endParaRPr>
           </a:p>
           <a:p>
             <a:pPr algn="ctr"/>
             <a:r>
-              <a:rPr lang="en-US" sz="3200" i="1" dirty="0" smtClean="0">
+              <a:rPr lang="en-US" sz="3200" i="1" dirty="0">
                 <a:ln w="0"/>
                 <a:solidFill>
                   <a:schemeClr val="accent5"/>
@@ -7617,26 +7435,11 @@
               </a:rPr>
               <a:t>3-6 Months</a:t>
             </a:r>
-            <a:endParaRPr lang="en-US" sz="3200" i="1" dirty="0">
-              <a:ln w="0"/>
-              <a:solidFill>
-                <a:schemeClr val="accent5"/>
-              </a:solidFill>
-              <a:effectLst>
-                <a:outerShdw blurRad="38100" dist="25400" dir="5400000" algn="ctr" rotWithShape="0">
-                  <a:srgbClr val="6E747A">
-                    <a:alpha val="43000"/>
-                  </a:srgbClr>
-                </a:outerShdw>
-              </a:effectLst>
-              <a:latin typeface="Calibri" panose="020F0502020204030204" pitchFamily="34" charset="0"/>
-              <a:cs typeface="Calibri" panose="020F0502020204030204" pitchFamily="34" charset="0"/>
-            </a:endParaRPr>
           </a:p>
           <a:p>
             <a:pPr algn="ctr"/>
             <a:r>
-              <a:rPr lang="en-US" sz="5600" b="1" dirty="0" smtClean="0">
+              <a:rPr lang="en-US" sz="5600" b="1" dirty="0">
                 <a:ln w="0"/>
                 <a:solidFill>
                   <a:schemeClr val="accent5"/>
@@ -7653,26 +7456,11 @@
               </a:rPr>
               <a:t>Enhancements</a:t>
             </a:r>
-            <a:endParaRPr lang="en-US" sz="5600" b="1" dirty="0">
-              <a:ln w="0"/>
-              <a:solidFill>
-                <a:schemeClr val="accent5"/>
-              </a:solidFill>
-              <a:effectLst>
-                <a:outerShdw blurRad="38100" dist="25400" dir="5400000" algn="ctr" rotWithShape="0">
-                  <a:srgbClr val="6E747A">
-                    <a:alpha val="43000"/>
-                  </a:srgbClr>
-                </a:outerShdw>
-              </a:effectLst>
-              <a:latin typeface="Calibri" panose="020F0502020204030204" pitchFamily="34" charset="0"/>
-              <a:cs typeface="Calibri" panose="020F0502020204030204" pitchFamily="34" charset="0"/>
-            </a:endParaRPr>
           </a:p>
           <a:p>
             <a:pPr algn="ctr"/>
             <a:r>
-              <a:rPr lang="en-US" sz="3200" i="1" dirty="0" smtClean="0">
+              <a:rPr lang="en-US" sz="3200" i="1" dirty="0">
                 <a:ln w="0"/>
                 <a:solidFill>
                   <a:schemeClr val="accent5"/>
@@ -7693,7 +7481,7 @@
           <a:p>
             <a:pPr algn="ctr"/>
             <a:r>
-              <a:rPr lang="en-US" sz="5600" b="1" dirty="0" smtClean="0">
+              <a:rPr lang="en-US" sz="5600" b="1" dirty="0">
                 <a:ln w="0"/>
                 <a:solidFill>
                   <a:schemeClr val="accent5"/>
@@ -7714,7 +7502,7 @@
           <a:p>
             <a:pPr algn="ctr"/>
             <a:r>
-              <a:rPr lang="en-US" sz="3200" i="1" dirty="0" smtClean="0">
+              <a:rPr lang="en-US" sz="3200" i="1" dirty="0">
                 <a:ln w="0"/>
                 <a:solidFill>
                   <a:schemeClr val="accent5"/>
@@ -7731,21 +7519,6 @@
               </a:rPr>
               <a:t>As Needed</a:t>
             </a:r>
-            <a:endParaRPr lang="en-US" sz="3200" i="1" dirty="0">
-              <a:ln w="0"/>
-              <a:solidFill>
-                <a:schemeClr val="accent5"/>
-              </a:solidFill>
-              <a:effectLst>
-                <a:outerShdw blurRad="38100" dist="25400" dir="5400000" algn="ctr" rotWithShape="0">
-                  <a:srgbClr val="6E747A">
-                    <a:alpha val="43000"/>
-                  </a:srgbClr>
-                </a:outerShdw>
-              </a:effectLst>
-              <a:latin typeface="Calibri" panose="020F0502020204030204" pitchFamily="34" charset="0"/>
-              <a:cs typeface="Calibri" panose="020F0502020204030204" pitchFamily="34" charset="0"/>
-            </a:endParaRPr>
           </a:p>
         </p:txBody>
       </p:sp>
@@ -7759,13 +7532,6 @@
   <p:clrMapOvr>
     <a:masterClrMapping/>
   </p:clrMapOvr>
-  <p:timing>
-    <p:tnLst>
-      <p:par>
-        <p:cTn id="1" dur="indefinite" restart="never" nodeType="tmRoot"/>
-      </p:par>
-    </p:tnLst>
-  </p:timing>
 </p:sld>
 </file>
 
@@ -7835,11 +7601,7 @@
             </a:pPr>
             <a:r>
               <a:rPr lang="en-US" dirty="0"/>
-              <a:t>Mobile </a:t>
-            </a:r>
-            <a:r>
-              <a:rPr lang="en-US" dirty="0" smtClean="0"/>
-              <a:t>App</a:t>
+              <a:t>Mobile App</a:t>
             </a:r>
           </a:p>
           <a:p>
@@ -7850,11 +7612,7 @@
             </a:pPr>
             <a:r>
               <a:rPr lang="en-US" dirty="0"/>
-              <a:t>Multiple user collaboration on an </a:t>
-            </a:r>
-            <a:r>
-              <a:rPr lang="en-US" dirty="0" smtClean="0"/>
-              <a:t>idea</a:t>
+              <a:t>Multiple user collaboration on an idea</a:t>
             </a:r>
           </a:p>
           <a:p>
@@ -7864,7 +7622,7 @@
               </a:lnSpc>
             </a:pPr>
             <a:r>
-              <a:rPr lang="en-US" dirty="0" smtClean="0"/>
+              <a:rPr lang="en-US" dirty="0"/>
               <a:t>Further data pulled about proposed portfolio</a:t>
             </a:r>
           </a:p>
@@ -7875,7 +7633,7 @@
               </a:lnSpc>
             </a:pPr>
             <a:r>
-              <a:rPr lang="en-US" dirty="0" smtClean="0"/>
+              <a:rPr lang="en-US" dirty="0"/>
               <a:t>Integrated customization platform</a:t>
             </a:r>
           </a:p>
@@ -7886,7 +7644,7 @@
               </a:lnSpc>
             </a:pPr>
             <a:r>
-              <a:rPr lang="en-US" dirty="0" smtClean="0"/>
+              <a:rPr lang="en-US" dirty="0"/>
               <a:t>Compare to existing Fidelity funds</a:t>
             </a:r>
           </a:p>
@@ -7991,13 +7749,6 @@
   <p:clrMapOvr>
     <a:masterClrMapping/>
   </p:clrMapOvr>
-  <p:timing>
-    <p:tnLst>
-      <p:par>
-        <p:cTn id="1" dur="indefinite" restart="never" nodeType="tmRoot"/>
-      </p:par>
-    </p:tnLst>
-  </p:timing>
 </p:sld>
 </file>
 
@@ -8039,10 +7790,9 @@
           <a:lstStyle/>
           <a:p>
             <a:r>
-              <a:rPr lang="en-US" dirty="0" smtClean="0"/>
+              <a:rPr lang="en-US" dirty="0"/>
               <a:t>Questions</a:t>
             </a:r>
-            <a:endParaRPr lang="en-US" dirty="0"/>
           </a:p>
         </p:txBody>
       </p:sp>
@@ -8085,13 +7835,6 @@
   <p:clrMapOvr>
     <a:masterClrMapping/>
   </p:clrMapOvr>
-  <p:timing>
-    <p:tnLst>
-      <p:par>
-        <p:cTn id="1" dur="indefinite" restart="never" nodeType="tmRoot"/>
-      </p:par>
-    </p:tnLst>
-  </p:timing>
 </p:sld>
 </file>
 
@@ -8329,13 +8072,8 @@
             </a:pPr>
             <a:r>
               <a:rPr lang="en-US" b="1" dirty="0"/>
-              <a:t>Market </a:t>
-            </a:r>
-            <a:r>
-              <a:rPr lang="en-US" b="1" dirty="0" smtClean="0"/>
-              <a:t>Trend</a:t>
-            </a:r>
-            <a:endParaRPr lang="en-US" b="1" dirty="0"/>
+              <a:t>Market Trend</a:t>
+            </a:r>
           </a:p>
           <a:p>
             <a:pPr marL="0" indent="0">
@@ -8695,13 +8433,6 @@
   <p:clrMapOvr>
     <a:masterClrMapping/>
   </p:clrMapOvr>
-  <p:timing>
-    <p:tnLst>
-      <p:par>
-        <p:cTn id="1" dur="indefinite" restart="never" nodeType="tmRoot"/>
-      </p:par>
-    </p:tnLst>
-  </p:timing>
 </p:sld>
 </file>
 
@@ -8739,21 +8470,8 @@
           <a:p>
             <a:r>
               <a:rPr lang="en-US" dirty="0"/>
-              <a:t>Market </a:t>
-            </a:r>
-            <a:r>
-              <a:rPr lang="en-US" dirty="0" smtClean="0"/>
-              <a:t>Trend </a:t>
-            </a:r>
-            <a:r>
-              <a:rPr lang="en-US" dirty="0"/>
-              <a:t>Toward </a:t>
-            </a:r>
-            <a:r>
-              <a:rPr lang="en-US" dirty="0" smtClean="0"/>
-              <a:t>Customization</a:t>
-            </a:r>
-            <a:endParaRPr lang="en-US" dirty="0"/>
+              <a:t>Market Trend Toward Customization</a:t>
+            </a:r>
           </a:p>
         </p:txBody>
       </p:sp>
@@ -9404,13 +9122,6 @@
   <p:clrMapOvr>
     <a:masterClrMapping/>
   </p:clrMapOvr>
-  <p:timing>
-    <p:tnLst>
-      <p:par>
-        <p:cTn id="1" dur="indefinite" restart="never" nodeType="tmRoot"/>
-      </p:par>
-    </p:tnLst>
-  </p:timing>
 </p:sld>
 </file>
 
@@ -9760,13 +9471,6 @@
   <p:clrMapOvr>
     <a:masterClrMapping/>
   </p:clrMapOvr>
-  <p:timing>
-    <p:tnLst>
-      <p:par>
-        <p:cTn id="1" dur="indefinite" restart="never" nodeType="tmRoot"/>
-      </p:par>
-    </p:tnLst>
-  </p:timing>
 </p:sld>
 </file>
 
@@ -9803,12 +9507,8 @@
           <a:lstStyle/>
           <a:p>
             <a:r>
-              <a:rPr lang="en-US" dirty="0" smtClean="0"/>
-              <a:t>Crowdsourced </a:t>
-            </a:r>
-            <a:r>
               <a:rPr lang="en-US" dirty="0"/>
-              <a:t>Mutual Funds </a:t>
+              <a:t>Crowdsourced Mutual Funds </a:t>
             </a:r>
           </a:p>
         </p:txBody>
@@ -10151,8 +9851,8 @@
         </p:nvSpPr>
         <p:spPr>
           <a:xfrm>
-            <a:off x="1348851" y="4277442"/>
-            <a:ext cx="1591056" cy="369332"/>
+            <a:off x="1087493" y="4282429"/>
+            <a:ext cx="2113772" cy="369332"/>
           </a:xfrm>
           <a:prstGeom prst="rect">
             <a:avLst/>
@@ -10192,7 +9892,7 @@
                   <a:srgbClr val="379533"/>
                 </a:solidFill>
               </a:rPr>
-              <a:t>Ideas of One</a:t>
+              <a:t>Product Focused</a:t>
             </a:r>
             <a:endParaRPr lang="en-US" sz="1800" dirty="0"/>
           </a:p>
@@ -10208,8 +9908,8 @@
         </p:nvSpPr>
         <p:spPr>
           <a:xfrm>
-            <a:off x="6061936" y="4277442"/>
-            <a:ext cx="1783298" cy="369332"/>
+            <a:off x="5742637" y="4313960"/>
+            <a:ext cx="2421896" cy="369332"/>
           </a:xfrm>
           <a:prstGeom prst="rect">
             <a:avLst/>
@@ -10249,7 +9949,7 @@
                   <a:srgbClr val="379533"/>
                 </a:solidFill>
               </a:rPr>
-              <a:t>Ideas of Many</a:t>
+              <a:t>Customer Focused</a:t>
             </a:r>
             <a:endParaRPr lang="en-US" sz="1800" dirty="0"/>
           </a:p>
@@ -10265,13 +9965,6 @@
   <p:clrMapOvr>
     <a:masterClrMapping/>
   </p:clrMapOvr>
-  <p:timing>
-    <p:tnLst>
-      <p:par>
-        <p:cTn id="1" dur="indefinite" restart="never" nodeType="tmRoot"/>
-      </p:par>
-    </p:tnLst>
-  </p:timing>
 </p:sld>
 </file>
 
@@ -10344,31 +10037,7 @@
               <a:rPr lang="en-US" i="1" dirty="0">
                 <a:sym typeface="Wingdings" panose="05000000000000000000" pitchFamily="2" charset="2"/>
               </a:rPr>
-              <a:t>Crowdsourcing allows for the collection of ideas and content from a large </a:t>
-            </a:r>
-            <a:r>
-              <a:rPr lang="en-US" i="1" dirty="0" smtClean="0">
-                <a:sym typeface="Wingdings" panose="05000000000000000000" pitchFamily="2" charset="2"/>
-              </a:rPr>
-              <a:t>group, </a:t>
-            </a:r>
-            <a:r>
-              <a:rPr lang="en-US" i="1" dirty="0">
-                <a:sym typeface="Wingdings" panose="05000000000000000000" pitchFamily="2" charset="2"/>
-              </a:rPr>
-              <a:t>specifically an online </a:t>
-            </a:r>
-            <a:r>
-              <a:rPr lang="en-US" i="1" dirty="0" smtClean="0">
-                <a:sym typeface="Wingdings" panose="05000000000000000000" pitchFamily="2" charset="2"/>
-              </a:rPr>
-              <a:t>community, </a:t>
-            </a:r>
-            <a:r>
-              <a:rPr lang="en-US" i="1" dirty="0">
-                <a:sym typeface="Wingdings" panose="05000000000000000000" pitchFamily="2" charset="2"/>
-              </a:rPr>
-              <a:t>rather than traditional employees. </a:t>
+              <a:t>Crowdsourcing allows for the collection of ideas and content from a large group, specifically an online community, rather than traditional employees. </a:t>
             </a:r>
           </a:p>
         </p:txBody>
@@ -10442,13 +10111,6 @@
   <p:clrMapOvr>
     <a:masterClrMapping/>
   </p:clrMapOvr>
-  <p:timing>
-    <p:tnLst>
-      <p:par>
-        <p:cTn id="1" dur="indefinite" restart="never" nodeType="tmRoot"/>
-      </p:par>
-    </p:tnLst>
-  </p:timing>
 </p:sld>
 </file>
 
@@ -10515,7 +10177,7 @@
               <a:buNone/>
             </a:pPr>
             <a:r>
-              <a:rPr lang="en-US" sz="3200" b="1" dirty="0" smtClean="0">
+              <a:rPr lang="en-US" sz="3200" b="1" dirty="0">
                 <a:ln w="0"/>
                 <a:solidFill>
                   <a:schemeClr val="accent5"/>
@@ -10558,7 +10220,7 @@
               <a:buNone/>
             </a:pPr>
             <a:r>
-              <a:rPr lang="en-US" sz="3200" b="1" dirty="0" smtClean="0">
+              <a:rPr lang="en-US" sz="3200" b="1" dirty="0">
                 <a:ln w="0"/>
                 <a:solidFill>
                   <a:schemeClr val="accent5"/>
@@ -10601,7 +10263,7 @@
               <a:buNone/>
             </a:pPr>
             <a:r>
-              <a:rPr lang="en-US" sz="3200" b="1" dirty="0" smtClean="0">
+              <a:rPr lang="en-US" sz="3200" b="1" dirty="0">
                 <a:ln w="0"/>
                 <a:solidFill>
                   <a:schemeClr val="accent5"/>
@@ -10703,13 +10365,6 @@
   <p:clrMapOvr>
     <a:masterClrMapping/>
   </p:clrMapOvr>
-  <p:timing>
-    <p:tnLst>
-      <p:par>
-        <p:cTn id="1" dur="indefinite" restart="never" nodeType="tmRoot"/>
-      </p:par>
-    </p:tnLst>
-  </p:timing>
 </p:sld>
 </file>
 
@@ -10799,13 +10454,6 @@
   <p:clrMapOvr>
     <a:masterClrMapping/>
   </p:clrMapOvr>
-  <p:timing>
-    <p:tnLst>
-      <p:par>
-        <p:cTn id="1" dur="indefinite" restart="never" nodeType="tmRoot"/>
-      </p:par>
-    </p:tnLst>
-  </p:timing>
 </p:sld>
 </file>
 
@@ -11082,13 +10730,6 @@
   <p:clrMapOvr>
     <a:masterClrMapping/>
   </p:clrMapOvr>
-  <p:timing>
-    <p:tnLst>
-      <p:par>
-        <p:cTn id="1" dur="indefinite" restart="never" nodeType="tmRoot"/>
-      </p:par>
-    </p:tnLst>
-  </p:timing>
 </p:sld>
 </file>
 

--- a/CMF.pptx
+++ b/CMF.pptx
@@ -124,7 +124,7 @@
   </p:defaultTextStyle>
   <p:extLst>
     <p:ext uri="{EFAFB233-063F-42B5-8137-9DF3F51BA10A}">
-      <p15:sldGuideLst xmlns:p15="http://schemas.microsoft.com/office/powerpoint/2012/main">
+      <p15:sldGuideLst xmlns:p15="http://schemas.microsoft.com/office/powerpoint/2012/main" xmlns="">
         <p15:guide id="1" orient="horz" pos="161">
           <p15:clr>
             <a:srgbClr val="A4A3A4"/>
@@ -168,7 +168,7 @@
       </p15:sldGuideLst>
     </p:ext>
     <p:ext uri="{2D200454-40CA-4A62-9FC3-DE9A4176ACB9}">
-      <p15:notesGuideLst xmlns:p15="http://schemas.microsoft.com/office/powerpoint/2012/main">
+      <p15:notesGuideLst xmlns:p15="http://schemas.microsoft.com/office/powerpoint/2012/main" xmlns="">
         <p15:guide id="1" orient="horz" pos="2924">
           <p15:clr>
             <a:srgbClr val="A4A3A4"/>
@@ -267,7 +267,7 @@
           <a:p>
             <a:fld id="{F0BB27B4-BE80-4A64-A720-975D9C2CD29D}" type="datetimeFigureOut">
               <a:rPr lang="en-US" smtClean="0"/>
-              <a:t>7/14/2017</a:t>
+              <a:t>07/18/2017</a:t>
             </a:fld>
             <a:endParaRPr lang="en-US"/>
           </a:p>
@@ -437,7 +437,7 @@
             <a:fld id="{80568A58-25BF-4ED8-BF3A-372FEB996820}" type="datetimeFigureOut">
               <a:rPr lang="en-US" smtClean="0"/>
               <a:pPr/>
-              <a:t>7/14/2017</a:t>
+              <a:t>07/18/2017</a:t>
             </a:fld>
             <a:endParaRPr lang="en-US" dirty="0"/>
           </a:p>
@@ -7218,7 +7218,7 @@
         </p:blipFill>
         <p:spPr bwMode="auto">
           <a:xfrm>
-            <a:off x="4770471" y="2615267"/>
+            <a:off x="4800600" y="2832981"/>
             <a:ext cx="4048273" cy="2332289"/>
           </a:xfrm>
           <a:prstGeom prst="rect">
@@ -7245,6 +7245,47 @@
                 <a:headEnd/>
                 <a:tailEnd/>
               </a14:hiddenLine>
+            </a:ext>
+          </a:extLst>
+        </p:spPr>
+      </p:pic>
+      <p:pic>
+        <p:nvPicPr>
+          <p:cNvPr id="1026" name="Picture 2" descr="C:\Users\a604266\AppData\Local\Microsoft\Windows\Temporary Internet Files\Content.Outlook\INFTGZX2\FIC - Home Page.png"/>
+          <p:cNvPicPr>
+            <a:picLocks noChangeAspect="1" noChangeArrowheads="1"/>
+          </p:cNvPicPr>
+          <p:nvPr/>
+        </p:nvPicPr>
+        <p:blipFill>
+          <a:blip r:embed="rId4" cstate="print">
+            <a:extLst>
+              <a:ext uri="{28A0092B-C50C-407E-A947-70E740481C1C}">
+                <a14:useLocalDpi xmlns:a14="http://schemas.microsoft.com/office/drawing/2010/main" val="0"/>
+              </a:ext>
+            </a:extLst>
+          </a:blip>
+          <a:srcRect/>
+          <a:stretch>
+            <a:fillRect/>
+          </a:stretch>
+        </p:blipFill>
+        <p:spPr bwMode="auto">
+          <a:xfrm>
+            <a:off x="5196175" y="211202"/>
+            <a:ext cx="3257121" cy="2404065"/>
+          </a:xfrm>
+          <a:prstGeom prst="rect">
+            <a:avLst/>
+          </a:prstGeom>
+          <a:noFill/>
+          <a:extLst>
+            <a:ext uri="{909E8E84-426E-40DD-AFC4-6F175D3DCCD1}">
+              <a14:hiddenFill xmlns:a14="http://schemas.microsoft.com/office/drawing/2010/main">
+                <a:solidFill>
+                  <a:srgbClr val="FFFFFF"/>
+                </a:solidFill>
+              </a14:hiddenFill>
             </a:ext>
           </a:extLst>
         </p:spPr>

--- a/CMF.pptx
+++ b/CMF.pptx
@@ -124,7 +124,7 @@
   </p:defaultTextStyle>
   <p:extLst>
     <p:ext uri="{EFAFB233-063F-42B5-8137-9DF3F51BA10A}">
-      <p15:sldGuideLst xmlns:p15="http://schemas.microsoft.com/office/powerpoint/2012/main" xmlns="">
+      <p15:sldGuideLst xmlns="" xmlns:p15="http://schemas.microsoft.com/office/powerpoint/2012/main">
         <p15:guide id="1" orient="horz" pos="161">
           <p15:clr>
             <a:srgbClr val="A4A3A4"/>
@@ -168,7 +168,7 @@
       </p15:sldGuideLst>
     </p:ext>
     <p:ext uri="{2D200454-40CA-4A62-9FC3-DE9A4176ACB9}">
-      <p15:notesGuideLst xmlns:p15="http://schemas.microsoft.com/office/powerpoint/2012/main" xmlns="">
+      <p15:notesGuideLst xmlns="" xmlns:p15="http://schemas.microsoft.com/office/powerpoint/2012/main">
         <p15:guide id="1" orient="horz" pos="2924">
           <p15:clr>
             <a:srgbClr val="A4A3A4"/>
@@ -267,7 +267,7 @@
           <a:p>
             <a:fld id="{F0BB27B4-BE80-4A64-A720-975D9C2CD29D}" type="datetimeFigureOut">
               <a:rPr lang="en-US" smtClean="0"/>
-              <a:t>07/18/2017</a:t>
+              <a:t>07/19/2017</a:t>
             </a:fld>
             <a:endParaRPr lang="en-US"/>
           </a:p>
@@ -437,7 +437,7 @@
             <a:fld id="{80568A58-25BF-4ED8-BF3A-372FEB996820}" type="datetimeFigureOut">
               <a:rPr lang="en-US" smtClean="0"/>
               <a:pPr/>
-              <a:t>07/18/2017</a:t>
+              <a:t>07/19/2017</a:t>
             </a:fld>
             <a:endParaRPr lang="en-US" dirty="0"/>
           </a:p>
